--- a/Exercies/Exercies03/Exercise03.pptx
+++ b/Exercies/Exercies03/Exercise03.pptx
@@ -41,7 +41,7 @@
   <p:notesSz cx="6858000" cy="9144000"/>
   <p:defaultTextStyle>
     <a:defPPr>
-      <a:defRPr lang="zh-CN"/>
+      <a:defRPr lang="zh-CHS"/>
     </a:defPPr>
     <a:lvl1pPr marL="0" algn="l" defTabSz="914400" rtl="0" eaLnBrk="1" latinLnBrk="0" hangingPunct="1">
       <a:defRPr sz="1800" kern="1200">
@@ -134,6 +134,22 @@
       </a:defRPr>
     </a:lvl9pPr>
   </p:defaultTextStyle>
+  <p:extLst>
+    <p:ext uri="{EFAFB233-063F-42B5-8137-9DF3F51BA10A}">
+      <p15:sldGuideLst xmlns:p15="http://schemas.microsoft.com/office/powerpoint/2012/main">
+        <p15:guide id="1" orient="horz" pos="2160">
+          <p15:clr>
+            <a:srgbClr val="A4A3A4"/>
+          </p15:clr>
+        </p15:guide>
+        <p15:guide id="2" pos="2880">
+          <p15:clr>
+            <a:srgbClr val="A4A3A4"/>
+          </p15:clr>
+        </p15:guide>
+      </p15:sldGuideLst>
+    </p:ext>
+  </p:extLst>
 </p:presentation>
 </file>
 
@@ -272,7 +288,7 @@
           </a:lstStyle>
           <a:p>
             <a:r>
-              <a:rPr kumimoji="0" lang="zh-CN" altLang="en-US" smtClean="0"/>
+              <a:rPr kumimoji="0" lang="zh-CHS" altLang="en-US" smtClean="0"/>
               <a:t>单击此处编辑母版标题样式</a:t>
             </a:r>
             <a:endParaRPr kumimoji="0" lang="en-US"/>
@@ -334,7 +350,7 @@
           </a:lstStyle>
           <a:p>
             <a:r>
-              <a:rPr kumimoji="0" lang="zh-CN" altLang="en-US" smtClean="0"/>
+              <a:rPr kumimoji="0" lang="zh-CHS" altLang="en-US" smtClean="0"/>
               <a:t>单击此处编辑母版副标题样式</a:t>
             </a:r>
             <a:endParaRPr kumimoji="0" lang="en-US"/>
@@ -761,11 +777,11 @@
           </a:lstStyle>
           <a:p>
             <a:fld id="{530820CF-B880-4189-942D-D702A7CBA730}" type="datetimeFigureOut">
-              <a:rPr lang="zh-CN" altLang="en-US" smtClean="0"/>
+              <a:rPr lang="zh-CHS" altLang="en-US" smtClean="0"/>
               <a:pPr/>
-              <a:t>2015/3/22</a:t>
+              <a:t>15/3/23</a:t>
             </a:fld>
-            <a:endParaRPr lang="zh-CN" altLang="en-US"/>
+            <a:endParaRPr lang="zh-CHS" altLang="en-US"/>
           </a:p>
         </p:txBody>
       </p:sp>
@@ -795,7 +811,7 @@
             <a:extLst/>
           </a:lstStyle>
           <a:p>
-            <a:endParaRPr lang="zh-CN" altLang="en-US"/>
+            <a:endParaRPr lang="zh-CHS" altLang="en-US"/>
           </a:p>
         </p:txBody>
       </p:sp>
@@ -824,11 +840,11 @@
           </a:lstStyle>
           <a:p>
             <a:fld id="{0C913308-F349-4B6D-A68A-DD1791B4A57B}" type="slidenum">
-              <a:rPr lang="zh-CN" altLang="en-US" smtClean="0"/>
+              <a:rPr lang="zh-CHS" altLang="en-US" smtClean="0"/>
               <a:pPr/>
               <a:t>‹#›</a:t>
             </a:fld>
-            <a:endParaRPr lang="zh-CN" altLang="en-US"/>
+            <a:endParaRPr lang="zh-CHS" altLang="en-US"/>
           </a:p>
         </p:txBody>
       </p:sp>
@@ -875,7 +891,7 @@
           </a:lstStyle>
           <a:p>
             <a:r>
-              <a:rPr kumimoji="0" lang="zh-CN" altLang="en-US" smtClean="0"/>
+              <a:rPr kumimoji="0" lang="zh-CHS" altLang="en-US" smtClean="0"/>
               <a:t>单击此处编辑母版标题样式</a:t>
             </a:r>
             <a:endParaRPr kumimoji="0" lang="en-US"/>
@@ -906,35 +922,35 @@
           <a:p>
             <a:pPr lvl="0" eaLnBrk="1" latinLnBrk="0" hangingPunct="1"/>
             <a:r>
-              <a:rPr lang="zh-CN" altLang="en-US" smtClean="0"/>
+              <a:rPr lang="zh-CHS" altLang="en-US" smtClean="0"/>
               <a:t>单击此处编辑母版文本样式</a:t>
             </a:r>
           </a:p>
           <a:p>
             <a:pPr lvl="1" eaLnBrk="1" latinLnBrk="0" hangingPunct="1"/>
             <a:r>
-              <a:rPr lang="zh-CN" altLang="en-US" smtClean="0"/>
+              <a:rPr lang="zh-CHS" altLang="en-US" smtClean="0"/>
               <a:t>第二级</a:t>
             </a:r>
           </a:p>
           <a:p>
             <a:pPr lvl="2" eaLnBrk="1" latinLnBrk="0" hangingPunct="1"/>
             <a:r>
-              <a:rPr lang="zh-CN" altLang="en-US" smtClean="0"/>
+              <a:rPr lang="zh-CHS" altLang="en-US" smtClean="0"/>
               <a:t>第三级</a:t>
             </a:r>
           </a:p>
           <a:p>
             <a:pPr lvl="3" eaLnBrk="1" latinLnBrk="0" hangingPunct="1"/>
             <a:r>
-              <a:rPr lang="zh-CN" altLang="en-US" smtClean="0"/>
+              <a:rPr lang="zh-CHS" altLang="en-US" smtClean="0"/>
               <a:t>第四级</a:t>
             </a:r>
           </a:p>
           <a:p>
             <a:pPr lvl="4" eaLnBrk="1" latinLnBrk="0" hangingPunct="1"/>
             <a:r>
-              <a:rPr lang="zh-CN" altLang="en-US" smtClean="0"/>
+              <a:rPr lang="zh-CHS" altLang="en-US" smtClean="0"/>
               <a:t>第五级</a:t>
             </a:r>
             <a:endParaRPr kumimoji="0" lang="en-US"/>
@@ -959,11 +975,11 @@
           </a:lstStyle>
           <a:p>
             <a:fld id="{530820CF-B880-4189-942D-D702A7CBA730}" type="datetimeFigureOut">
-              <a:rPr lang="zh-CN" altLang="en-US" smtClean="0"/>
+              <a:rPr lang="zh-CHS" altLang="en-US" smtClean="0"/>
               <a:pPr/>
-              <a:t>2015/3/22</a:t>
+              <a:t>15/3/23</a:t>
             </a:fld>
-            <a:endParaRPr lang="zh-CN" altLang="en-US"/>
+            <a:endParaRPr lang="zh-CHS" altLang="en-US"/>
           </a:p>
         </p:txBody>
       </p:sp>
@@ -984,7 +1000,7 @@
             <a:extLst/>
           </a:lstStyle>
           <a:p>
-            <a:endParaRPr lang="zh-CN" altLang="en-US"/>
+            <a:endParaRPr lang="zh-CHS" altLang="en-US"/>
           </a:p>
         </p:txBody>
       </p:sp>
@@ -1006,11 +1022,11 @@
           </a:lstStyle>
           <a:p>
             <a:fld id="{0C913308-F349-4B6D-A68A-DD1791B4A57B}" type="slidenum">
-              <a:rPr lang="zh-CN" altLang="en-US" smtClean="0"/>
+              <a:rPr lang="zh-CHS" altLang="en-US" smtClean="0"/>
               <a:pPr/>
               <a:t>‹#›</a:t>
             </a:fld>
-            <a:endParaRPr lang="zh-CN" altLang="en-US"/>
+            <a:endParaRPr lang="zh-CHS" altLang="en-US"/>
           </a:p>
         </p:txBody>
       </p:sp>
@@ -1062,7 +1078,7 @@
           </a:lstStyle>
           <a:p>
             <a:r>
-              <a:rPr kumimoji="0" lang="zh-CN" altLang="en-US" smtClean="0"/>
+              <a:rPr kumimoji="0" lang="zh-CHS" altLang="en-US" smtClean="0"/>
               <a:t>单击此处编辑母版标题样式</a:t>
             </a:r>
             <a:endParaRPr kumimoji="0" lang="en-US"/>
@@ -1093,35 +1109,35 @@
           <a:p>
             <a:pPr lvl="0" eaLnBrk="1" latinLnBrk="0" hangingPunct="1"/>
             <a:r>
-              <a:rPr lang="zh-CN" altLang="en-US" smtClean="0"/>
+              <a:rPr lang="zh-CHS" altLang="en-US" smtClean="0"/>
               <a:t>单击此处编辑母版文本样式</a:t>
             </a:r>
           </a:p>
           <a:p>
             <a:pPr lvl="1" eaLnBrk="1" latinLnBrk="0" hangingPunct="1"/>
             <a:r>
-              <a:rPr lang="zh-CN" altLang="en-US" smtClean="0"/>
+              <a:rPr lang="zh-CHS" altLang="en-US" smtClean="0"/>
               <a:t>第二级</a:t>
             </a:r>
           </a:p>
           <a:p>
             <a:pPr lvl="2" eaLnBrk="1" latinLnBrk="0" hangingPunct="1"/>
             <a:r>
-              <a:rPr lang="zh-CN" altLang="en-US" smtClean="0"/>
+              <a:rPr lang="zh-CHS" altLang="en-US" smtClean="0"/>
               <a:t>第三级</a:t>
             </a:r>
           </a:p>
           <a:p>
             <a:pPr lvl="3" eaLnBrk="1" latinLnBrk="0" hangingPunct="1"/>
             <a:r>
-              <a:rPr lang="zh-CN" altLang="en-US" smtClean="0"/>
+              <a:rPr lang="zh-CHS" altLang="en-US" smtClean="0"/>
               <a:t>第四级</a:t>
             </a:r>
           </a:p>
           <a:p>
             <a:pPr lvl="4" eaLnBrk="1" latinLnBrk="0" hangingPunct="1"/>
             <a:r>
-              <a:rPr lang="zh-CN" altLang="en-US" smtClean="0"/>
+              <a:rPr lang="zh-CHS" altLang="en-US" smtClean="0"/>
               <a:t>第五级</a:t>
             </a:r>
             <a:endParaRPr kumimoji="0" lang="en-US"/>
@@ -1146,11 +1162,11 @@
           </a:lstStyle>
           <a:p>
             <a:fld id="{530820CF-B880-4189-942D-D702A7CBA730}" type="datetimeFigureOut">
-              <a:rPr lang="zh-CN" altLang="en-US" smtClean="0"/>
+              <a:rPr lang="zh-CHS" altLang="en-US" smtClean="0"/>
               <a:pPr/>
-              <a:t>2015/3/22</a:t>
+              <a:t>15/3/23</a:t>
             </a:fld>
-            <a:endParaRPr lang="zh-CN" altLang="en-US"/>
+            <a:endParaRPr lang="zh-CHS" altLang="en-US"/>
           </a:p>
         </p:txBody>
       </p:sp>
@@ -1171,7 +1187,7 @@
             <a:extLst/>
           </a:lstStyle>
           <a:p>
-            <a:endParaRPr lang="zh-CN" altLang="en-US"/>
+            <a:endParaRPr lang="zh-CHS" altLang="en-US"/>
           </a:p>
         </p:txBody>
       </p:sp>
@@ -1193,11 +1209,11 @@
           </a:lstStyle>
           <a:p>
             <a:fld id="{0C913308-F349-4B6D-A68A-DD1791B4A57B}" type="slidenum">
-              <a:rPr lang="zh-CN" altLang="en-US" smtClean="0"/>
+              <a:rPr lang="zh-CHS" altLang="en-US" smtClean="0"/>
               <a:pPr/>
               <a:t>‹#›</a:t>
             </a:fld>
-            <a:endParaRPr lang="zh-CN" altLang="en-US"/>
+            <a:endParaRPr lang="zh-CHS" altLang="en-US"/>
           </a:p>
         </p:txBody>
       </p:sp>
@@ -1245,35 +1261,35 @@
           <a:p>
             <a:pPr lvl="0" eaLnBrk="1" latinLnBrk="0" hangingPunct="1"/>
             <a:r>
-              <a:rPr lang="zh-CN" altLang="en-US" smtClean="0"/>
+              <a:rPr lang="zh-CHS" altLang="en-US" smtClean="0"/>
               <a:t>单击此处编辑母版文本样式</a:t>
             </a:r>
           </a:p>
           <a:p>
             <a:pPr lvl="1" eaLnBrk="1" latinLnBrk="0" hangingPunct="1"/>
             <a:r>
-              <a:rPr lang="zh-CN" altLang="en-US" smtClean="0"/>
+              <a:rPr lang="zh-CHS" altLang="en-US" smtClean="0"/>
               <a:t>第二级</a:t>
             </a:r>
           </a:p>
           <a:p>
             <a:pPr lvl="2" eaLnBrk="1" latinLnBrk="0" hangingPunct="1"/>
             <a:r>
-              <a:rPr lang="zh-CN" altLang="en-US" smtClean="0"/>
+              <a:rPr lang="zh-CHS" altLang="en-US" smtClean="0"/>
               <a:t>第三级</a:t>
             </a:r>
           </a:p>
           <a:p>
             <a:pPr lvl="3" eaLnBrk="1" latinLnBrk="0" hangingPunct="1"/>
             <a:r>
-              <a:rPr lang="zh-CN" altLang="en-US" smtClean="0"/>
+              <a:rPr lang="zh-CHS" altLang="en-US" smtClean="0"/>
               <a:t>第四级</a:t>
             </a:r>
           </a:p>
           <a:p>
             <a:pPr lvl="4" eaLnBrk="1" latinLnBrk="0" hangingPunct="1"/>
             <a:r>
-              <a:rPr lang="zh-CN" altLang="en-US" smtClean="0"/>
+              <a:rPr lang="zh-CHS" altLang="en-US" smtClean="0"/>
               <a:t>第五级</a:t>
             </a:r>
             <a:endParaRPr kumimoji="0" lang="en-US"/>
@@ -1298,11 +1314,11 @@
           </a:lstStyle>
           <a:p>
             <a:fld id="{530820CF-B880-4189-942D-D702A7CBA730}" type="datetimeFigureOut">
-              <a:rPr lang="zh-CN" altLang="en-US" smtClean="0"/>
+              <a:rPr lang="zh-CHS" altLang="en-US" smtClean="0"/>
               <a:pPr/>
-              <a:t>2015/3/22</a:t>
+              <a:t>15/3/23</a:t>
             </a:fld>
-            <a:endParaRPr lang="zh-CN" altLang="en-US"/>
+            <a:endParaRPr lang="zh-CHS" altLang="en-US"/>
           </a:p>
         </p:txBody>
       </p:sp>
@@ -1323,7 +1339,7 @@
             <a:extLst/>
           </a:lstStyle>
           <a:p>
-            <a:endParaRPr lang="zh-CN" altLang="en-US"/>
+            <a:endParaRPr lang="zh-CHS" altLang="en-US"/>
           </a:p>
         </p:txBody>
       </p:sp>
@@ -1345,11 +1361,11 @@
           </a:lstStyle>
           <a:p>
             <a:fld id="{0C913308-F349-4B6D-A68A-DD1791B4A57B}" type="slidenum">
-              <a:rPr lang="zh-CN" altLang="en-US" smtClean="0"/>
+              <a:rPr lang="zh-CHS" altLang="en-US" smtClean="0"/>
               <a:pPr/>
               <a:t>‹#›</a:t>
             </a:fld>
-            <a:endParaRPr lang="zh-CN" altLang="en-US"/>
+            <a:endParaRPr lang="zh-CHS" altLang="en-US"/>
           </a:p>
         </p:txBody>
       </p:sp>
@@ -1371,7 +1387,7 @@
           </a:lstStyle>
           <a:p>
             <a:r>
-              <a:rPr kumimoji="0" lang="zh-CN" altLang="en-US" smtClean="0"/>
+              <a:rPr kumimoji="0" lang="zh-CHS" altLang="en-US" smtClean="0"/>
               <a:t>单击此处编辑母版标题样式</a:t>
             </a:r>
             <a:endParaRPr kumimoji="0" lang="en-US"/>
@@ -1447,7 +1463,7 @@
           </a:lstStyle>
           <a:p>
             <a:r>
-              <a:rPr kumimoji="0" lang="zh-CN" altLang="en-US" smtClean="0"/>
+              <a:rPr kumimoji="0" lang="zh-CHS" altLang="en-US" smtClean="0"/>
               <a:t>单击此处编辑母版标题样式</a:t>
             </a:r>
             <a:endParaRPr kumimoji="0" lang="en-US"/>
@@ -1526,7 +1542,7 @@
           <a:p>
             <a:pPr lvl="0" eaLnBrk="1" latinLnBrk="0" hangingPunct="1"/>
             <a:r>
-              <a:rPr kumimoji="0" lang="zh-CN" altLang="en-US" smtClean="0"/>
+              <a:rPr kumimoji="0" lang="zh-CHS" altLang="en-US" smtClean="0"/>
               <a:t>单击此处编辑母版文本样式</a:t>
             </a:r>
           </a:p>
@@ -1550,11 +1566,11 @@
           </a:lstStyle>
           <a:p>
             <a:fld id="{530820CF-B880-4189-942D-D702A7CBA730}" type="datetimeFigureOut">
-              <a:rPr lang="zh-CN" altLang="en-US" smtClean="0"/>
+              <a:rPr lang="zh-CHS" altLang="en-US" smtClean="0"/>
               <a:pPr/>
-              <a:t>2015/3/22</a:t>
+              <a:t>15/3/23</a:t>
             </a:fld>
-            <a:endParaRPr lang="zh-CN" altLang="en-US"/>
+            <a:endParaRPr lang="zh-CHS" altLang="en-US"/>
           </a:p>
         </p:txBody>
       </p:sp>
@@ -1575,7 +1591,7 @@
             <a:extLst/>
           </a:lstStyle>
           <a:p>
-            <a:endParaRPr lang="zh-CN" altLang="en-US"/>
+            <a:endParaRPr lang="zh-CHS" altLang="en-US"/>
           </a:p>
         </p:txBody>
       </p:sp>
@@ -1597,11 +1613,11 @@
           </a:lstStyle>
           <a:p>
             <a:fld id="{0C913308-F349-4B6D-A68A-DD1791B4A57B}" type="slidenum">
-              <a:rPr lang="zh-CN" altLang="en-US" smtClean="0"/>
+              <a:rPr lang="zh-CHS" altLang="en-US" smtClean="0"/>
               <a:pPr/>
               <a:t>‹#›</a:t>
             </a:fld>
-            <a:endParaRPr lang="zh-CN" altLang="en-US"/>
+            <a:endParaRPr lang="zh-CHS" altLang="en-US"/>
           </a:p>
         </p:txBody>
       </p:sp>
@@ -1829,35 +1845,35 @@
           <a:p>
             <a:pPr lvl="0" eaLnBrk="1" latinLnBrk="0" hangingPunct="1"/>
             <a:r>
-              <a:rPr lang="zh-CN" altLang="en-US" smtClean="0"/>
+              <a:rPr lang="zh-CHS" altLang="en-US" smtClean="0"/>
               <a:t>单击此处编辑母版文本样式</a:t>
             </a:r>
           </a:p>
           <a:p>
             <a:pPr lvl="1" eaLnBrk="1" latinLnBrk="0" hangingPunct="1"/>
             <a:r>
-              <a:rPr lang="zh-CN" altLang="en-US" smtClean="0"/>
+              <a:rPr lang="zh-CHS" altLang="en-US" smtClean="0"/>
               <a:t>第二级</a:t>
             </a:r>
           </a:p>
           <a:p>
             <a:pPr lvl="2" eaLnBrk="1" latinLnBrk="0" hangingPunct="1"/>
             <a:r>
-              <a:rPr lang="zh-CN" altLang="en-US" smtClean="0"/>
+              <a:rPr lang="zh-CHS" altLang="en-US" smtClean="0"/>
               <a:t>第三级</a:t>
             </a:r>
           </a:p>
           <a:p>
             <a:pPr lvl="3" eaLnBrk="1" latinLnBrk="0" hangingPunct="1"/>
             <a:r>
-              <a:rPr lang="zh-CN" altLang="en-US" smtClean="0"/>
+              <a:rPr lang="zh-CHS" altLang="en-US" smtClean="0"/>
               <a:t>第四级</a:t>
             </a:r>
           </a:p>
           <a:p>
             <a:pPr lvl="4" eaLnBrk="1" latinLnBrk="0" hangingPunct="1"/>
             <a:r>
-              <a:rPr lang="zh-CN" altLang="en-US" smtClean="0"/>
+              <a:rPr lang="zh-CHS" altLang="en-US" smtClean="0"/>
               <a:t>第五级</a:t>
             </a:r>
             <a:endParaRPr kumimoji="0" lang="en-US"/>
@@ -1903,35 +1919,35 @@
           <a:p>
             <a:pPr lvl="0" eaLnBrk="1" latinLnBrk="0" hangingPunct="1"/>
             <a:r>
-              <a:rPr lang="zh-CN" altLang="en-US" smtClean="0"/>
+              <a:rPr lang="zh-CHS" altLang="en-US" smtClean="0"/>
               <a:t>单击此处编辑母版文本样式</a:t>
             </a:r>
           </a:p>
           <a:p>
             <a:pPr lvl="1" eaLnBrk="1" latinLnBrk="0" hangingPunct="1"/>
             <a:r>
-              <a:rPr lang="zh-CN" altLang="en-US" smtClean="0"/>
+              <a:rPr lang="zh-CHS" altLang="en-US" smtClean="0"/>
               <a:t>第二级</a:t>
             </a:r>
           </a:p>
           <a:p>
             <a:pPr lvl="2" eaLnBrk="1" latinLnBrk="0" hangingPunct="1"/>
             <a:r>
-              <a:rPr lang="zh-CN" altLang="en-US" smtClean="0"/>
+              <a:rPr lang="zh-CHS" altLang="en-US" smtClean="0"/>
               <a:t>第三级</a:t>
             </a:r>
           </a:p>
           <a:p>
             <a:pPr lvl="3" eaLnBrk="1" latinLnBrk="0" hangingPunct="1"/>
             <a:r>
-              <a:rPr lang="zh-CN" altLang="en-US" smtClean="0"/>
+              <a:rPr lang="zh-CHS" altLang="en-US" smtClean="0"/>
               <a:t>第四级</a:t>
             </a:r>
           </a:p>
           <a:p>
             <a:pPr lvl="4" eaLnBrk="1" latinLnBrk="0" hangingPunct="1"/>
             <a:r>
-              <a:rPr lang="zh-CN" altLang="en-US" smtClean="0"/>
+              <a:rPr lang="zh-CHS" altLang="en-US" smtClean="0"/>
               <a:t>第五级</a:t>
             </a:r>
             <a:endParaRPr kumimoji="0" lang="en-US"/>
@@ -1956,11 +1972,11 @@
           </a:lstStyle>
           <a:p>
             <a:fld id="{530820CF-B880-4189-942D-D702A7CBA730}" type="datetimeFigureOut">
-              <a:rPr lang="zh-CN" altLang="en-US" smtClean="0"/>
+              <a:rPr lang="zh-CHS" altLang="en-US" smtClean="0"/>
               <a:pPr/>
-              <a:t>2015/3/22</a:t>
+              <a:t>15/3/23</a:t>
             </a:fld>
-            <a:endParaRPr lang="zh-CN" altLang="en-US"/>
+            <a:endParaRPr lang="zh-CHS" altLang="en-US"/>
           </a:p>
         </p:txBody>
       </p:sp>
@@ -1981,7 +1997,7 @@
             <a:extLst/>
           </a:lstStyle>
           <a:p>
-            <a:endParaRPr lang="zh-CN" altLang="en-US"/>
+            <a:endParaRPr lang="zh-CHS" altLang="en-US"/>
           </a:p>
         </p:txBody>
       </p:sp>
@@ -2003,11 +2019,11 @@
           </a:lstStyle>
           <a:p>
             <a:fld id="{0C913308-F349-4B6D-A68A-DD1791B4A57B}" type="slidenum">
-              <a:rPr lang="zh-CN" altLang="en-US" smtClean="0"/>
+              <a:rPr lang="zh-CHS" altLang="en-US" smtClean="0"/>
               <a:pPr/>
               <a:t>‹#›</a:t>
             </a:fld>
-            <a:endParaRPr lang="zh-CN" altLang="en-US"/>
+            <a:endParaRPr lang="zh-CHS" altLang="en-US"/>
           </a:p>
         </p:txBody>
       </p:sp>
@@ -2029,7 +2045,7 @@
           </a:lstStyle>
           <a:p>
             <a:r>
-              <a:rPr kumimoji="0" lang="zh-CN" altLang="en-US" smtClean="0"/>
+              <a:rPr kumimoji="0" lang="zh-CHS" altLang="en-US" smtClean="0"/>
               <a:t>单击此处编辑母版标题样式</a:t>
             </a:r>
             <a:endParaRPr kumimoji="0" lang="en-US"/>
@@ -2087,7 +2103,7 @@
           </a:lstStyle>
           <a:p>
             <a:r>
-              <a:rPr kumimoji="0" lang="zh-CN" altLang="en-US" smtClean="0"/>
+              <a:rPr kumimoji="0" lang="zh-CHS" altLang="en-US" smtClean="0"/>
               <a:t>单击此处编辑母版标题样式</a:t>
             </a:r>
             <a:endParaRPr kumimoji="0" lang="en-US"/>
@@ -2151,7 +2167,7 @@
           <a:p>
             <a:pPr lvl="0" eaLnBrk="1" latinLnBrk="0" hangingPunct="1"/>
             <a:r>
-              <a:rPr kumimoji="0" lang="zh-CN" altLang="en-US" smtClean="0"/>
+              <a:rPr kumimoji="0" lang="zh-CHS" altLang="en-US" smtClean="0"/>
               <a:t>单击此处编辑母版文本样式</a:t>
             </a:r>
           </a:p>
@@ -2214,7 +2230,7 @@
           <a:p>
             <a:pPr lvl="0" eaLnBrk="1" latinLnBrk="0" hangingPunct="1"/>
             <a:r>
-              <a:rPr kumimoji="0" lang="zh-CN" altLang="en-US" smtClean="0"/>
+              <a:rPr kumimoji="0" lang="zh-CHS" altLang="en-US" smtClean="0"/>
               <a:t>单击此处编辑母版文本样式</a:t>
             </a:r>
           </a:p>
@@ -2264,35 +2280,35 @@
           <a:p>
             <a:pPr lvl="0" eaLnBrk="1" latinLnBrk="0" hangingPunct="1"/>
             <a:r>
-              <a:rPr lang="zh-CN" altLang="en-US" smtClean="0"/>
+              <a:rPr lang="zh-CHS" altLang="en-US" smtClean="0"/>
               <a:t>单击此处编辑母版文本样式</a:t>
             </a:r>
           </a:p>
           <a:p>
             <a:pPr lvl="1" eaLnBrk="1" latinLnBrk="0" hangingPunct="1"/>
             <a:r>
-              <a:rPr lang="zh-CN" altLang="en-US" smtClean="0"/>
+              <a:rPr lang="zh-CHS" altLang="en-US" smtClean="0"/>
               <a:t>第二级</a:t>
             </a:r>
           </a:p>
           <a:p>
             <a:pPr lvl="2" eaLnBrk="1" latinLnBrk="0" hangingPunct="1"/>
             <a:r>
-              <a:rPr lang="zh-CN" altLang="en-US" smtClean="0"/>
+              <a:rPr lang="zh-CHS" altLang="en-US" smtClean="0"/>
               <a:t>第三级</a:t>
             </a:r>
           </a:p>
           <a:p>
             <a:pPr lvl="3" eaLnBrk="1" latinLnBrk="0" hangingPunct="1"/>
             <a:r>
-              <a:rPr lang="zh-CN" altLang="en-US" smtClean="0"/>
+              <a:rPr lang="zh-CHS" altLang="en-US" smtClean="0"/>
               <a:t>第四级</a:t>
             </a:r>
           </a:p>
           <a:p>
             <a:pPr lvl="4" eaLnBrk="1" latinLnBrk="0" hangingPunct="1"/>
             <a:r>
-              <a:rPr lang="zh-CN" altLang="en-US" smtClean="0"/>
+              <a:rPr lang="zh-CHS" altLang="en-US" smtClean="0"/>
               <a:t>第五级</a:t>
             </a:r>
             <a:endParaRPr kumimoji="0" lang="en-US"/>
@@ -2346,35 +2362,35 @@
           <a:p>
             <a:pPr lvl="0" eaLnBrk="1" latinLnBrk="0" hangingPunct="1"/>
             <a:r>
-              <a:rPr lang="zh-CN" altLang="en-US" smtClean="0"/>
+              <a:rPr lang="zh-CHS" altLang="en-US" smtClean="0"/>
               <a:t>单击此处编辑母版文本样式</a:t>
             </a:r>
           </a:p>
           <a:p>
             <a:pPr lvl="1" eaLnBrk="1" latinLnBrk="0" hangingPunct="1"/>
             <a:r>
-              <a:rPr lang="zh-CN" altLang="en-US" smtClean="0"/>
+              <a:rPr lang="zh-CHS" altLang="en-US" smtClean="0"/>
               <a:t>第二级</a:t>
             </a:r>
           </a:p>
           <a:p>
             <a:pPr lvl="2" eaLnBrk="1" latinLnBrk="0" hangingPunct="1"/>
             <a:r>
-              <a:rPr lang="zh-CN" altLang="en-US" smtClean="0"/>
+              <a:rPr lang="zh-CHS" altLang="en-US" smtClean="0"/>
               <a:t>第三级</a:t>
             </a:r>
           </a:p>
           <a:p>
             <a:pPr lvl="3" eaLnBrk="1" latinLnBrk="0" hangingPunct="1"/>
             <a:r>
-              <a:rPr lang="zh-CN" altLang="en-US" smtClean="0"/>
+              <a:rPr lang="zh-CHS" altLang="en-US" smtClean="0"/>
               <a:t>第四级</a:t>
             </a:r>
           </a:p>
           <a:p>
             <a:pPr lvl="4" eaLnBrk="1" latinLnBrk="0" hangingPunct="1"/>
             <a:r>
-              <a:rPr lang="zh-CN" altLang="en-US" smtClean="0"/>
+              <a:rPr lang="zh-CHS" altLang="en-US" smtClean="0"/>
               <a:t>第五级</a:t>
             </a:r>
             <a:endParaRPr kumimoji="0" lang="en-US"/>
@@ -2399,11 +2415,11 @@
           </a:lstStyle>
           <a:p>
             <a:fld id="{530820CF-B880-4189-942D-D702A7CBA730}" type="datetimeFigureOut">
-              <a:rPr lang="zh-CN" altLang="en-US" smtClean="0"/>
+              <a:rPr lang="zh-CHS" altLang="en-US" smtClean="0"/>
               <a:pPr/>
-              <a:t>2015/3/22</a:t>
+              <a:t>15/3/23</a:t>
             </a:fld>
-            <a:endParaRPr lang="zh-CN" altLang="en-US"/>
+            <a:endParaRPr lang="zh-CHS" altLang="en-US"/>
           </a:p>
         </p:txBody>
       </p:sp>
@@ -2424,7 +2440,7 @@
             <a:extLst/>
           </a:lstStyle>
           <a:p>
-            <a:endParaRPr lang="zh-CN" altLang="en-US"/>
+            <a:endParaRPr lang="zh-CHS" altLang="en-US"/>
           </a:p>
         </p:txBody>
       </p:sp>
@@ -2446,11 +2462,11 @@
           </a:lstStyle>
           <a:p>
             <a:fld id="{0C913308-F349-4B6D-A68A-DD1791B4A57B}" type="slidenum">
-              <a:rPr lang="zh-CN" altLang="en-US" smtClean="0"/>
+              <a:rPr lang="zh-CHS" altLang="en-US" smtClean="0"/>
               <a:pPr/>
               <a:t>‹#›</a:t>
             </a:fld>
-            <a:endParaRPr lang="zh-CN" altLang="en-US"/>
+            <a:endParaRPr lang="zh-CHS" altLang="en-US"/>
           </a:p>
         </p:txBody>
       </p:sp>
@@ -2497,11 +2513,11 @@
           </a:lstStyle>
           <a:p>
             <a:fld id="{530820CF-B880-4189-942D-D702A7CBA730}" type="datetimeFigureOut">
-              <a:rPr lang="zh-CN" altLang="en-US" smtClean="0"/>
+              <a:rPr lang="zh-CHS" altLang="en-US" smtClean="0"/>
               <a:pPr/>
-              <a:t>2015/3/22</a:t>
+              <a:t>15/3/23</a:t>
             </a:fld>
-            <a:endParaRPr lang="zh-CN" altLang="en-US"/>
+            <a:endParaRPr lang="zh-CHS" altLang="en-US"/>
           </a:p>
         </p:txBody>
       </p:sp>
@@ -2522,7 +2538,7 @@
             <a:extLst/>
           </a:lstStyle>
           <a:p>
-            <a:endParaRPr lang="zh-CN" altLang="en-US"/>
+            <a:endParaRPr lang="zh-CHS" altLang="en-US"/>
           </a:p>
         </p:txBody>
       </p:sp>
@@ -2544,11 +2560,11 @@
           </a:lstStyle>
           <a:p>
             <a:fld id="{0C913308-F349-4B6D-A68A-DD1791B4A57B}" type="slidenum">
-              <a:rPr lang="zh-CN" altLang="en-US" smtClean="0"/>
+              <a:rPr lang="zh-CHS" altLang="en-US" smtClean="0"/>
               <a:pPr/>
               <a:t>‹#›</a:t>
             </a:fld>
-            <a:endParaRPr lang="zh-CN" altLang="en-US"/>
+            <a:endParaRPr lang="zh-CHS" altLang="en-US"/>
           </a:p>
         </p:txBody>
       </p:sp>
@@ -2570,7 +2586,7 @@
           </a:lstStyle>
           <a:p>
             <a:r>
-              <a:rPr kumimoji="0" lang="zh-CN" altLang="en-US" smtClean="0"/>
+              <a:rPr kumimoji="0" lang="zh-CHS" altLang="en-US" smtClean="0"/>
               <a:t>单击此处编辑母版标题样式</a:t>
             </a:r>
             <a:endParaRPr kumimoji="0" lang="en-US"/>
@@ -2620,11 +2636,11 @@
           </a:lstStyle>
           <a:p>
             <a:fld id="{530820CF-B880-4189-942D-D702A7CBA730}" type="datetimeFigureOut">
-              <a:rPr lang="zh-CN" altLang="en-US" smtClean="0"/>
+              <a:rPr lang="zh-CHS" altLang="en-US" smtClean="0"/>
               <a:pPr/>
-              <a:t>2015/3/22</a:t>
+              <a:t>15/3/23</a:t>
             </a:fld>
-            <a:endParaRPr lang="zh-CN" altLang="en-US"/>
+            <a:endParaRPr lang="zh-CHS" altLang="en-US"/>
           </a:p>
         </p:txBody>
       </p:sp>
@@ -2645,7 +2661,7 @@
             <a:extLst/>
           </a:lstStyle>
           <a:p>
-            <a:endParaRPr lang="zh-CN" altLang="en-US"/>
+            <a:endParaRPr lang="zh-CHS" altLang="en-US"/>
           </a:p>
         </p:txBody>
       </p:sp>
@@ -2667,11 +2683,11 @@
           </a:lstStyle>
           <a:p>
             <a:fld id="{0C913308-F349-4B6D-A68A-DD1791B4A57B}" type="slidenum">
-              <a:rPr lang="zh-CN" altLang="en-US" smtClean="0"/>
+              <a:rPr lang="zh-CHS" altLang="en-US" smtClean="0"/>
               <a:pPr/>
               <a:t>‹#›</a:t>
             </a:fld>
-            <a:endParaRPr lang="zh-CN" altLang="en-US"/>
+            <a:endParaRPr lang="zh-CHS" altLang="en-US"/>
           </a:p>
         </p:txBody>
       </p:sp>
@@ -2737,7 +2753,7 @@
           </a:lstStyle>
           <a:p>
             <a:r>
-              <a:rPr kumimoji="0" lang="zh-CN" altLang="en-US" smtClean="0"/>
+              <a:rPr kumimoji="0" lang="zh-CHS" altLang="en-US" smtClean="0"/>
               <a:t>单击此处编辑母版标题样式</a:t>
             </a:r>
             <a:endParaRPr kumimoji="0" lang="en-US"/>
@@ -2788,7 +2804,7 @@
           <a:p>
             <a:pPr lvl="0" eaLnBrk="1" latinLnBrk="0" hangingPunct="1"/>
             <a:r>
-              <a:rPr kumimoji="0" lang="zh-CN" altLang="en-US" smtClean="0"/>
+              <a:rPr kumimoji="0" lang="zh-CHS" altLang="en-US" smtClean="0"/>
               <a:t>单击此处编辑母版文本样式</a:t>
             </a:r>
           </a:p>
@@ -2833,35 +2849,35 @@
           <a:p>
             <a:pPr lvl="0" eaLnBrk="1" latinLnBrk="0" hangingPunct="1"/>
             <a:r>
-              <a:rPr lang="zh-CN" altLang="en-US" smtClean="0"/>
+              <a:rPr lang="zh-CHS" altLang="en-US" smtClean="0"/>
               <a:t>单击此处编辑母版文本样式</a:t>
             </a:r>
           </a:p>
           <a:p>
             <a:pPr lvl="1" eaLnBrk="1" latinLnBrk="0" hangingPunct="1"/>
             <a:r>
-              <a:rPr lang="zh-CN" altLang="en-US" smtClean="0"/>
+              <a:rPr lang="zh-CHS" altLang="en-US" smtClean="0"/>
               <a:t>第二级</a:t>
             </a:r>
           </a:p>
           <a:p>
             <a:pPr lvl="2" eaLnBrk="1" latinLnBrk="0" hangingPunct="1"/>
             <a:r>
-              <a:rPr lang="zh-CN" altLang="en-US" smtClean="0"/>
+              <a:rPr lang="zh-CHS" altLang="en-US" smtClean="0"/>
               <a:t>第三级</a:t>
             </a:r>
           </a:p>
           <a:p>
             <a:pPr lvl="3" eaLnBrk="1" latinLnBrk="0" hangingPunct="1"/>
             <a:r>
-              <a:rPr lang="zh-CN" altLang="en-US" smtClean="0"/>
+              <a:rPr lang="zh-CHS" altLang="en-US" smtClean="0"/>
               <a:t>第四级</a:t>
             </a:r>
           </a:p>
           <a:p>
             <a:pPr lvl="4" eaLnBrk="1" latinLnBrk="0" hangingPunct="1"/>
             <a:r>
-              <a:rPr lang="zh-CN" altLang="en-US" smtClean="0"/>
+              <a:rPr lang="zh-CHS" altLang="en-US" smtClean="0"/>
               <a:t>第五级</a:t>
             </a:r>
             <a:endParaRPr kumimoji="0" lang="en-US"/>
@@ -2891,11 +2907,11 @@
           </a:lstStyle>
           <a:p>
             <a:fld id="{530820CF-B880-4189-942D-D702A7CBA730}" type="datetimeFigureOut">
-              <a:rPr lang="zh-CN" altLang="en-US" smtClean="0"/>
+              <a:rPr lang="zh-CHS" altLang="en-US" smtClean="0"/>
               <a:pPr/>
-              <a:t>2015/3/22</a:t>
+              <a:t>15/3/23</a:t>
             </a:fld>
-            <a:endParaRPr lang="zh-CN" altLang="en-US"/>
+            <a:endParaRPr lang="zh-CHS" altLang="en-US"/>
           </a:p>
         </p:txBody>
       </p:sp>
@@ -2916,7 +2932,7 @@
             <a:extLst/>
           </a:lstStyle>
           <a:p>
-            <a:endParaRPr lang="zh-CN" altLang="en-US"/>
+            <a:endParaRPr lang="zh-CHS" altLang="en-US"/>
           </a:p>
         </p:txBody>
       </p:sp>
@@ -2938,11 +2954,11 @@
           </a:lstStyle>
           <a:p>
             <a:fld id="{0C913308-F349-4B6D-A68A-DD1791B4A57B}" type="slidenum">
-              <a:rPr lang="zh-CN" altLang="en-US" smtClean="0"/>
+              <a:rPr lang="zh-CHS" altLang="en-US" smtClean="0"/>
               <a:pPr/>
               <a:t>‹#›</a:t>
             </a:fld>
-            <a:endParaRPr lang="zh-CN" altLang="en-US"/>
+            <a:endParaRPr lang="zh-CHS" altLang="en-US"/>
           </a:p>
         </p:txBody>
       </p:sp>
@@ -3012,7 +3028,7 @@
           <a:p>
             <a:pPr lvl="0" eaLnBrk="1" latinLnBrk="0" hangingPunct="1"/>
             <a:r>
-              <a:rPr kumimoji="0" lang="zh-CN" altLang="en-US" smtClean="0"/>
+              <a:rPr kumimoji="0" lang="zh-CHS" altLang="en-US" smtClean="0"/>
               <a:t>单击此处编辑母版文本样式</a:t>
             </a:r>
           </a:p>
@@ -3061,7 +3077,7 @@
           </a:lstStyle>
           <a:p>
             <a:r>
-              <a:rPr kumimoji="0" lang="zh-CN" altLang="en-US" smtClean="0"/>
+              <a:rPr kumimoji="0" lang="zh-CHS" altLang="en-US" smtClean="0"/>
               <a:t>单击图标添加图片</a:t>
             </a:r>
             <a:endParaRPr kumimoji="0" lang="en-US" dirty="0"/>
@@ -3093,11 +3109,11 @@
           </a:lstStyle>
           <a:p>
             <a:fld id="{530820CF-B880-4189-942D-D702A7CBA730}" type="datetimeFigureOut">
-              <a:rPr lang="zh-CN" altLang="en-US" smtClean="0"/>
+              <a:rPr lang="zh-CHS" altLang="en-US" smtClean="0"/>
               <a:pPr/>
-              <a:t>2015/3/22</a:t>
+              <a:t>15/3/23</a:t>
             </a:fld>
-            <a:endParaRPr lang="zh-CN" altLang="en-US"/>
+            <a:endParaRPr lang="zh-CHS" altLang="en-US"/>
           </a:p>
         </p:txBody>
       </p:sp>
@@ -3130,7 +3146,7 @@
             <a:extLst/>
           </a:lstStyle>
           <a:p>
-            <a:endParaRPr lang="zh-CN" altLang="en-US"/>
+            <a:endParaRPr lang="zh-CHS" altLang="en-US"/>
           </a:p>
         </p:txBody>
       </p:sp>
@@ -3159,11 +3175,11 @@
           </a:lstStyle>
           <a:p>
             <a:fld id="{0C913308-F349-4B6D-A68A-DD1791B4A57B}" type="slidenum">
-              <a:rPr lang="zh-CN" altLang="en-US" smtClean="0"/>
+              <a:rPr lang="zh-CHS" altLang="en-US" smtClean="0"/>
               <a:pPr/>
               <a:t>‹#›</a:t>
             </a:fld>
-            <a:endParaRPr lang="zh-CN" altLang="en-US"/>
+            <a:endParaRPr lang="zh-CHS" altLang="en-US"/>
           </a:p>
         </p:txBody>
       </p:sp>
@@ -3208,7 +3224,7 @@
           </a:lstStyle>
           <a:p>
             <a:r>
-              <a:rPr kumimoji="0" lang="zh-CN" altLang="en-US" smtClean="0"/>
+              <a:rPr kumimoji="0" lang="zh-CHS" altLang="en-US" smtClean="0"/>
               <a:t>单击此处编辑母版标题样式</a:t>
             </a:r>
             <a:endParaRPr kumimoji="0" lang="en-US"/>
@@ -4109,7 +4125,7 @@
           </a:lstStyle>
           <a:p>
             <a:r>
-              <a:rPr kumimoji="0" lang="zh-CN" altLang="en-US" smtClean="0"/>
+              <a:rPr kumimoji="0" lang="zh-CHS" altLang="en-US" smtClean="0"/>
               <a:t>单击此处编辑母版标题样式</a:t>
             </a:r>
             <a:endParaRPr kumimoji="0" lang="en-US"/>
@@ -4145,35 +4161,35 @@
           <a:p>
             <a:pPr lvl="0" eaLnBrk="1" latinLnBrk="0" hangingPunct="1"/>
             <a:r>
-              <a:rPr kumimoji="0" lang="zh-CN" altLang="en-US" smtClean="0"/>
+              <a:rPr kumimoji="0" lang="zh-CHS" altLang="en-US" smtClean="0"/>
               <a:t>单击此处编辑母版文本样式</a:t>
             </a:r>
           </a:p>
           <a:p>
             <a:pPr lvl="1" eaLnBrk="1" latinLnBrk="0" hangingPunct="1"/>
             <a:r>
-              <a:rPr kumimoji="0" lang="zh-CN" altLang="en-US" smtClean="0"/>
+              <a:rPr kumimoji="0" lang="zh-CHS" altLang="en-US" smtClean="0"/>
               <a:t>第二级</a:t>
             </a:r>
           </a:p>
           <a:p>
             <a:pPr lvl="2" eaLnBrk="1" latinLnBrk="0" hangingPunct="1"/>
             <a:r>
-              <a:rPr kumimoji="0" lang="zh-CN" altLang="en-US" smtClean="0"/>
+              <a:rPr kumimoji="0" lang="zh-CHS" altLang="en-US" smtClean="0"/>
               <a:t>第三级</a:t>
             </a:r>
           </a:p>
           <a:p>
             <a:pPr lvl="3" eaLnBrk="1" latinLnBrk="0" hangingPunct="1"/>
             <a:r>
-              <a:rPr kumimoji="0" lang="zh-CN" altLang="en-US" smtClean="0"/>
+              <a:rPr kumimoji="0" lang="zh-CHS" altLang="en-US" smtClean="0"/>
               <a:t>第四级</a:t>
             </a:r>
           </a:p>
           <a:p>
             <a:pPr lvl="4" eaLnBrk="1" latinLnBrk="0" hangingPunct="1"/>
             <a:r>
-              <a:rPr kumimoji="0" lang="zh-CN" altLang="en-US" smtClean="0"/>
+              <a:rPr kumimoji="0" lang="zh-CHS" altLang="en-US" smtClean="0"/>
               <a:t>第五级</a:t>
             </a:r>
             <a:endParaRPr kumimoji="0" lang="en-US"/>
@@ -4213,11 +4229,11 @@
           </a:lstStyle>
           <a:p>
             <a:fld id="{530820CF-B880-4189-942D-D702A7CBA730}" type="datetimeFigureOut">
-              <a:rPr lang="zh-CN" altLang="en-US" smtClean="0"/>
+              <a:rPr lang="zh-CHS" altLang="en-US" smtClean="0"/>
               <a:pPr/>
-              <a:t>2015/3/22</a:t>
+              <a:t>15/3/23</a:t>
             </a:fld>
-            <a:endParaRPr lang="zh-CN" altLang="en-US"/>
+            <a:endParaRPr lang="zh-CHS" altLang="en-US"/>
           </a:p>
         </p:txBody>
       </p:sp>
@@ -4253,7 +4269,7 @@
             <a:extLst/>
           </a:lstStyle>
           <a:p>
-            <a:endParaRPr lang="zh-CN" altLang="en-US"/>
+            <a:endParaRPr lang="zh-CHS" altLang="en-US"/>
           </a:p>
         </p:txBody>
       </p:sp>
@@ -4290,11 +4306,11 @@
           </a:lstStyle>
           <a:p>
             <a:fld id="{0C913308-F349-4B6D-A68A-DD1791B4A57B}" type="slidenum">
-              <a:rPr lang="zh-CN" altLang="en-US" smtClean="0"/>
+              <a:rPr lang="zh-CHS" altLang="en-US" smtClean="0"/>
               <a:pPr/>
               <a:t>‹#›</a:t>
             </a:fld>
-            <a:endParaRPr lang="zh-CN" altLang="en-US"/>
+            <a:endParaRPr lang="zh-CHS" altLang="en-US"/>
           </a:p>
         </p:txBody>
       </p:sp>
@@ -4644,10 +4660,10 @@
           <a:lstStyle/>
           <a:p>
             <a:r>
-              <a:rPr lang="en-US" altLang="zh-CN" dirty="0" smtClean="0"/>
+              <a:rPr lang="en-US" altLang="zh-CHS" dirty="0" smtClean="0"/>
               <a:t>OpenGL Programming</a:t>
             </a:r>
-            <a:endParaRPr lang="zh-CN" altLang="en-US" dirty="0"/>
+            <a:endParaRPr lang="zh-CHS" altLang="en-US" dirty="0"/>
           </a:p>
         </p:txBody>
       </p:sp>
@@ -4674,35 +4690,35 @@
           <a:lstStyle/>
           <a:p>
             <a:r>
-              <a:rPr lang="en-US" altLang="zh-CN" dirty="0" err="1" smtClean="0"/>
+              <a:rPr lang="en-US" altLang="zh-CHS" dirty="0" err="1" smtClean="0"/>
               <a:t>Chunxu</a:t>
             </a:r>
             <a:r>
-              <a:rPr lang="en-US" altLang="zh-CN" dirty="0" smtClean="0"/>
+              <a:rPr lang="en-US" altLang="zh-CHS" dirty="0" smtClean="0"/>
               <a:t> </a:t>
             </a:r>
             <a:r>
-              <a:rPr lang="en-US" altLang="zh-CN" dirty="0" err="1" smtClean="0"/>
+              <a:rPr lang="en-US" altLang="zh-CHS" dirty="0" err="1" smtClean="0"/>
               <a:t>Xu</a:t>
             </a:r>
-            <a:endParaRPr lang="en-US" altLang="zh-CN" dirty="0" smtClean="0"/>
-          </a:p>
-          <a:p>
-            <a:r>
-              <a:rPr lang="en-US" altLang="zh-CN" dirty="0" smtClean="0"/>
+            <a:endParaRPr lang="en-US" altLang="zh-CHS" dirty="0" smtClean="0"/>
+          </a:p>
+          <a:p>
+            <a:r>
+              <a:rPr lang="en-US" altLang="zh-CHS" dirty="0" smtClean="0"/>
               <a:t>E-mail: xu-cx12@mails.tsinghua.edu.cn</a:t>
             </a:r>
           </a:p>
           <a:p>
             <a:r>
-              <a:rPr lang="en-US" altLang="zh-CN" dirty="0" err="1" smtClean="0"/>
+              <a:rPr lang="en-US" altLang="zh-CHS" dirty="0" err="1" smtClean="0"/>
               <a:t>Cellphone</a:t>
             </a:r>
             <a:r>
-              <a:rPr lang="en-US" altLang="zh-CN" dirty="0" smtClean="0"/>
+              <a:rPr lang="en-US" altLang="zh-CHS" dirty="0" smtClean="0"/>
               <a:t>: 15120003845</a:t>
             </a:r>
-            <a:endParaRPr lang="zh-CN" altLang="en-US" dirty="0"/>
+            <a:endParaRPr lang="zh-CHS" altLang="en-US" dirty="0"/>
           </a:p>
         </p:txBody>
       </p:sp>
@@ -4756,98 +4772,98 @@
           <a:lstStyle/>
           <a:p>
             <a:r>
-              <a:rPr lang="en-US" altLang="zh-CN" dirty="0" smtClean="0"/>
+              <a:rPr lang="en-US" altLang="zh-CHS" dirty="0" smtClean="0"/>
               <a:t>Texture in OpenGL</a:t>
             </a:r>
           </a:p>
           <a:p>
             <a:pPr lvl="1"/>
             <a:r>
-              <a:rPr lang="en-US" altLang="zh-CN" dirty="0" smtClean="0"/>
+              <a:rPr lang="en-US" altLang="zh-CHS" dirty="0" smtClean="0"/>
               <a:t>Read (image) data for each handle</a:t>
             </a:r>
           </a:p>
           <a:p>
             <a:pPr lvl="2"/>
             <a:r>
-              <a:rPr lang="en-US" altLang="zh-CN" dirty="0" smtClean="0"/>
+              <a:rPr lang="en-US" altLang="zh-CHS" dirty="0" smtClean="0"/>
               <a:t>level – </a:t>
             </a:r>
             <a:r>
-              <a:rPr lang="en-US" altLang="zh-CN" dirty="0" err="1" smtClean="0"/>
+              <a:rPr lang="en-US" altLang="zh-CHS" dirty="0" err="1" smtClean="0"/>
               <a:t>Mipmap</a:t>
             </a:r>
             <a:r>
-              <a:rPr lang="en-US" altLang="zh-CN" dirty="0" smtClean="0"/>
+              <a:rPr lang="en-US" altLang="zh-CHS" dirty="0" smtClean="0"/>
               <a:t> level</a:t>
             </a:r>
           </a:p>
           <a:p>
             <a:pPr lvl="3"/>
             <a:r>
-              <a:rPr lang="en-US" altLang="zh-CN" dirty="0" smtClean="0"/>
+              <a:rPr lang="en-US" altLang="zh-CHS" dirty="0" smtClean="0"/>
               <a:t>We’ll talk about </a:t>
             </a:r>
             <a:r>
-              <a:rPr lang="en-US" altLang="zh-CN" dirty="0" err="1" smtClean="0"/>
+              <a:rPr lang="en-US" altLang="zh-CHS" dirty="0" err="1" smtClean="0"/>
               <a:t>mipmap</a:t>
             </a:r>
             <a:r>
-              <a:rPr lang="en-US" altLang="zh-CN" dirty="0" smtClean="0"/>
+              <a:rPr lang="en-US" altLang="zh-CHS" dirty="0" smtClean="0"/>
               <a:t> later…</a:t>
             </a:r>
           </a:p>
           <a:p>
             <a:pPr lvl="3"/>
-            <a:endParaRPr lang="en-US" altLang="zh-CN" dirty="0" smtClean="0"/>
+            <a:endParaRPr lang="en-US" altLang="zh-CHS" dirty="0" smtClean="0"/>
           </a:p>
           <a:p>
             <a:pPr lvl="2"/>
             <a:r>
-              <a:rPr lang="en-US" altLang="zh-CN" dirty="0" err="1" smtClean="0"/>
+              <a:rPr lang="en-US" altLang="zh-CHS" dirty="0" err="1" smtClean="0"/>
               <a:t>internalformat</a:t>
             </a:r>
             <a:r>
-              <a:rPr lang="en-US" altLang="zh-CN" dirty="0" smtClean="0"/>
+              <a:rPr lang="en-US" altLang="zh-CHS" dirty="0" smtClean="0"/>
               <a:t> – the format that texture data stored</a:t>
             </a:r>
           </a:p>
           <a:p>
             <a:pPr lvl="3"/>
             <a:r>
-              <a:rPr lang="en-US" altLang="zh-CN" dirty="0" smtClean="0"/>
+              <a:rPr lang="en-US" altLang="zh-CHS" dirty="0" smtClean="0"/>
               <a:t>GL_RGB\GL_RGBA…</a:t>
             </a:r>
           </a:p>
           <a:p>
             <a:pPr lvl="3"/>
-            <a:endParaRPr lang="en-US" altLang="zh-CN" dirty="0" smtClean="0"/>
+            <a:endParaRPr lang="en-US" altLang="zh-CHS" dirty="0" smtClean="0"/>
           </a:p>
           <a:p>
             <a:pPr lvl="2"/>
             <a:r>
-              <a:rPr lang="en-US" altLang="zh-CN" dirty="0" smtClean="0"/>
+              <a:rPr lang="en-US" altLang="zh-CHS" dirty="0" smtClean="0"/>
               <a:t>width, height – literally what they mean</a:t>
             </a:r>
           </a:p>
           <a:p>
             <a:pPr lvl="2"/>
             <a:r>
-              <a:rPr lang="en-US" altLang="zh-CN" dirty="0" smtClean="0"/>
+              <a:rPr lang="en-US" altLang="zh-CHS" dirty="0" smtClean="0"/>
               <a:t>border</a:t>
             </a:r>
           </a:p>
           <a:p>
             <a:pPr lvl="3"/>
             <a:r>
-              <a:rPr lang="en-US" altLang="zh-CN" dirty="0" smtClean="0"/>
+              <a:rPr lang="en-US" altLang="zh-CHS" dirty="0" smtClean="0"/>
               <a:t>It’s working when a large texture is split to small ones</a:t>
             </a:r>
           </a:p>
           <a:p>
             <a:pPr lvl="3"/>
             <a:r>
-              <a:rPr lang="en-US" altLang="zh-CN" dirty="0" smtClean="0"/>
+              <a:rPr lang="en-US" altLang="zh-CHS" dirty="0" smtClean="0"/>
               <a:t>It’ll be abolished; besides we probably have no needs to use it</a:t>
             </a:r>
           </a:p>
@@ -4871,10 +4887,10 @@
           <a:lstStyle/>
           <a:p>
             <a:r>
-              <a:rPr lang="en-US" altLang="zh-CN" sz="3600" dirty="0" smtClean="0"/>
+              <a:rPr lang="en-US" altLang="zh-CHS" sz="3600" dirty="0" smtClean="0"/>
               <a:t>Main techniques we need</a:t>
             </a:r>
-            <a:endParaRPr lang="zh-CN" altLang="en-US" sz="3600" dirty="0"/>
+            <a:endParaRPr lang="zh-CHS" altLang="en-US" sz="3600" dirty="0"/>
           </a:p>
         </p:txBody>
       </p:sp>
@@ -4926,61 +4942,61 @@
           <a:lstStyle/>
           <a:p>
             <a:r>
-              <a:rPr lang="en-US" altLang="zh-CN" dirty="0" smtClean="0"/>
+              <a:rPr lang="en-US" altLang="zh-CHS" dirty="0" smtClean="0"/>
               <a:t>Texture in OpenGL</a:t>
             </a:r>
           </a:p>
           <a:p>
             <a:pPr lvl="1"/>
             <a:r>
-              <a:rPr lang="en-US" altLang="zh-CN" dirty="0" smtClean="0"/>
+              <a:rPr lang="en-US" altLang="zh-CHS" dirty="0" smtClean="0"/>
               <a:t>Read (image) data for each handle</a:t>
             </a:r>
           </a:p>
           <a:p>
             <a:pPr lvl="1"/>
-            <a:endParaRPr lang="en-US" altLang="zh-CN" dirty="0" smtClean="0"/>
+            <a:endParaRPr lang="en-US" altLang="zh-CHS" dirty="0" smtClean="0"/>
           </a:p>
           <a:p>
             <a:pPr lvl="2"/>
             <a:r>
-              <a:rPr lang="en-US" altLang="zh-CN" dirty="0" smtClean="0"/>
+              <a:rPr lang="en-US" altLang="zh-CHS" dirty="0" smtClean="0"/>
               <a:t>format – the format of the data</a:t>
             </a:r>
           </a:p>
           <a:p>
             <a:pPr lvl="3"/>
             <a:r>
-              <a:rPr lang="en-US" altLang="zh-CN" dirty="0" smtClean="0"/>
+              <a:rPr lang="en-US" altLang="zh-CHS" dirty="0" smtClean="0"/>
               <a:t>GL_RGB\GL_RGBA\GL_BGR\GL_BGRA…</a:t>
             </a:r>
           </a:p>
           <a:p>
             <a:pPr lvl="3"/>
-            <a:endParaRPr lang="en-US" altLang="zh-CN" dirty="0" smtClean="0"/>
+            <a:endParaRPr lang="en-US" altLang="zh-CHS" dirty="0" smtClean="0"/>
           </a:p>
           <a:p>
             <a:pPr lvl="2"/>
             <a:r>
-              <a:rPr lang="en-US" altLang="zh-CN" dirty="0" smtClean="0"/>
+              <a:rPr lang="en-US" altLang="zh-CHS" dirty="0" smtClean="0"/>
               <a:t>type – data type of data</a:t>
             </a:r>
           </a:p>
           <a:p>
             <a:pPr lvl="3"/>
             <a:r>
-              <a:rPr lang="en-US" altLang="zh-CN" dirty="0" smtClean="0"/>
+              <a:rPr lang="en-US" altLang="zh-CHS" dirty="0" smtClean="0"/>
               <a:t>GL_UNSIGNED_BYTE\GL_INT…</a:t>
             </a:r>
           </a:p>
           <a:p>
             <a:pPr lvl="3"/>
-            <a:endParaRPr lang="en-US" altLang="zh-CN" dirty="0" smtClean="0"/>
+            <a:endParaRPr lang="en-US" altLang="zh-CHS" dirty="0" smtClean="0"/>
           </a:p>
           <a:p>
             <a:pPr lvl="2"/>
             <a:r>
-              <a:rPr lang="en-US" altLang="zh-CN" dirty="0" smtClean="0"/>
+              <a:rPr lang="en-US" altLang="zh-CHS" dirty="0" smtClean="0"/>
               <a:t>data – pointer to the data address</a:t>
             </a:r>
           </a:p>
@@ -5004,10 +5020,10 @@
           <a:lstStyle/>
           <a:p>
             <a:r>
-              <a:rPr lang="en-US" altLang="zh-CN" sz="3600" dirty="0" smtClean="0"/>
+              <a:rPr lang="en-US" altLang="zh-CHS" sz="3600" dirty="0" smtClean="0"/>
               <a:t>Main techniques we need</a:t>
             </a:r>
-            <a:endParaRPr lang="zh-CN" altLang="en-US" sz="3600" dirty="0"/>
+            <a:endParaRPr lang="zh-CHS" altLang="en-US" sz="3600" dirty="0"/>
           </a:p>
         </p:txBody>
       </p:sp>
@@ -5059,14 +5075,14 @@
           <a:lstStyle/>
           <a:p>
             <a:r>
-              <a:rPr lang="en-US" altLang="zh-CN" dirty="0" smtClean="0"/>
+              <a:rPr lang="en-US" altLang="zh-CHS" dirty="0" smtClean="0"/>
               <a:t>Texture in OpenGL</a:t>
             </a:r>
           </a:p>
           <a:p>
             <a:pPr lvl="1"/>
             <a:r>
-              <a:rPr lang="en-US" altLang="zh-CN" dirty="0" smtClean="0"/>
+              <a:rPr lang="en-US" altLang="zh-CHS" dirty="0" smtClean="0"/>
               <a:t>Set Texture Parameters</a:t>
             </a:r>
           </a:p>
@@ -5074,89 +5090,89 @@
             <a:pPr lvl="1">
               <a:buNone/>
             </a:pPr>
-            <a:endParaRPr lang="en-US" altLang="zh-CN" dirty="0" smtClean="0"/>
+            <a:endParaRPr lang="en-US" altLang="zh-CHS" dirty="0" smtClean="0"/>
           </a:p>
           <a:p>
             <a:pPr lvl="1"/>
             <a:r>
-              <a:rPr lang="en-US" altLang="zh-CN" b="1" dirty="0" smtClean="0"/>
+              <a:rPr lang="en-US" altLang="zh-CHS" b="1" dirty="0" smtClean="0"/>
               <a:t>void </a:t>
             </a:r>
             <a:r>
-              <a:rPr lang="en-US" altLang="zh-CN" b="1" dirty="0" err="1" smtClean="0"/>
+              <a:rPr lang="en-US" altLang="zh-CHS" b="1" dirty="0" err="1" smtClean="0"/>
               <a:t>glTexParameters</a:t>
             </a:r>
             <a:r>
-              <a:rPr lang="en-US" altLang="zh-CN" b="1" dirty="0" smtClean="0"/>
+              <a:rPr lang="en-US" altLang="zh-CHS" b="1" dirty="0" smtClean="0"/>
               <a:t>{f/</a:t>
             </a:r>
             <a:r>
-              <a:rPr lang="en-US" altLang="zh-CN" b="1" dirty="0" err="1" smtClean="0"/>
+              <a:rPr lang="en-US" altLang="zh-CHS" b="1" dirty="0" err="1" smtClean="0"/>
               <a:t>i</a:t>
             </a:r>
             <a:r>
-              <a:rPr lang="en-US" altLang="zh-CN" b="1" dirty="0" smtClean="0"/>
+              <a:rPr lang="en-US" altLang="zh-CHS" b="1" dirty="0" smtClean="0"/>
               <a:t>/fv/iv}(</a:t>
             </a:r>
             <a:r>
-              <a:rPr lang="en-US" altLang="zh-CN" b="1" dirty="0" err="1" smtClean="0"/>
+              <a:rPr lang="en-US" altLang="zh-CHS" b="1" dirty="0" err="1" smtClean="0"/>
               <a:t>GLenum</a:t>
             </a:r>
             <a:r>
-              <a:rPr lang="en-US" altLang="zh-CN" b="1" dirty="0" smtClean="0"/>
+              <a:rPr lang="en-US" altLang="zh-CHS" b="1" dirty="0" smtClean="0"/>
               <a:t> </a:t>
             </a:r>
             <a:r>
-              <a:rPr lang="en-US" altLang="zh-CN" b="1" i="1" dirty="0" smtClean="0"/>
+              <a:rPr lang="en-US" altLang="zh-CHS" b="1" i="1" dirty="0" smtClean="0"/>
               <a:t>target</a:t>
             </a:r>
             <a:r>
-              <a:rPr lang="en-US" altLang="zh-CN" b="1" dirty="0" smtClean="0"/>
+              <a:rPr lang="en-US" altLang="zh-CHS" b="1" dirty="0" smtClean="0"/>
               <a:t>, </a:t>
             </a:r>
             <a:r>
-              <a:rPr lang="en-US" altLang="zh-CN" b="1" dirty="0" err="1" smtClean="0"/>
+              <a:rPr lang="en-US" altLang="zh-CHS" b="1" dirty="0" err="1" smtClean="0"/>
               <a:t>GLenum</a:t>
             </a:r>
             <a:r>
-              <a:rPr lang="en-US" altLang="zh-CN" b="1" dirty="0" smtClean="0"/>
+              <a:rPr lang="en-US" altLang="zh-CHS" b="1" dirty="0" smtClean="0"/>
               <a:t> </a:t>
             </a:r>
             <a:r>
-              <a:rPr lang="en-US" altLang="zh-CN" b="1" i="1" dirty="0" err="1" smtClean="0"/>
+              <a:rPr lang="en-US" altLang="zh-CHS" b="1" i="1" dirty="0" err="1" smtClean="0"/>
               <a:t>pname</a:t>
             </a:r>
             <a:r>
-              <a:rPr lang="en-US" altLang="zh-CN" b="1" dirty="0" smtClean="0"/>
+              <a:rPr lang="en-US" altLang="zh-CHS" b="1" dirty="0" smtClean="0"/>
               <a:t>, </a:t>
             </a:r>
             <a:r>
-              <a:rPr lang="en-US" altLang="zh-CN" b="1" dirty="0" err="1" smtClean="0"/>
+              <a:rPr lang="en-US" altLang="zh-CHS" b="1" dirty="0" err="1" smtClean="0"/>
               <a:t>GLfloat</a:t>
             </a:r>
             <a:r>
-              <a:rPr lang="en-US" altLang="zh-CN" b="1" dirty="0" smtClean="0"/>
+              <a:rPr lang="en-US" altLang="zh-CHS" b="1" dirty="0" smtClean="0"/>
               <a:t> </a:t>
             </a:r>
             <a:r>
-              <a:rPr lang="en-US" altLang="zh-CN" b="1" i="1" dirty="0" err="1" smtClean="0"/>
+              <a:rPr lang="en-US" altLang="zh-CHS" b="1" i="1" dirty="0" err="1" smtClean="0"/>
               <a:t>param</a:t>
             </a:r>
             <a:r>
-              <a:rPr lang="en-US" altLang="zh-CN" b="1" dirty="0" smtClean="0"/>
+              <a:rPr lang="en-US" altLang="zh-CHS" b="1" dirty="0" smtClean="0"/>
               <a:t>)</a:t>
             </a:r>
           </a:p>
           <a:p>
             <a:pPr lvl="1"/>
-            <a:endParaRPr lang="en-US" altLang="zh-CN" b="1" dirty="0" smtClean="0"/>
+            <a:endParaRPr lang="en-US" altLang="zh-CHS" b="1" dirty="0" smtClean="0"/>
           </a:p>
           <a:p>
             <a:pPr lvl="1">
               <a:buNone/>
             </a:pPr>
             <a:r>
-              <a:rPr lang="en-US" altLang="zh-CN" dirty="0" smtClean="0"/>
+              <a:rPr lang="en-US" altLang="zh-CHS" dirty="0" smtClean="0"/>
               <a:t>	Many texture parameters can be set through this function call.</a:t>
             </a:r>
           </a:p>
@@ -5165,7 +5181,7 @@
               <a:buNone/>
             </a:pPr>
             <a:r>
-              <a:rPr lang="en-US" altLang="zh-CN" dirty="0" smtClean="0"/>
+              <a:rPr lang="en-US" altLang="zh-CHS" dirty="0" smtClean="0"/>
               <a:t>	We only introduce what we need here.</a:t>
             </a:r>
           </a:p>
@@ -5189,10 +5205,10 @@
           <a:lstStyle/>
           <a:p>
             <a:r>
-              <a:rPr lang="en-US" altLang="zh-CN" sz="3600" dirty="0" smtClean="0"/>
+              <a:rPr lang="en-US" altLang="zh-CHS" sz="3600" dirty="0" smtClean="0"/>
               <a:t>Main techniques we need</a:t>
             </a:r>
-            <a:endParaRPr lang="zh-CN" altLang="en-US" sz="3600" dirty="0"/>
+            <a:endParaRPr lang="zh-CHS" altLang="en-US" sz="3600" dirty="0"/>
           </a:p>
         </p:txBody>
       </p:sp>
@@ -5244,57 +5260,57 @@
           <a:lstStyle/>
           <a:p>
             <a:r>
-              <a:rPr lang="en-US" altLang="zh-CN" dirty="0" smtClean="0"/>
+              <a:rPr lang="en-US" altLang="zh-CHS" dirty="0" smtClean="0"/>
               <a:t>Texture in OpenGL</a:t>
             </a:r>
           </a:p>
           <a:p>
             <a:pPr lvl="1"/>
             <a:r>
-              <a:rPr lang="en-US" altLang="zh-CN" dirty="0" smtClean="0"/>
+              <a:rPr lang="en-US" altLang="zh-CHS" dirty="0" smtClean="0"/>
               <a:t>Set Texture Parameters</a:t>
             </a:r>
           </a:p>
           <a:p>
             <a:pPr lvl="2"/>
             <a:r>
-              <a:rPr lang="en-US" altLang="zh-CN" dirty="0" smtClean="0"/>
+              <a:rPr lang="en-US" altLang="zh-CHS" dirty="0" smtClean="0"/>
               <a:t>Filtering</a:t>
             </a:r>
           </a:p>
           <a:p>
             <a:pPr lvl="3"/>
             <a:r>
-              <a:rPr lang="en-US" altLang="zh-CN" dirty="0" smtClean="0"/>
+              <a:rPr lang="en-US" altLang="zh-CHS" dirty="0" smtClean="0"/>
               <a:t>Most pixels probably don’t correspond to a single unit of the texture.</a:t>
             </a:r>
           </a:p>
           <a:p>
             <a:pPr lvl="3"/>
             <a:r>
-              <a:rPr lang="en-US" altLang="zh-CN" dirty="0" smtClean="0"/>
+              <a:rPr lang="en-US" altLang="zh-CHS" dirty="0" smtClean="0"/>
               <a:t>Filtering decides how to choose or mix the texture units to display each pixel.</a:t>
             </a:r>
           </a:p>
           <a:p>
             <a:pPr lvl="3"/>
-            <a:endParaRPr lang="en-US" altLang="zh-CN" dirty="0" smtClean="0"/>
+            <a:endParaRPr lang="en-US" altLang="zh-CHS" dirty="0" smtClean="0"/>
           </a:p>
           <a:p>
             <a:pPr lvl="3"/>
             <a:r>
-              <a:rPr lang="en-US" altLang="zh-CN" dirty="0" smtClean="0"/>
+              <a:rPr lang="en-US" altLang="zh-CHS" dirty="0" smtClean="0"/>
               <a:t>Filtering should be set for magnifying and minifying separately</a:t>
             </a:r>
           </a:p>
           <a:p>
             <a:pPr lvl="4"/>
             <a:r>
-              <a:rPr lang="en-US" altLang="zh-CN" dirty="0" err="1" smtClean="0"/>
+              <a:rPr lang="en-US" altLang="zh-CHS" dirty="0" err="1" smtClean="0"/>
               <a:t>pname</a:t>
             </a:r>
             <a:r>
-              <a:rPr lang="en-US" altLang="zh-CN" dirty="0" smtClean="0"/>
+              <a:rPr lang="en-US" altLang="zh-CHS" dirty="0" smtClean="0"/>
               <a:t> </a:t>
             </a:r>
           </a:p>
@@ -5303,7 +5319,7 @@
               <a:buNone/>
             </a:pPr>
             <a:r>
-              <a:rPr lang="en-US" altLang="zh-CN" dirty="0" smtClean="0"/>
+              <a:rPr lang="en-US" altLang="zh-CHS" dirty="0" smtClean="0"/>
               <a:t>	GL_TEXTURE_MAG_FILTER</a:t>
             </a:r>
           </a:p>
@@ -5312,7 +5328,7 @@
               <a:buNone/>
             </a:pPr>
             <a:r>
-              <a:rPr lang="en-US" altLang="zh-CN" dirty="0" smtClean="0"/>
+              <a:rPr lang="en-US" altLang="zh-CHS" dirty="0" smtClean="0"/>
               <a:t>	GL_TEXTURE_MIN_FILTER</a:t>
             </a:r>
           </a:p>
@@ -5336,10 +5352,10 @@
           <a:lstStyle/>
           <a:p>
             <a:r>
-              <a:rPr lang="en-US" altLang="zh-CN" sz="3600" dirty="0" smtClean="0"/>
+              <a:rPr lang="en-US" altLang="zh-CHS" sz="3600" dirty="0" smtClean="0"/>
               <a:t>Main techniques we need</a:t>
             </a:r>
-            <a:endParaRPr lang="zh-CN" altLang="en-US" sz="3600" dirty="0"/>
+            <a:endParaRPr lang="zh-CHS" altLang="en-US" sz="3600" dirty="0"/>
           </a:p>
         </p:txBody>
       </p:sp>
@@ -5391,38 +5407,38 @@
           <a:lstStyle/>
           <a:p>
             <a:r>
-              <a:rPr lang="en-US" altLang="zh-CN" dirty="0" smtClean="0"/>
+              <a:rPr lang="en-US" altLang="zh-CHS" dirty="0" smtClean="0"/>
               <a:t>Texture in OpenGL</a:t>
             </a:r>
           </a:p>
           <a:p>
             <a:pPr lvl="1"/>
             <a:r>
-              <a:rPr lang="en-US" altLang="zh-CN" dirty="0" smtClean="0"/>
+              <a:rPr lang="en-US" altLang="zh-CHS" dirty="0" smtClean="0"/>
               <a:t>Set Texture Parameters</a:t>
             </a:r>
           </a:p>
           <a:p>
             <a:pPr lvl="2"/>
             <a:r>
-              <a:rPr lang="en-US" altLang="zh-CN" dirty="0" smtClean="0"/>
+              <a:rPr lang="en-US" altLang="zh-CHS" dirty="0" smtClean="0"/>
               <a:t>Filtering</a:t>
             </a:r>
           </a:p>
           <a:p>
             <a:pPr lvl="3"/>
             <a:r>
-              <a:rPr lang="en-US" altLang="zh-CN" dirty="0" err="1" smtClean="0"/>
+              <a:rPr lang="en-US" altLang="zh-CHS" dirty="0" err="1" smtClean="0"/>
               <a:t>param</a:t>
             </a:r>
-            <a:endParaRPr lang="en-US" altLang="zh-CN" dirty="0" smtClean="0"/>
+            <a:endParaRPr lang="en-US" altLang="zh-CHS" dirty="0" smtClean="0"/>
           </a:p>
           <a:p>
             <a:pPr lvl="3">
               <a:buNone/>
             </a:pPr>
             <a:r>
-              <a:rPr lang="en-US" altLang="zh-CN" dirty="0" smtClean="0"/>
+              <a:rPr lang="en-US" altLang="zh-CHS" dirty="0" smtClean="0"/>
               <a:t>	For magnifying</a:t>
             </a:r>
           </a:p>
@@ -5431,7 +5447,7 @@
               <a:buNone/>
             </a:pPr>
             <a:r>
-              <a:rPr lang="en-US" altLang="zh-CN" dirty="0" smtClean="0"/>
+              <a:rPr lang="en-US" altLang="zh-CHS" dirty="0" smtClean="0"/>
               <a:t>	GL_NEAREST/GL_LINEAR</a:t>
             </a:r>
           </a:p>
@@ -5440,7 +5456,7 @@
               <a:buNone/>
             </a:pPr>
             <a:r>
-              <a:rPr lang="en-US" altLang="zh-CN" dirty="0" smtClean="0"/>
+              <a:rPr lang="en-US" altLang="zh-CHS" dirty="0" smtClean="0"/>
               <a:t>	For minifying</a:t>
             </a:r>
           </a:p>
@@ -5449,7 +5465,7 @@
               <a:buNone/>
             </a:pPr>
             <a:r>
-              <a:rPr lang="en-US" altLang="zh-CN" dirty="0" smtClean="0"/>
+              <a:rPr lang="en-US" altLang="zh-CHS" dirty="0" smtClean="0"/>
               <a:t>	GL_NEAREST/GL_LINEAR</a:t>
             </a:r>
           </a:p>
@@ -5458,7 +5474,7 @@
               <a:buNone/>
             </a:pPr>
             <a:r>
-              <a:rPr lang="en-US" altLang="zh-CN" dirty="0" smtClean="0"/>
+              <a:rPr lang="en-US" altLang="zh-CHS" dirty="0" smtClean="0"/>
               <a:t>	GL_NEAREST_MIPMAP_NEAREST</a:t>
             </a:r>
           </a:p>
@@ -5467,7 +5483,7 @@
               <a:buNone/>
             </a:pPr>
             <a:r>
-              <a:rPr lang="en-US" altLang="zh-CN" dirty="0" smtClean="0"/>
+              <a:rPr lang="en-US" altLang="zh-CHS" dirty="0" smtClean="0"/>
               <a:t>	GL_NEAREST_MIPMAP_LINEAR</a:t>
             </a:r>
           </a:p>
@@ -5476,7 +5492,7 @@
               <a:buNone/>
             </a:pPr>
             <a:r>
-              <a:rPr lang="en-US" altLang="zh-CN" dirty="0" smtClean="0"/>
+              <a:rPr lang="en-US" altLang="zh-CHS" dirty="0" smtClean="0"/>
               <a:t>	GL_LINEAR_MIPMAP_NEAREST</a:t>
             </a:r>
           </a:p>
@@ -5485,13 +5501,13 @@
               <a:buNone/>
             </a:pPr>
             <a:r>
-              <a:rPr lang="en-US" altLang="zh-CN" dirty="0" smtClean="0"/>
+              <a:rPr lang="en-US" altLang="zh-CHS" dirty="0" smtClean="0"/>
               <a:t>	GL_LINEAR_MIPMAP_LINEAR</a:t>
             </a:r>
           </a:p>
           <a:p>
             <a:pPr lvl="4"/>
-            <a:endParaRPr lang="en-US" altLang="zh-CN" dirty="0" smtClean="0"/>
+            <a:endParaRPr lang="en-US" altLang="zh-CHS" dirty="0" smtClean="0"/>
           </a:p>
         </p:txBody>
       </p:sp>
@@ -5513,10 +5529,10 @@
           <a:lstStyle/>
           <a:p>
             <a:r>
-              <a:rPr lang="en-US" altLang="zh-CN" sz="3600" dirty="0" smtClean="0"/>
+              <a:rPr lang="en-US" altLang="zh-CHS" sz="3600" dirty="0" smtClean="0"/>
               <a:t>Main techniques we need</a:t>
             </a:r>
-            <a:endParaRPr lang="zh-CN" altLang="en-US" sz="3600" dirty="0"/>
+            <a:endParaRPr lang="zh-CHS" altLang="en-US" sz="3600" dirty="0"/>
           </a:p>
         </p:txBody>
       </p:sp>
@@ -5558,7 +5574,7 @@
           <a:lstStyle/>
           <a:p>
             <a:pPr algn="ctr"/>
-            <a:endParaRPr lang="zh-CN" altLang="en-US"/>
+            <a:endParaRPr lang="zh-CHS" altLang="en-US"/>
           </a:p>
         </p:txBody>
       </p:sp>
@@ -5610,52 +5626,52 @@
           <a:lstStyle/>
           <a:p>
             <a:r>
-              <a:rPr lang="en-US" altLang="zh-CN" dirty="0" smtClean="0"/>
+              <a:rPr lang="en-US" altLang="zh-CHS" dirty="0" smtClean="0"/>
               <a:t>Texture in OpenGL</a:t>
             </a:r>
           </a:p>
           <a:p>
             <a:pPr lvl="1"/>
             <a:r>
-              <a:rPr lang="en-US" altLang="zh-CN" dirty="0" smtClean="0"/>
+              <a:rPr lang="en-US" altLang="zh-CHS" dirty="0" smtClean="0"/>
               <a:t>Set Texture Parameters</a:t>
             </a:r>
           </a:p>
           <a:p>
             <a:pPr lvl="2"/>
             <a:r>
-              <a:rPr lang="en-US" altLang="zh-CN" dirty="0" smtClean="0"/>
+              <a:rPr lang="en-US" altLang="zh-CHS" dirty="0" smtClean="0"/>
               <a:t>GL_NEAREST</a:t>
             </a:r>
           </a:p>
           <a:p>
             <a:pPr lvl="3"/>
             <a:r>
-              <a:rPr lang="en-US" altLang="zh-CN" dirty="0" smtClean="0"/>
+              <a:rPr lang="en-US" altLang="zh-CHS" dirty="0" smtClean="0"/>
               <a:t>Pick the nearest texture unit for each pixel</a:t>
             </a:r>
           </a:p>
           <a:p>
             <a:pPr lvl="2"/>
             <a:r>
-              <a:rPr lang="en-US" altLang="zh-CN" dirty="0" smtClean="0"/>
+              <a:rPr lang="en-US" altLang="zh-CHS" dirty="0" smtClean="0"/>
               <a:t>GL_LINEAR</a:t>
             </a:r>
           </a:p>
           <a:p>
             <a:pPr lvl="3"/>
             <a:r>
-              <a:rPr lang="en-US" altLang="zh-CN" dirty="0" smtClean="0"/>
+              <a:rPr lang="en-US" altLang="zh-CHS" dirty="0" smtClean="0"/>
               <a:t>Linear combination of corresponding texture units</a:t>
             </a:r>
           </a:p>
           <a:p>
             <a:pPr lvl="3"/>
-            <a:endParaRPr lang="en-US" altLang="zh-CN" dirty="0" smtClean="0"/>
+            <a:endParaRPr lang="en-US" altLang="zh-CHS" dirty="0" smtClean="0"/>
           </a:p>
           <a:p>
             <a:pPr lvl="4"/>
-            <a:endParaRPr lang="en-US" altLang="zh-CN" dirty="0" smtClean="0"/>
+            <a:endParaRPr lang="en-US" altLang="zh-CHS" dirty="0" smtClean="0"/>
           </a:p>
         </p:txBody>
       </p:sp>
@@ -5677,10 +5693,10 @@
           <a:lstStyle/>
           <a:p>
             <a:r>
-              <a:rPr lang="en-US" altLang="zh-CN" sz="3600" dirty="0" smtClean="0"/>
+              <a:rPr lang="en-US" altLang="zh-CHS" sz="3600" dirty="0" smtClean="0"/>
               <a:t>Main techniques we need</a:t>
             </a:r>
-            <a:endParaRPr lang="zh-CN" altLang="en-US" sz="3600" dirty="0"/>
+            <a:endParaRPr lang="zh-CHS" altLang="en-US" sz="3600" dirty="0"/>
           </a:p>
         </p:txBody>
       </p:sp>
@@ -5732,74 +5748,74 @@
           <a:lstStyle/>
           <a:p>
             <a:r>
-              <a:rPr lang="en-US" altLang="zh-CN" dirty="0" smtClean="0"/>
+              <a:rPr lang="en-US" altLang="zh-CHS" dirty="0" smtClean="0"/>
               <a:t>Texture in OpenGL</a:t>
             </a:r>
           </a:p>
           <a:p>
             <a:pPr lvl="1"/>
             <a:r>
-              <a:rPr lang="en-US" altLang="zh-CN" dirty="0" smtClean="0"/>
+              <a:rPr lang="en-US" altLang="zh-CHS" dirty="0" smtClean="0"/>
               <a:t>Set Texture Parameters</a:t>
             </a:r>
           </a:p>
           <a:p>
             <a:pPr lvl="2"/>
             <a:r>
-              <a:rPr lang="en-US" altLang="zh-CN" dirty="0" err="1" smtClean="0"/>
+              <a:rPr lang="en-US" altLang="zh-CHS" dirty="0" err="1" smtClean="0"/>
               <a:t>Mipmap</a:t>
             </a:r>
-            <a:endParaRPr lang="en-US" altLang="zh-CN" dirty="0" smtClean="0"/>
+            <a:endParaRPr lang="en-US" altLang="zh-CHS" dirty="0" smtClean="0"/>
           </a:p>
           <a:p>
             <a:pPr lvl="2">
               <a:buNone/>
             </a:pPr>
             <a:r>
-              <a:rPr lang="en-US" altLang="zh-CN" dirty="0" smtClean="0"/>
+              <a:rPr lang="en-US" altLang="zh-CHS" dirty="0" smtClean="0"/>
               <a:t>	</a:t>
             </a:r>
             <a:r>
-              <a:rPr lang="en-US" altLang="zh-CN" dirty="0" smtClean="0">
+              <a:rPr lang="en-US" altLang="zh-CHS" dirty="0" smtClean="0">
                 <a:hlinkClick r:id="rId2" action="ppaction://hlinkfile"/>
               </a:rPr>
               <a:t>Why we need </a:t>
             </a:r>
             <a:r>
-              <a:rPr lang="en-US" altLang="zh-CN" dirty="0" err="1" smtClean="0">
+              <a:rPr lang="en-US" altLang="zh-CHS" dirty="0" err="1" smtClean="0">
                 <a:hlinkClick r:id="rId2" action="ppaction://hlinkfile"/>
               </a:rPr>
               <a:t>mipmap</a:t>
             </a:r>
             <a:r>
-              <a:rPr lang="en-US" altLang="zh-CN" dirty="0" smtClean="0">
+              <a:rPr lang="en-US" altLang="zh-CHS" dirty="0" smtClean="0">
                 <a:hlinkClick r:id="rId2" action="ppaction://hlinkfile"/>
               </a:rPr>
               <a:t>?</a:t>
             </a:r>
-            <a:endParaRPr lang="en-US" altLang="zh-CN" dirty="0" smtClean="0"/>
+            <a:endParaRPr lang="en-US" altLang="zh-CHS" dirty="0" smtClean="0"/>
           </a:p>
           <a:p>
             <a:pPr lvl="2"/>
-            <a:endParaRPr lang="en-US" altLang="zh-CN" dirty="0" smtClean="0"/>
+            <a:endParaRPr lang="en-US" altLang="zh-CHS" dirty="0" smtClean="0"/>
           </a:p>
           <a:p>
             <a:pPr lvl="2"/>
             <a:r>
-              <a:rPr lang="en-US" altLang="zh-CN" dirty="0" smtClean="0"/>
+              <a:rPr lang="en-US" altLang="zh-CHS" dirty="0" smtClean="0"/>
               <a:t>Basic idea</a:t>
             </a:r>
           </a:p>
           <a:p>
             <a:pPr lvl="3"/>
             <a:r>
-              <a:rPr lang="en-US" altLang="zh-CN" dirty="0" smtClean="0"/>
+              <a:rPr lang="en-US" altLang="zh-CHS" dirty="0" smtClean="0"/>
               <a:t>Store different resolutions of textures</a:t>
             </a:r>
           </a:p>
           <a:p>
             <a:pPr lvl="4"/>
-            <a:endParaRPr lang="en-US" altLang="zh-CN" dirty="0" smtClean="0"/>
+            <a:endParaRPr lang="en-US" altLang="zh-CHS" dirty="0" smtClean="0"/>
           </a:p>
         </p:txBody>
       </p:sp>
@@ -5821,10 +5837,10 @@
           <a:lstStyle/>
           <a:p>
             <a:r>
-              <a:rPr lang="en-US" altLang="zh-CN" sz="3600" dirty="0" smtClean="0"/>
+              <a:rPr lang="en-US" altLang="zh-CHS" sz="3600" dirty="0" smtClean="0"/>
               <a:t>Main techniques we need</a:t>
             </a:r>
-            <a:endParaRPr lang="zh-CN" altLang="en-US" sz="3600" dirty="0"/>
+            <a:endParaRPr lang="zh-CHS" altLang="en-US" sz="3600" dirty="0"/>
           </a:p>
         </p:txBody>
       </p:sp>
@@ -5876,69 +5892,69 @@
           <a:lstStyle/>
           <a:p>
             <a:r>
-              <a:rPr lang="en-US" altLang="zh-CN" dirty="0" smtClean="0"/>
+              <a:rPr lang="en-US" altLang="zh-CHS" dirty="0" smtClean="0"/>
               <a:t>Texture in OpenGL</a:t>
             </a:r>
           </a:p>
           <a:p>
             <a:pPr lvl="1"/>
             <a:r>
-              <a:rPr lang="en-US" altLang="zh-CN" dirty="0" smtClean="0"/>
+              <a:rPr lang="en-US" altLang="zh-CHS" dirty="0" smtClean="0"/>
               <a:t>Set Texture Parameters</a:t>
             </a:r>
           </a:p>
           <a:p>
             <a:pPr lvl="2"/>
             <a:r>
-              <a:rPr lang="en-US" altLang="zh-CN" dirty="0" err="1" smtClean="0"/>
+              <a:rPr lang="en-US" altLang="zh-CHS" dirty="0" err="1" smtClean="0"/>
               <a:t>Mipmap</a:t>
             </a:r>
-            <a:endParaRPr lang="en-US" altLang="zh-CN" dirty="0" smtClean="0"/>
+            <a:endParaRPr lang="en-US" altLang="zh-CHS" dirty="0" smtClean="0"/>
           </a:p>
           <a:p>
             <a:pPr lvl="2"/>
-            <a:endParaRPr lang="en-US" altLang="zh-CN" dirty="0" smtClean="0"/>
+            <a:endParaRPr lang="en-US" altLang="zh-CHS" dirty="0" smtClean="0"/>
           </a:p>
           <a:p>
             <a:pPr lvl="2"/>
             <a:r>
-              <a:rPr lang="en-US" altLang="zh-CN" dirty="0" smtClean="0"/>
+              <a:rPr lang="en-US" altLang="zh-CHS" dirty="0" smtClean="0"/>
               <a:t>Come back to the </a:t>
             </a:r>
             <a:r>
-              <a:rPr lang="en-US" altLang="zh-CN" i="1" dirty="0" smtClean="0"/>
+              <a:rPr lang="en-US" altLang="zh-CHS" i="1" dirty="0" smtClean="0"/>
               <a:t>level</a:t>
             </a:r>
             <a:r>
-              <a:rPr lang="en-US" altLang="zh-CN" dirty="0" smtClean="0"/>
+              <a:rPr lang="en-US" altLang="zh-CHS" dirty="0" smtClean="0"/>
               <a:t> parameter of glTexImage2D()</a:t>
             </a:r>
           </a:p>
           <a:p>
             <a:pPr lvl="3"/>
             <a:r>
-              <a:rPr lang="en-US" altLang="zh-CN" dirty="0" smtClean="0"/>
+              <a:rPr lang="en-US" altLang="zh-CHS" dirty="0" smtClean="0"/>
               <a:t>We can use different glTexImage2D() calls with different </a:t>
             </a:r>
             <a:r>
-              <a:rPr lang="en-US" altLang="zh-CN" i="1" dirty="0" smtClean="0"/>
+              <a:rPr lang="en-US" altLang="zh-CHS" i="1" dirty="0" smtClean="0"/>
               <a:t>level</a:t>
             </a:r>
             <a:r>
-              <a:rPr lang="en-US" altLang="zh-CN" dirty="0" smtClean="0"/>
+              <a:rPr lang="en-US" altLang="zh-CHS" dirty="0" smtClean="0"/>
               <a:t> parameter</a:t>
             </a:r>
           </a:p>
           <a:p>
             <a:pPr lvl="3"/>
-            <a:endParaRPr lang="en-US" altLang="zh-CN" dirty="0" smtClean="0"/>
+            <a:endParaRPr lang="en-US" altLang="zh-CHS" dirty="0" smtClean="0"/>
           </a:p>
           <a:p>
             <a:pPr lvl="3">
               <a:buNone/>
             </a:pPr>
             <a:r>
-              <a:rPr lang="en-US" altLang="zh-CN" dirty="0" smtClean="0"/>
+              <a:rPr lang="en-US" altLang="zh-CHS" dirty="0" smtClean="0"/>
               <a:t>	glTexImage2D(…, 0, …)</a:t>
             </a:r>
           </a:p>
@@ -5947,7 +5963,7 @@
               <a:buNone/>
             </a:pPr>
             <a:r>
-              <a:rPr lang="en-US" altLang="zh-CN" dirty="0" smtClean="0"/>
+              <a:rPr lang="en-US" altLang="zh-CHS" dirty="0" smtClean="0"/>
               <a:t>	glTexImage2D(…, 1, …)</a:t>
             </a:r>
           </a:p>
@@ -5956,7 +5972,7 @@
               <a:buNone/>
             </a:pPr>
             <a:r>
-              <a:rPr lang="en-US" altLang="zh-CN" dirty="0" smtClean="0"/>
+              <a:rPr lang="en-US" altLang="zh-CHS" dirty="0" smtClean="0"/>
               <a:t>	glTexImage2D(…, 2, …)</a:t>
             </a:r>
           </a:p>
@@ -5980,10 +5996,10 @@
           <a:lstStyle/>
           <a:p>
             <a:r>
-              <a:rPr lang="en-US" altLang="zh-CN" sz="3600" dirty="0" smtClean="0"/>
+              <a:rPr lang="en-US" altLang="zh-CHS" sz="3600" dirty="0" smtClean="0"/>
               <a:t>Main techniques we need</a:t>
             </a:r>
-            <a:endParaRPr lang="zh-CN" altLang="en-US" sz="3600" dirty="0"/>
+            <a:endParaRPr lang="zh-CHS" altLang="en-US" sz="3600" dirty="0"/>
           </a:p>
         </p:txBody>
       </p:sp>
@@ -6037,78 +6053,78 @@
           <a:lstStyle/>
           <a:p>
             <a:r>
-              <a:rPr lang="en-US" altLang="zh-CN" dirty="0" smtClean="0"/>
+              <a:rPr lang="en-US" altLang="zh-CHS" dirty="0" smtClean="0"/>
               <a:t>Texture in OpenGL</a:t>
             </a:r>
           </a:p>
           <a:p>
             <a:pPr lvl="1"/>
             <a:r>
-              <a:rPr lang="en-US" altLang="zh-CN" dirty="0" smtClean="0"/>
+              <a:rPr lang="en-US" altLang="zh-CHS" dirty="0" smtClean="0"/>
               <a:t>Set Texture Parameters</a:t>
             </a:r>
           </a:p>
           <a:p>
             <a:pPr lvl="2"/>
             <a:r>
-              <a:rPr lang="en-US" altLang="zh-CN" dirty="0" err="1" smtClean="0"/>
+              <a:rPr lang="en-US" altLang="zh-CHS" dirty="0" err="1" smtClean="0"/>
               <a:t>Mipmap</a:t>
             </a:r>
-            <a:endParaRPr lang="en-US" altLang="zh-CN" dirty="0" smtClean="0"/>
+            <a:endParaRPr lang="en-US" altLang="zh-CHS" dirty="0" smtClean="0"/>
           </a:p>
           <a:p>
             <a:pPr lvl="2"/>
-            <a:endParaRPr lang="en-US" altLang="zh-CN" dirty="0" smtClean="0"/>
+            <a:endParaRPr lang="en-US" altLang="zh-CHS" dirty="0" smtClean="0"/>
           </a:p>
           <a:p>
             <a:pPr lvl="2"/>
             <a:r>
-              <a:rPr lang="en-US" altLang="zh-CN" dirty="0" smtClean="0"/>
+              <a:rPr lang="en-US" altLang="zh-CHS" dirty="0" smtClean="0"/>
               <a:t>A much more easier way to read for </a:t>
             </a:r>
             <a:r>
-              <a:rPr lang="en-US" altLang="zh-CN" dirty="0" err="1" smtClean="0"/>
+              <a:rPr lang="en-US" altLang="zh-CHS" dirty="0" err="1" smtClean="0"/>
               <a:t>mipmap</a:t>
             </a:r>
             <a:r>
-              <a:rPr lang="en-US" altLang="zh-CN" dirty="0" smtClean="0"/>
+              <a:rPr lang="en-US" altLang="zh-CHS" dirty="0" smtClean="0"/>
               <a:t> filtering</a:t>
             </a:r>
           </a:p>
           <a:p>
             <a:pPr lvl="2"/>
-            <a:endParaRPr lang="en-US" altLang="zh-CN" dirty="0" smtClean="0"/>
+            <a:endParaRPr lang="en-US" altLang="zh-CHS" dirty="0" smtClean="0"/>
           </a:p>
           <a:p>
             <a:pPr lvl="2">
               <a:buNone/>
             </a:pPr>
             <a:r>
-              <a:rPr lang="en-US" altLang="zh-CN" b="1" dirty="0" smtClean="0"/>
+              <a:rPr lang="en-US" altLang="zh-CHS" b="1" dirty="0" smtClean="0"/>
               <a:t>	</a:t>
             </a:r>
             <a:r>
-              <a:rPr lang="en-US" altLang="zh-CN" b="1" dirty="0" err="1" smtClean="0"/>
+              <a:rPr lang="en-US" altLang="zh-CHS" b="1" dirty="0" err="1" smtClean="0"/>
               <a:t>int</a:t>
             </a:r>
             <a:r>
-              <a:rPr lang="en-US" altLang="zh-CN" b="1" dirty="0" smtClean="0"/>
+              <a:rPr lang="en-US" altLang="zh-CHS" b="1" dirty="0" smtClean="0"/>
               <a:t> gluBuild2DMipmaps(</a:t>
             </a:r>
             <a:r>
-              <a:rPr lang="en-US" altLang="zh-CN" b="1" dirty="0" err="1" smtClean="0"/>
+              <a:rPr lang="en-US" altLang="zh-CHS" b="1" dirty="0" err="1" smtClean="0"/>
               <a:t>GLenum</a:t>
             </a:r>
             <a:r>
-              <a:rPr lang="en-US" altLang="zh-CN" b="1" dirty="0" smtClean="0"/>
+              <a:rPr lang="en-US" altLang="zh-CHS" b="1" dirty="0" smtClean="0"/>
               <a:t> </a:t>
             </a:r>
             <a:r>
-              <a:rPr lang="en-US" altLang="zh-CN" b="1" i="1" dirty="0" smtClean="0"/>
+              <a:rPr lang="en-US" altLang="zh-CHS" b="1" i="1" dirty="0" smtClean="0"/>
               <a:t>target</a:t>
             </a:r>
             <a:r>
-              <a:rPr lang="en-US" altLang="zh-CN" b="1" dirty="0" smtClean="0"/>
+              <a:rPr lang="en-US" altLang="zh-CHS" b="1" dirty="0" smtClean="0"/>
               <a:t>, </a:t>
             </a:r>
           </a:p>
@@ -6117,23 +6133,23 @@
               <a:buNone/>
             </a:pPr>
             <a:r>
-              <a:rPr lang="en-US" altLang="zh-CN" b="1" dirty="0" smtClean="0"/>
+              <a:rPr lang="en-US" altLang="zh-CHS" b="1" dirty="0" smtClean="0"/>
               <a:t>					</a:t>
             </a:r>
             <a:r>
-              <a:rPr lang="en-US" altLang="zh-CN" b="1" dirty="0" err="1" smtClean="0"/>
+              <a:rPr lang="en-US" altLang="zh-CHS" b="1" dirty="0" err="1" smtClean="0"/>
               <a:t>GLint</a:t>
             </a:r>
             <a:r>
-              <a:rPr lang="en-US" altLang="zh-CN" b="1" dirty="0" smtClean="0"/>
+              <a:rPr lang="en-US" altLang="zh-CHS" b="1" dirty="0" smtClean="0"/>
               <a:t> </a:t>
             </a:r>
             <a:r>
-              <a:rPr lang="en-US" altLang="zh-CN" b="1" i="1" dirty="0" err="1" smtClean="0"/>
+              <a:rPr lang="en-US" altLang="zh-CHS" b="1" i="1" dirty="0" err="1" smtClean="0"/>
               <a:t>internalFormat</a:t>
             </a:r>
             <a:r>
-              <a:rPr lang="en-US" altLang="zh-CN" b="1" dirty="0" smtClean="0"/>
+              <a:rPr lang="en-US" altLang="zh-CHS" b="1" dirty="0" smtClean="0"/>
               <a:t>, </a:t>
             </a:r>
           </a:p>
@@ -6142,39 +6158,39 @@
               <a:buNone/>
             </a:pPr>
             <a:r>
-              <a:rPr lang="en-US" altLang="zh-CN" b="1" dirty="0" smtClean="0"/>
+              <a:rPr lang="en-US" altLang="zh-CHS" b="1" dirty="0" smtClean="0"/>
               <a:t>					</a:t>
             </a:r>
             <a:r>
-              <a:rPr lang="en-US" altLang="zh-CN" b="1" dirty="0" err="1" smtClean="0"/>
+              <a:rPr lang="en-US" altLang="zh-CHS" b="1" dirty="0" err="1" smtClean="0"/>
               <a:t>GLint</a:t>
             </a:r>
             <a:r>
-              <a:rPr lang="en-US" altLang="zh-CN" b="1" dirty="0" smtClean="0"/>
+              <a:rPr lang="en-US" altLang="zh-CHS" b="1" dirty="0" smtClean="0"/>
               <a:t> </a:t>
             </a:r>
             <a:r>
-              <a:rPr lang="en-US" altLang="zh-CN" b="1" i="1" dirty="0" smtClean="0"/>
+              <a:rPr lang="en-US" altLang="zh-CHS" b="1" i="1" dirty="0" smtClean="0"/>
               <a:t>width</a:t>
             </a:r>
             <a:r>
-              <a:rPr lang="en-US" altLang="zh-CN" b="1" dirty="0" smtClean="0"/>
+              <a:rPr lang="en-US" altLang="zh-CHS" b="1" dirty="0" smtClean="0"/>
               <a:t>, </a:t>
             </a:r>
             <a:r>
-              <a:rPr lang="en-US" altLang="zh-CN" b="1" dirty="0" err="1" smtClean="0"/>
+              <a:rPr lang="en-US" altLang="zh-CHS" b="1" dirty="0" err="1" smtClean="0"/>
               <a:t>GLint</a:t>
             </a:r>
             <a:r>
-              <a:rPr lang="en-US" altLang="zh-CN" b="1" dirty="0" smtClean="0"/>
+              <a:rPr lang="en-US" altLang="zh-CHS" b="1" dirty="0" smtClean="0"/>
               <a:t> </a:t>
             </a:r>
             <a:r>
-              <a:rPr lang="en-US" altLang="zh-CN" b="1" i="1" dirty="0" smtClean="0"/>
+              <a:rPr lang="en-US" altLang="zh-CHS" b="1" i="1" dirty="0" smtClean="0"/>
               <a:t>height</a:t>
             </a:r>
             <a:r>
-              <a:rPr lang="en-US" altLang="zh-CN" b="1" dirty="0" smtClean="0"/>
+              <a:rPr lang="en-US" altLang="zh-CHS" b="1" dirty="0" smtClean="0"/>
               <a:t>, </a:t>
             </a:r>
           </a:p>
@@ -6183,23 +6199,23 @@
               <a:buNone/>
             </a:pPr>
             <a:r>
-              <a:rPr lang="en-US" altLang="zh-CN" b="1" dirty="0" smtClean="0"/>
+              <a:rPr lang="en-US" altLang="zh-CHS" b="1" dirty="0" smtClean="0"/>
               <a:t>					</a:t>
             </a:r>
             <a:r>
-              <a:rPr lang="en-US" altLang="zh-CN" b="1" dirty="0" err="1" smtClean="0"/>
+              <a:rPr lang="en-US" altLang="zh-CHS" b="1" dirty="0" err="1" smtClean="0"/>
               <a:t>GLenum</a:t>
             </a:r>
             <a:r>
-              <a:rPr lang="en-US" altLang="zh-CN" b="1" dirty="0" smtClean="0"/>
+              <a:rPr lang="en-US" altLang="zh-CHS" b="1" dirty="0" smtClean="0"/>
               <a:t> </a:t>
             </a:r>
             <a:r>
-              <a:rPr lang="en-US" altLang="zh-CN" b="1" i="1" dirty="0" smtClean="0"/>
+              <a:rPr lang="en-US" altLang="zh-CHS" b="1" i="1" dirty="0" smtClean="0"/>
               <a:t>format</a:t>
             </a:r>
             <a:r>
-              <a:rPr lang="en-US" altLang="zh-CN" b="1" dirty="0" smtClean="0"/>
+              <a:rPr lang="en-US" altLang="zh-CHS" b="1" dirty="0" smtClean="0"/>
               <a:t>, </a:t>
             </a:r>
           </a:p>
@@ -6208,23 +6224,23 @@
               <a:buNone/>
             </a:pPr>
             <a:r>
-              <a:rPr lang="en-US" altLang="zh-CN" b="1" dirty="0" smtClean="0"/>
+              <a:rPr lang="en-US" altLang="zh-CHS" b="1" dirty="0" smtClean="0"/>
               <a:t>					</a:t>
             </a:r>
             <a:r>
-              <a:rPr lang="en-US" altLang="zh-CN" b="1" dirty="0" err="1" smtClean="0"/>
+              <a:rPr lang="en-US" altLang="zh-CHS" b="1" dirty="0" err="1" smtClean="0"/>
               <a:t>GLenum</a:t>
             </a:r>
             <a:r>
-              <a:rPr lang="en-US" altLang="zh-CN" b="1" dirty="0" smtClean="0"/>
+              <a:rPr lang="en-US" altLang="zh-CHS" b="1" dirty="0" smtClean="0"/>
               <a:t> </a:t>
             </a:r>
             <a:r>
-              <a:rPr lang="en-US" altLang="zh-CN" b="1" i="1" dirty="0" smtClean="0"/>
+              <a:rPr lang="en-US" altLang="zh-CHS" b="1" i="1" dirty="0" smtClean="0"/>
               <a:t>type</a:t>
             </a:r>
             <a:r>
-              <a:rPr lang="en-US" altLang="zh-CN" b="1" dirty="0" smtClean="0"/>
+              <a:rPr lang="en-US" altLang="zh-CHS" b="1" dirty="0" smtClean="0"/>
               <a:t>, </a:t>
             </a:r>
           </a:p>
@@ -6233,15 +6249,15 @@
               <a:buNone/>
             </a:pPr>
             <a:r>
-              <a:rPr lang="en-US" altLang="zh-CN" b="1" dirty="0" smtClean="0"/>
+              <a:rPr lang="en-US" altLang="zh-CHS" b="1" dirty="0" smtClean="0"/>
               <a:t>					const void* </a:t>
             </a:r>
             <a:r>
-              <a:rPr lang="en-US" altLang="zh-CN" b="1" i="1" dirty="0" smtClean="0"/>
+              <a:rPr lang="en-US" altLang="zh-CHS" b="1" i="1" dirty="0" smtClean="0"/>
               <a:t>data</a:t>
             </a:r>
             <a:r>
-              <a:rPr lang="en-US" altLang="zh-CN" b="1" dirty="0" smtClean="0"/>
+              <a:rPr lang="en-US" altLang="zh-CHS" b="1" dirty="0" smtClean="0"/>
               <a:t>)</a:t>
             </a:r>
           </a:p>
@@ -6265,10 +6281,10 @@
           <a:lstStyle/>
           <a:p>
             <a:r>
-              <a:rPr lang="en-US" altLang="zh-CN" sz="3600" dirty="0" smtClean="0"/>
+              <a:rPr lang="en-US" altLang="zh-CHS" sz="3600" dirty="0" smtClean="0"/>
               <a:t>Main techniques we need</a:t>
             </a:r>
-            <a:endParaRPr lang="zh-CN" altLang="en-US" sz="3600" dirty="0"/>
+            <a:endParaRPr lang="zh-CHS" altLang="en-US" sz="3600" dirty="0"/>
           </a:p>
         </p:txBody>
       </p:sp>
@@ -6320,82 +6336,82 @@
           <a:lstStyle/>
           <a:p>
             <a:r>
-              <a:rPr lang="en-US" altLang="zh-CN" dirty="0" smtClean="0"/>
+              <a:rPr lang="en-US" altLang="zh-CHS" dirty="0" smtClean="0"/>
               <a:t>Texture in OpenGL</a:t>
             </a:r>
           </a:p>
           <a:p>
             <a:pPr lvl="1"/>
             <a:r>
-              <a:rPr lang="en-US" altLang="zh-CN" dirty="0" smtClean="0"/>
+              <a:rPr lang="en-US" altLang="zh-CHS" dirty="0" smtClean="0"/>
               <a:t>Set Texture Parameters</a:t>
             </a:r>
           </a:p>
           <a:p>
             <a:pPr lvl="2"/>
             <a:r>
-              <a:rPr lang="en-US" altLang="zh-CN" dirty="0" smtClean="0"/>
+              <a:rPr lang="en-US" altLang="zh-CHS" dirty="0" smtClean="0"/>
               <a:t>Wrapping</a:t>
             </a:r>
           </a:p>
           <a:p>
             <a:pPr lvl="3"/>
             <a:r>
-              <a:rPr lang="en-US" altLang="zh-CN" dirty="0" smtClean="0"/>
+              <a:rPr lang="en-US" altLang="zh-CHS" dirty="0" smtClean="0"/>
               <a:t>Texture coordinate</a:t>
             </a:r>
           </a:p>
           <a:p>
             <a:pPr lvl="4"/>
             <a:r>
-              <a:rPr lang="en-US" altLang="zh-CN" dirty="0" smtClean="0"/>
+              <a:rPr lang="en-US" altLang="zh-CHS" dirty="0" smtClean="0"/>
               <a:t>ranges in [0.0, 1.0]</a:t>
             </a:r>
           </a:p>
           <a:p>
             <a:pPr lvl="4"/>
-            <a:endParaRPr lang="en-US" altLang="zh-CN" dirty="0" smtClean="0"/>
+            <a:endParaRPr lang="en-US" altLang="zh-CHS" dirty="0" smtClean="0"/>
           </a:p>
           <a:p>
             <a:pPr lvl="3"/>
             <a:r>
-              <a:rPr lang="en-US" altLang="zh-CN" dirty="0" smtClean="0"/>
+              <a:rPr lang="en-US" altLang="zh-CHS" dirty="0" smtClean="0"/>
               <a:t>What if it is out of this range?</a:t>
             </a:r>
           </a:p>
           <a:p>
             <a:pPr lvl="4"/>
             <a:r>
-              <a:rPr lang="en-US" altLang="zh-CN" dirty="0" err="1" smtClean="0"/>
+              <a:rPr lang="en-US" altLang="zh-CHS" dirty="0" err="1" smtClean="0"/>
               <a:t>pname</a:t>
             </a:r>
-            <a:endParaRPr lang="en-US" altLang="zh-CN" dirty="0" smtClean="0"/>
+            <a:endParaRPr lang="en-US" altLang="zh-CHS" dirty="0" smtClean="0"/>
           </a:p>
           <a:p>
             <a:pPr lvl="5"/>
             <a:r>
-              <a:rPr lang="en-US" altLang="zh-CN" dirty="0" smtClean="0"/>
+              <a:rPr lang="en-US" altLang="zh-CHS" dirty="0" smtClean="0"/>
               <a:t>GL_TEXTURE_WRAP_S</a:t>
             </a:r>
           </a:p>
           <a:p>
             <a:pPr lvl="5"/>
             <a:r>
-              <a:rPr lang="en-US" altLang="zh-CN" dirty="0" smtClean="0"/>
+              <a:rPr lang="en-US" altLang="zh-CHS" dirty="0" smtClean="0"/>
               <a:t>GL_TEXTURE_WRAP_T</a:t>
             </a:r>
           </a:p>
           <a:p>
             <a:pPr lvl="5"/>
             <a:r>
-              <a:rPr lang="en-US" altLang="zh-CN" dirty="0" smtClean="0"/>
+              <a:rPr lang="en-US" altLang="zh-CHS" dirty="0" smtClean="0"/>
               <a:t>GL_TEXTURE_WRAP_R</a:t>
             </a:r>
           </a:p>
           <a:p>
             <a:pPr lvl="5"/>
             <a:r>
-              <a:rPr lang="en-US" altLang="zh-CN" dirty="0" smtClean="0"/>
+              <a:rPr lang="en-US" altLang="zh-CHS" dirty="0" smtClean="0"/>
               <a:t>…</a:t>
             </a:r>
           </a:p>
@@ -6403,7 +6419,7 @@
             <a:pPr lvl="4">
               <a:buNone/>
             </a:pPr>
-            <a:endParaRPr lang="en-US" altLang="zh-CN" dirty="0" smtClean="0"/>
+            <a:endParaRPr lang="en-US" altLang="zh-CHS" dirty="0" smtClean="0"/>
           </a:p>
         </p:txBody>
       </p:sp>
@@ -6425,10 +6441,10 @@
           <a:lstStyle/>
           <a:p>
             <a:r>
-              <a:rPr lang="en-US" altLang="zh-CN" sz="3600" dirty="0" smtClean="0"/>
+              <a:rPr lang="en-US" altLang="zh-CHS" sz="3600" dirty="0" smtClean="0"/>
               <a:t>Main techniques we need</a:t>
             </a:r>
-            <a:endParaRPr lang="zh-CN" altLang="en-US" sz="3600" dirty="0"/>
+            <a:endParaRPr lang="zh-CHS" altLang="en-US" sz="3600" dirty="0"/>
           </a:p>
         </p:txBody>
       </p:sp>
@@ -6480,7 +6496,7 @@
           <a:lstStyle/>
           <a:p>
             <a:r>
-              <a:rPr lang="en-US" altLang="zh-CN" dirty="0" smtClean="0">
+              <a:rPr lang="en-US" altLang="zh-CHS" dirty="0" smtClean="0">
                 <a:solidFill>
                   <a:srgbClr val="FF0000"/>
                 </a:solidFill>
@@ -6490,13 +6506,13 @@
           </a:p>
           <a:p>
             <a:r>
-              <a:rPr lang="en-US" altLang="zh-CN" dirty="0" smtClean="0"/>
+              <a:rPr lang="en-US" altLang="zh-CHS" dirty="0" smtClean="0"/>
               <a:t>Main techniques we need</a:t>
             </a:r>
           </a:p>
           <a:p>
             <a:r>
-              <a:rPr lang="en-US" altLang="zh-CN" dirty="0" smtClean="0"/>
+              <a:rPr lang="en-US" altLang="zh-CHS" dirty="0" smtClean="0"/>
               <a:t>Exercise time &amp; Some more (Optional)</a:t>
             </a:r>
           </a:p>
@@ -6518,10 +6534,10 @@
           <a:lstStyle/>
           <a:p>
             <a:r>
-              <a:rPr lang="en-US" altLang="zh-CN" dirty="0" smtClean="0"/>
+              <a:rPr lang="en-US" altLang="zh-CHS" dirty="0" smtClean="0"/>
               <a:t>Week 4</a:t>
             </a:r>
-            <a:endParaRPr lang="zh-CN" altLang="en-US" dirty="0"/>
+            <a:endParaRPr lang="zh-CHS" altLang="en-US" dirty="0"/>
           </a:p>
         </p:txBody>
       </p:sp>
@@ -6575,57 +6591,57 @@
           <a:lstStyle/>
           <a:p>
             <a:r>
-              <a:rPr lang="en-US" altLang="zh-CN" dirty="0" smtClean="0"/>
+              <a:rPr lang="en-US" altLang="zh-CHS" dirty="0" smtClean="0"/>
               <a:t>Texture in OpenGL</a:t>
             </a:r>
           </a:p>
           <a:p>
             <a:pPr lvl="1"/>
             <a:r>
-              <a:rPr lang="en-US" altLang="zh-CN" dirty="0" smtClean="0"/>
+              <a:rPr lang="en-US" altLang="zh-CHS" dirty="0" smtClean="0"/>
               <a:t>Set Texture Parameters</a:t>
             </a:r>
           </a:p>
           <a:p>
             <a:pPr lvl="2"/>
             <a:r>
-              <a:rPr lang="en-US" altLang="zh-CN" dirty="0" smtClean="0"/>
+              <a:rPr lang="en-US" altLang="zh-CHS" dirty="0" smtClean="0"/>
               <a:t>Wrapping</a:t>
             </a:r>
           </a:p>
           <a:p>
             <a:pPr lvl="3"/>
             <a:r>
-              <a:rPr lang="en-US" altLang="zh-CN" dirty="0" err="1" smtClean="0"/>
+              <a:rPr lang="en-US" altLang="zh-CHS" dirty="0" err="1" smtClean="0"/>
               <a:t>param</a:t>
             </a:r>
-            <a:endParaRPr lang="en-US" altLang="zh-CN" dirty="0" smtClean="0"/>
+            <a:endParaRPr lang="en-US" altLang="zh-CHS" dirty="0" smtClean="0"/>
           </a:p>
           <a:p>
             <a:pPr lvl="4"/>
             <a:r>
-              <a:rPr lang="en-US" altLang="zh-CN" dirty="0" smtClean="0"/>
+              <a:rPr lang="en-US" altLang="zh-CHS" dirty="0" smtClean="0"/>
               <a:t>GL_REPEAT</a:t>
             </a:r>
           </a:p>
           <a:p>
             <a:pPr lvl="5"/>
             <a:r>
-              <a:rPr lang="en-US" altLang="zh-CN" dirty="0" smtClean="0"/>
+              <a:rPr lang="en-US" altLang="zh-CHS" dirty="0" smtClean="0"/>
               <a:t>start from 0 again…</a:t>
             </a:r>
           </a:p>
           <a:p>
             <a:pPr lvl="4"/>
             <a:r>
-              <a:rPr lang="en-US" altLang="zh-CN" dirty="0" smtClean="0"/>
+              <a:rPr lang="en-US" altLang="zh-CHS" dirty="0" smtClean="0"/>
               <a:t>GL_CLAMP_TO_EDGE</a:t>
             </a:r>
           </a:p>
           <a:p>
             <a:pPr lvl="4"/>
             <a:r>
-              <a:rPr lang="en-US" altLang="zh-CN" dirty="0" smtClean="0"/>
+              <a:rPr lang="en-US" altLang="zh-CHS" dirty="0" smtClean="0"/>
               <a:t>GL_CLAMP_TO_BORDER</a:t>
             </a:r>
           </a:p>
@@ -6633,7 +6649,7 @@
             <a:pPr lvl="4">
               <a:buNone/>
             </a:pPr>
-            <a:endParaRPr lang="en-US" altLang="zh-CN" dirty="0" smtClean="0"/>
+            <a:endParaRPr lang="en-US" altLang="zh-CHS" dirty="0" smtClean="0"/>
           </a:p>
         </p:txBody>
       </p:sp>
@@ -6655,10 +6671,10 @@
           <a:lstStyle/>
           <a:p>
             <a:r>
-              <a:rPr lang="en-US" altLang="zh-CN" sz="3600" dirty="0" smtClean="0"/>
+              <a:rPr lang="en-US" altLang="zh-CHS" sz="3600" dirty="0" smtClean="0"/>
               <a:t>Main techniques we need</a:t>
             </a:r>
-            <a:endParaRPr lang="zh-CN" altLang="en-US" sz="3600" dirty="0"/>
+            <a:endParaRPr lang="zh-CHS" altLang="en-US" sz="3600" dirty="0"/>
           </a:p>
         </p:txBody>
       </p:sp>
@@ -6712,42 +6728,42 @@
           <a:lstStyle/>
           <a:p>
             <a:r>
-              <a:rPr lang="en-US" altLang="zh-CN" dirty="0" smtClean="0"/>
+              <a:rPr lang="en-US" altLang="zh-CHS" dirty="0" smtClean="0"/>
               <a:t>Texture in OpenGL</a:t>
             </a:r>
           </a:p>
           <a:p>
             <a:pPr lvl="1"/>
             <a:r>
-              <a:rPr lang="en-US" altLang="zh-CN" dirty="0" smtClean="0"/>
+              <a:rPr lang="en-US" altLang="zh-CHS" dirty="0" smtClean="0"/>
               <a:t>Render</a:t>
             </a:r>
           </a:p>
           <a:p>
             <a:pPr lvl="2"/>
             <a:r>
-              <a:rPr lang="en-US" altLang="zh-CN" dirty="0" smtClean="0"/>
+              <a:rPr lang="en-US" altLang="zh-CHS" dirty="0" smtClean="0"/>
               <a:t>Assign texture coordinate to each vertex</a:t>
             </a:r>
           </a:p>
           <a:p>
             <a:pPr lvl="2"/>
-            <a:endParaRPr lang="en-US" altLang="zh-CN" dirty="0" smtClean="0"/>
+            <a:endParaRPr lang="en-US" altLang="zh-CHS" dirty="0" smtClean="0"/>
           </a:p>
           <a:p>
             <a:pPr lvl="2">
               <a:buNone/>
             </a:pPr>
             <a:r>
-              <a:rPr lang="en-US" altLang="zh-CN" dirty="0" smtClean="0"/>
+              <a:rPr lang="en-US" altLang="zh-CHS" dirty="0" smtClean="0"/>
               <a:t>	</a:t>
             </a:r>
             <a:r>
-              <a:rPr lang="en-US" altLang="zh-CN" dirty="0" err="1" smtClean="0"/>
+              <a:rPr lang="en-US" altLang="zh-CHS" dirty="0" err="1" smtClean="0"/>
               <a:t>glEnable</a:t>
             </a:r>
             <a:r>
-              <a:rPr lang="en-US" altLang="zh-CN" dirty="0" smtClean="0"/>
+              <a:rPr lang="en-US" altLang="zh-CHS" dirty="0" smtClean="0"/>
               <a:t>(GL_TEXTURE_2D)</a:t>
             </a:r>
           </a:p>
@@ -6756,39 +6772,39 @@
               <a:buNone/>
             </a:pPr>
             <a:r>
-              <a:rPr lang="en-US" altLang="zh-CN" dirty="0" smtClean="0"/>
+              <a:rPr lang="en-US" altLang="zh-CHS" dirty="0" smtClean="0"/>
               <a:t>	</a:t>
             </a:r>
             <a:r>
-              <a:rPr lang="en-US" altLang="zh-CN" dirty="0" err="1" smtClean="0"/>
+              <a:rPr lang="en-US" altLang="zh-CHS" dirty="0" err="1" smtClean="0"/>
               <a:t>glBindTexture</a:t>
             </a:r>
             <a:r>
-              <a:rPr lang="en-US" altLang="zh-CN" dirty="0" smtClean="0"/>
+              <a:rPr lang="en-US" altLang="zh-CHS" dirty="0" smtClean="0"/>
               <a:t>(GL_TEXTURE_2D, </a:t>
             </a:r>
             <a:r>
-              <a:rPr lang="en-US" altLang="zh-CN" i="1" dirty="0" err="1" smtClean="0"/>
+              <a:rPr lang="en-US" altLang="zh-CHS" i="1" dirty="0" err="1" smtClean="0"/>
               <a:t>texturehandle</a:t>
             </a:r>
             <a:r>
-              <a:rPr lang="en-US" altLang="zh-CN" dirty="0" smtClean="0"/>
+              <a:rPr lang="en-US" altLang="zh-CHS" dirty="0" smtClean="0"/>
               <a:t>);</a:t>
             </a:r>
-            <a:endParaRPr lang="en-US" altLang="zh-CN" i="1" dirty="0" smtClean="0"/>
+            <a:endParaRPr lang="en-US" altLang="zh-CHS" i="1" dirty="0" smtClean="0"/>
           </a:p>
           <a:p>
             <a:pPr lvl="2">
               <a:buNone/>
             </a:pPr>
-            <a:endParaRPr lang="en-US" altLang="zh-CN" i="1" dirty="0" smtClean="0"/>
+            <a:endParaRPr lang="en-US" altLang="zh-CHS" i="1" dirty="0" smtClean="0"/>
           </a:p>
           <a:p>
             <a:pPr lvl="2">
               <a:buNone/>
             </a:pPr>
             <a:r>
-              <a:rPr lang="en-US" altLang="zh-CN" dirty="0" smtClean="0"/>
+              <a:rPr lang="en-US" altLang="zh-CHS" dirty="0" smtClean="0"/>
               <a:t>	{	</a:t>
             </a:r>
           </a:p>
@@ -6797,23 +6813,23 @@
               <a:buNone/>
             </a:pPr>
             <a:r>
-              <a:rPr lang="en-US" altLang="zh-CN" dirty="0" smtClean="0"/>
+              <a:rPr lang="en-US" altLang="zh-CHS" dirty="0" smtClean="0"/>
               <a:t>		glTexCoord2f(</a:t>
             </a:r>
             <a:r>
-              <a:rPr lang="en-US" altLang="zh-CN" i="1" dirty="0" err="1" smtClean="0"/>
+              <a:rPr lang="en-US" altLang="zh-CHS" i="1" dirty="0" err="1" smtClean="0"/>
               <a:t>s_coord</a:t>
             </a:r>
             <a:r>
-              <a:rPr lang="en-US" altLang="zh-CN" dirty="0" smtClean="0"/>
+              <a:rPr lang="en-US" altLang="zh-CHS" dirty="0" smtClean="0"/>
               <a:t>, </a:t>
             </a:r>
             <a:r>
-              <a:rPr lang="en-US" altLang="zh-CN" i="1" dirty="0" err="1" smtClean="0"/>
+              <a:rPr lang="en-US" altLang="zh-CHS" i="1" dirty="0" err="1" smtClean="0"/>
               <a:t>t_coord</a:t>
             </a:r>
             <a:r>
-              <a:rPr lang="en-US" altLang="zh-CN" dirty="0" smtClean="0"/>
+              <a:rPr lang="en-US" altLang="zh-CHS" dirty="0" smtClean="0"/>
               <a:t>);</a:t>
             </a:r>
           </a:p>
@@ -6822,7 +6838,7 @@
               <a:buNone/>
             </a:pPr>
             <a:r>
-              <a:rPr lang="en-US" altLang="zh-CN" dirty="0" smtClean="0"/>
+              <a:rPr lang="en-US" altLang="zh-CHS" dirty="0" smtClean="0"/>
               <a:t>		glVertex3f(…);</a:t>
             </a:r>
           </a:p>
@@ -6831,12 +6847,12 @@
               <a:buNone/>
             </a:pPr>
             <a:r>
-              <a:rPr lang="en-US" altLang="zh-CN" dirty="0" smtClean="0"/>
+              <a:rPr lang="en-US" altLang="zh-CHS" dirty="0" smtClean="0"/>
               <a:t>	}</a:t>
             </a:r>
           </a:p>
           <a:p>
-            <a:endParaRPr lang="en-US" altLang="zh-CN" dirty="0" smtClean="0"/>
+            <a:endParaRPr lang="en-US" altLang="zh-CHS" dirty="0" smtClean="0"/>
           </a:p>
         </p:txBody>
       </p:sp>
@@ -6858,10 +6874,10 @@
           <a:lstStyle/>
           <a:p>
             <a:r>
-              <a:rPr lang="en-US" altLang="zh-CN" sz="3600" dirty="0" smtClean="0"/>
+              <a:rPr lang="en-US" altLang="zh-CHS" sz="3600" dirty="0" smtClean="0"/>
               <a:t>Main techniques we need</a:t>
             </a:r>
-            <a:endParaRPr lang="zh-CN" altLang="en-US" sz="3600" dirty="0"/>
+            <a:endParaRPr lang="zh-CHS" altLang="en-US" sz="3600" dirty="0"/>
           </a:p>
         </p:txBody>
       </p:sp>
@@ -6915,55 +6931,55 @@
           <a:lstStyle/>
           <a:p>
             <a:r>
-              <a:rPr lang="en-US" altLang="zh-CN" dirty="0" smtClean="0"/>
+              <a:rPr lang="en-US" altLang="zh-CHS" dirty="0" smtClean="0"/>
               <a:t>Texture in OpenGL</a:t>
             </a:r>
           </a:p>
           <a:p>
             <a:pPr lvl="1"/>
             <a:r>
-              <a:rPr lang="en-US" altLang="zh-CN" dirty="0" smtClean="0"/>
+              <a:rPr lang="en-US" altLang="zh-CHS" dirty="0" smtClean="0"/>
               <a:t>It seems to be a little complex to use texture…</a:t>
             </a:r>
           </a:p>
           <a:p>
             <a:pPr lvl="1"/>
             <a:r>
-              <a:rPr lang="en-US" altLang="zh-CN" dirty="0" smtClean="0"/>
+              <a:rPr lang="en-US" altLang="zh-CHS" dirty="0" smtClean="0"/>
               <a:t>And besides, how to read pictures…</a:t>
             </a:r>
           </a:p>
           <a:p>
             <a:pPr lvl="1"/>
-            <a:endParaRPr lang="en-US" altLang="zh-CN" dirty="0" smtClean="0"/>
+            <a:endParaRPr lang="en-US" altLang="zh-CHS" dirty="0" smtClean="0"/>
           </a:p>
           <a:p>
             <a:pPr lvl="1"/>
-            <a:endParaRPr lang="en-US" altLang="zh-CN" dirty="0" smtClean="0"/>
+            <a:endParaRPr lang="en-US" altLang="zh-CHS" dirty="0" smtClean="0"/>
           </a:p>
           <a:p>
             <a:pPr lvl="1"/>
             <a:r>
-              <a:rPr lang="en-US" altLang="zh-CN" dirty="0" smtClean="0"/>
+              <a:rPr lang="en-US" altLang="zh-CHS" dirty="0" smtClean="0"/>
               <a:t>Here we can use some external tools!</a:t>
             </a:r>
           </a:p>
           <a:p>
             <a:pPr lvl="2"/>
             <a:r>
-              <a:rPr lang="en-US" altLang="zh-CN" dirty="0" smtClean="0"/>
+              <a:rPr lang="en-US" altLang="zh-CHS" dirty="0" smtClean="0"/>
               <a:t>SOIL library</a:t>
             </a:r>
           </a:p>
           <a:p>
             <a:pPr lvl="2"/>
             <a:r>
-              <a:rPr lang="en-US" altLang="zh-CN" dirty="0" smtClean="0"/>
+              <a:rPr lang="en-US" altLang="zh-CHS" dirty="0" smtClean="0"/>
               <a:t>Not only load pictures, but also help build up textures parameters</a:t>
             </a:r>
           </a:p>
           <a:p>
-            <a:endParaRPr lang="en-US" altLang="zh-CN" dirty="0" smtClean="0"/>
+            <a:endParaRPr lang="en-US" altLang="zh-CHS" dirty="0" smtClean="0"/>
           </a:p>
         </p:txBody>
       </p:sp>
@@ -6985,10 +7001,10 @@
           <a:lstStyle/>
           <a:p>
             <a:r>
-              <a:rPr lang="en-US" altLang="zh-CN" sz="3600" dirty="0" smtClean="0"/>
+              <a:rPr lang="en-US" altLang="zh-CHS" sz="3600" dirty="0" smtClean="0"/>
               <a:t>Main techniques we need</a:t>
             </a:r>
-            <a:endParaRPr lang="zh-CN" altLang="en-US" sz="3600" dirty="0"/>
+            <a:endParaRPr lang="zh-CHS" altLang="en-US" sz="3600" dirty="0"/>
           </a:p>
         </p:txBody>
       </p:sp>
@@ -7042,152 +7058,152 @@
           <a:lstStyle/>
           <a:p>
             <a:r>
-              <a:rPr lang="en-US" altLang="zh-CN" dirty="0" smtClean="0"/>
+              <a:rPr lang="en-US" altLang="zh-CHS" dirty="0" smtClean="0"/>
               <a:t>Texture in OpenGL</a:t>
             </a:r>
           </a:p>
           <a:p>
             <a:pPr lvl="1"/>
             <a:r>
-              <a:rPr lang="en-US" altLang="zh-CN" dirty="0" smtClean="0"/>
+              <a:rPr lang="en-US" altLang="zh-CHS" dirty="0" smtClean="0"/>
               <a:t>Usage:</a:t>
             </a:r>
           </a:p>
           <a:p>
             <a:pPr lvl="2"/>
             <a:r>
-              <a:rPr lang="en-US" altLang="zh-CN" dirty="0" err="1" smtClean="0"/>
+              <a:rPr lang="en-US" altLang="zh-CHS" dirty="0" err="1" smtClean="0"/>
               <a:t>textureHandle</a:t>
             </a:r>
             <a:r>
-              <a:rPr lang="en-US" altLang="zh-CN" dirty="0" smtClean="0"/>
+              <a:rPr lang="en-US" altLang="zh-CHS" dirty="0" smtClean="0"/>
               <a:t> = </a:t>
             </a:r>
             <a:r>
-              <a:rPr lang="en-US" altLang="zh-CN" dirty="0" err="1" smtClean="0"/>
+              <a:rPr lang="en-US" altLang="zh-CHS" dirty="0" err="1" smtClean="0"/>
               <a:t>SOIL_load_OGL_texture</a:t>
             </a:r>
             <a:r>
-              <a:rPr lang="en-US" altLang="zh-CN" dirty="0" smtClean="0"/>
+              <a:rPr lang="en-US" altLang="zh-CHS" dirty="0" smtClean="0"/>
               <a:t>(const char* </a:t>
             </a:r>
             <a:r>
-              <a:rPr lang="en-US" altLang="zh-CN" i="1" dirty="0" smtClean="0"/>
+              <a:rPr lang="en-US" altLang="zh-CHS" i="1" dirty="0" smtClean="0"/>
               <a:t>filename</a:t>
             </a:r>
             <a:r>
-              <a:rPr lang="en-US" altLang="zh-CN" dirty="0" smtClean="0"/>
+              <a:rPr lang="en-US" altLang="zh-CHS" dirty="0" smtClean="0"/>
               <a:t>, </a:t>
             </a:r>
             <a:r>
-              <a:rPr lang="en-US" altLang="zh-CN" dirty="0" err="1" smtClean="0"/>
+              <a:rPr lang="en-US" altLang="zh-CHS" dirty="0" err="1" smtClean="0"/>
               <a:t>int</a:t>
             </a:r>
             <a:r>
-              <a:rPr lang="en-US" altLang="zh-CN" dirty="0" smtClean="0"/>
+              <a:rPr lang="en-US" altLang="zh-CHS" dirty="0" smtClean="0"/>
               <a:t> </a:t>
             </a:r>
             <a:r>
-              <a:rPr lang="en-US" altLang="zh-CN" i="1" dirty="0" err="1" smtClean="0"/>
+              <a:rPr lang="en-US" altLang="zh-CHS" i="1" dirty="0" err="1" smtClean="0"/>
               <a:t>force_channels</a:t>
             </a:r>
             <a:r>
-              <a:rPr lang="en-US" altLang="zh-CN" dirty="0" smtClean="0"/>
+              <a:rPr lang="en-US" altLang="zh-CHS" dirty="0" smtClean="0"/>
               <a:t>, unsigned </a:t>
             </a:r>
             <a:r>
-              <a:rPr lang="en-US" altLang="zh-CN" dirty="0" err="1" smtClean="0"/>
+              <a:rPr lang="en-US" altLang="zh-CHS" dirty="0" err="1" smtClean="0"/>
               <a:t>int</a:t>
             </a:r>
             <a:r>
-              <a:rPr lang="en-US" altLang="zh-CN" dirty="0" smtClean="0"/>
+              <a:rPr lang="en-US" altLang="zh-CHS" dirty="0" smtClean="0"/>
               <a:t> </a:t>
             </a:r>
             <a:r>
-              <a:rPr lang="en-US" altLang="zh-CN" i="1" dirty="0" err="1" smtClean="0"/>
+              <a:rPr lang="en-US" altLang="zh-CHS" i="1" dirty="0" err="1" smtClean="0"/>
               <a:t>reuse_texture_ID</a:t>
             </a:r>
             <a:r>
-              <a:rPr lang="en-US" altLang="zh-CN" dirty="0" smtClean="0"/>
+              <a:rPr lang="en-US" altLang="zh-CHS" dirty="0" smtClean="0"/>
               <a:t>, unsigned </a:t>
             </a:r>
             <a:r>
-              <a:rPr lang="en-US" altLang="zh-CN" dirty="0" err="1" smtClean="0"/>
+              <a:rPr lang="en-US" altLang="zh-CHS" dirty="0" err="1" smtClean="0"/>
               <a:t>int</a:t>
             </a:r>
             <a:r>
-              <a:rPr lang="en-US" altLang="zh-CN" dirty="0" smtClean="0"/>
+              <a:rPr lang="en-US" altLang="zh-CHS" dirty="0" smtClean="0"/>
               <a:t> </a:t>
             </a:r>
             <a:r>
-              <a:rPr lang="en-US" altLang="zh-CN" i="1" dirty="0" smtClean="0"/>
+              <a:rPr lang="en-US" altLang="zh-CHS" i="1" dirty="0" smtClean="0"/>
               <a:t>flags</a:t>
             </a:r>
             <a:r>
-              <a:rPr lang="en-US" altLang="zh-CN" dirty="0" smtClean="0"/>
+              <a:rPr lang="en-US" altLang="zh-CHS" dirty="0" smtClean="0"/>
               <a:t>)</a:t>
             </a:r>
           </a:p>
           <a:p>
             <a:pPr lvl="2"/>
-            <a:endParaRPr lang="en-US" altLang="zh-CN" dirty="0" smtClean="0"/>
+            <a:endParaRPr lang="en-US" altLang="zh-CHS" dirty="0" smtClean="0"/>
           </a:p>
           <a:p>
             <a:pPr lvl="3"/>
             <a:r>
-              <a:rPr lang="en-US" altLang="zh-CN" dirty="0" smtClean="0"/>
+              <a:rPr lang="en-US" altLang="zh-CHS" dirty="0" smtClean="0"/>
               <a:t>filename</a:t>
             </a:r>
           </a:p>
           <a:p>
             <a:pPr lvl="3"/>
             <a:r>
-              <a:rPr lang="en-US" altLang="zh-CN" dirty="0" err="1" smtClean="0"/>
+              <a:rPr lang="en-US" altLang="zh-CHS" dirty="0" err="1" smtClean="0"/>
               <a:t>force_channels</a:t>
             </a:r>
             <a:r>
-              <a:rPr lang="en-US" altLang="zh-CN" dirty="0" smtClean="0"/>
+              <a:rPr lang="en-US" altLang="zh-CHS" dirty="0" smtClean="0"/>
               <a:t> – leave it as SOIL_LOAD_AUTO</a:t>
             </a:r>
           </a:p>
           <a:p>
             <a:pPr lvl="3"/>
             <a:r>
-              <a:rPr lang="en-US" altLang="zh-CN" dirty="0" err="1" smtClean="0"/>
+              <a:rPr lang="en-US" altLang="zh-CHS" dirty="0" err="1" smtClean="0"/>
               <a:t>reuse_texture_ID</a:t>
             </a:r>
             <a:r>
-              <a:rPr lang="en-US" altLang="zh-CN" dirty="0" smtClean="0"/>
+              <a:rPr lang="en-US" altLang="zh-CHS" dirty="0" smtClean="0"/>
               <a:t> – SOIL_CREATE_NEW_ID</a:t>
             </a:r>
           </a:p>
           <a:p>
             <a:pPr lvl="3"/>
             <a:r>
-              <a:rPr lang="en-US" altLang="zh-CN" dirty="0" smtClean="0"/>
+              <a:rPr lang="en-US" altLang="zh-CHS" dirty="0" smtClean="0"/>
               <a:t>flags</a:t>
             </a:r>
           </a:p>
           <a:p>
             <a:pPr lvl="4"/>
             <a:r>
-              <a:rPr lang="en-US" altLang="zh-CN" dirty="0" smtClean="0"/>
+              <a:rPr lang="en-US" altLang="zh-CHS" dirty="0" smtClean="0"/>
               <a:t>SOIL_FLAG_INVERT_Y</a:t>
             </a:r>
           </a:p>
           <a:p>
             <a:pPr lvl="4"/>
             <a:r>
-              <a:rPr lang="en-US" altLang="zh-CN" dirty="0" smtClean="0"/>
+              <a:rPr lang="en-US" altLang="zh-CHS" dirty="0" smtClean="0"/>
               <a:t>SOIL_FLAG_MIPMAPS</a:t>
             </a:r>
           </a:p>
           <a:p>
             <a:pPr lvl="3"/>
-            <a:endParaRPr lang="en-US" altLang="zh-CN" dirty="0" smtClean="0"/>
-          </a:p>
-          <a:p>
-            <a:endParaRPr lang="en-US" altLang="zh-CN" dirty="0" smtClean="0"/>
+            <a:endParaRPr lang="en-US" altLang="zh-CHS" dirty="0" smtClean="0"/>
+          </a:p>
+          <a:p>
+            <a:endParaRPr lang="en-US" altLang="zh-CHS" dirty="0" smtClean="0"/>
           </a:p>
         </p:txBody>
       </p:sp>
@@ -7209,10 +7225,10 @@
           <a:lstStyle/>
           <a:p>
             <a:r>
-              <a:rPr lang="en-US" altLang="zh-CN" sz="3600" dirty="0" smtClean="0"/>
+              <a:rPr lang="en-US" altLang="zh-CHS" sz="3600" dirty="0" smtClean="0"/>
               <a:t>Main techniques we need</a:t>
             </a:r>
-            <a:endParaRPr lang="zh-CN" altLang="en-US" sz="3600" dirty="0"/>
+            <a:endParaRPr lang="zh-CHS" altLang="en-US" sz="3600" dirty="0"/>
           </a:p>
         </p:txBody>
       </p:sp>
@@ -7266,63 +7282,75 @@
           <a:lstStyle/>
           <a:p>
             <a:r>
-              <a:rPr lang="en-US" altLang="zh-CN" dirty="0" smtClean="0"/>
+              <a:rPr lang="en-US" altLang="zh-CHS" dirty="0" smtClean="0"/>
               <a:t>Texture in OpenGL</a:t>
             </a:r>
           </a:p>
           <a:p>
             <a:pPr lvl="1"/>
             <a:r>
-              <a:rPr lang="en-US" altLang="zh-CN" dirty="0" smtClean="0"/>
+              <a:rPr lang="en-US" altLang="zh-CHS" dirty="0" smtClean="0"/>
               <a:t>Usage:</a:t>
             </a:r>
           </a:p>
           <a:p>
             <a:pPr lvl="2"/>
             <a:r>
-              <a:rPr lang="en-US" altLang="zh-CN" dirty="0" smtClean="0"/>
+              <a:rPr lang="en-US" altLang="zh-CHS" dirty="0" smtClean="0"/>
               <a:t>What does it do for us?</a:t>
             </a:r>
           </a:p>
           <a:p>
             <a:pPr lvl="3"/>
             <a:r>
-              <a:rPr lang="en-US" altLang="zh-CN" dirty="0" err="1" smtClean="0"/>
+              <a:rPr lang="en-US" altLang="zh-CHS" dirty="0" err="1" smtClean="0">
+                <a:solidFill>
+                  <a:srgbClr val="FF0000"/>
+                </a:solidFill>
+              </a:rPr>
               <a:t>glGenTextures</a:t>
             </a:r>
             <a:r>
-              <a:rPr lang="en-US" altLang="zh-CN" dirty="0" smtClean="0"/>
+              <a:rPr lang="en-US" altLang="zh-CHS" dirty="0" smtClean="0">
+                <a:solidFill>
+                  <a:srgbClr val="FF0000"/>
+                </a:solidFill>
+              </a:rPr>
               <a:t>()</a:t>
             </a:r>
           </a:p>
           <a:p>
             <a:pPr lvl="3"/>
             <a:r>
-              <a:rPr lang="en-US" altLang="zh-CN" dirty="0" smtClean="0"/>
+              <a:rPr lang="en-US" altLang="zh-CHS" dirty="0" smtClean="0">
+                <a:solidFill>
+                  <a:srgbClr val="FF0000"/>
+                </a:solidFill>
+              </a:rPr>
               <a:t>glTexImage2D()\gluBuild2DMipmaps()</a:t>
             </a:r>
           </a:p>
           <a:p>
             <a:pPr lvl="3"/>
-            <a:endParaRPr lang="en-US" altLang="zh-CN" dirty="0" smtClean="0"/>
+            <a:endParaRPr lang="en-US" altLang="zh-CHS" dirty="0" smtClean="0"/>
           </a:p>
           <a:p>
             <a:pPr lvl="3"/>
             <a:r>
-              <a:rPr lang="en-US" altLang="zh-CN" dirty="0" smtClean="0"/>
+              <a:rPr lang="en-US" altLang="zh-CHS" dirty="0" smtClean="0"/>
               <a:t>It also does some parameter settings, but usually we can use </a:t>
             </a:r>
             <a:r>
-              <a:rPr lang="en-US" altLang="zh-CN" dirty="0" err="1" smtClean="0"/>
+              <a:rPr lang="en-US" altLang="zh-CHS" dirty="0" err="1" smtClean="0"/>
               <a:t>glTexParameter</a:t>
             </a:r>
             <a:r>
-              <a:rPr lang="en-US" altLang="zh-CN" dirty="0" smtClean="0"/>
+              <a:rPr lang="en-US" altLang="zh-CHS" dirty="0" smtClean="0"/>
               <a:t>{}() to reset again</a:t>
             </a:r>
           </a:p>
           <a:p>
-            <a:endParaRPr lang="en-US" altLang="zh-CN" dirty="0" smtClean="0"/>
+            <a:endParaRPr lang="en-US" altLang="zh-CHS" dirty="0" smtClean="0"/>
           </a:p>
         </p:txBody>
       </p:sp>
@@ -7344,10 +7372,10 @@
           <a:lstStyle/>
           <a:p>
             <a:r>
-              <a:rPr lang="en-US" altLang="zh-CN" sz="3600" dirty="0" smtClean="0"/>
+              <a:rPr lang="en-US" altLang="zh-CHS" sz="3600" dirty="0" smtClean="0"/>
               <a:t>Main techniques we need</a:t>
             </a:r>
-            <a:endParaRPr lang="zh-CN" altLang="en-US" sz="3600" dirty="0"/>
+            <a:endParaRPr lang="zh-CHS" altLang="en-US" sz="3600" dirty="0"/>
           </a:p>
         </p:txBody>
       </p:sp>
@@ -7401,78 +7429,78 @@
           <a:lstStyle/>
           <a:p>
             <a:r>
-              <a:rPr lang="en-US" altLang="zh-CN" dirty="0" smtClean="0"/>
+              <a:rPr lang="en-US" altLang="zh-CHS" dirty="0" smtClean="0"/>
               <a:t>Fog</a:t>
             </a:r>
           </a:p>
           <a:p>
             <a:pPr lvl="1"/>
             <a:r>
-              <a:rPr lang="en-US" altLang="zh-CN" dirty="0" err="1" smtClean="0"/>
+              <a:rPr lang="en-US" altLang="zh-CHS" dirty="0" err="1" smtClean="0"/>
               <a:t>glFogi</a:t>
             </a:r>
             <a:r>
-              <a:rPr lang="en-US" altLang="zh-CN" dirty="0" smtClean="0"/>
+              <a:rPr lang="en-US" altLang="zh-CHS" dirty="0" smtClean="0"/>
               <a:t>(GL_FOG_MODE, </a:t>
             </a:r>
             <a:r>
-              <a:rPr lang="en-US" altLang="zh-CN" i="1" dirty="0" err="1" smtClean="0"/>
+              <a:rPr lang="en-US" altLang="zh-CHS" i="1" dirty="0" err="1" smtClean="0"/>
               <a:t>param</a:t>
             </a:r>
             <a:r>
-              <a:rPr lang="en-US" altLang="zh-CN" dirty="0" smtClean="0"/>
+              <a:rPr lang="en-US" altLang="zh-CHS" dirty="0" smtClean="0"/>
               <a:t>)</a:t>
             </a:r>
           </a:p>
           <a:p>
             <a:pPr lvl="2"/>
             <a:r>
-              <a:rPr lang="en-US" altLang="zh-CN" dirty="0" err="1" smtClean="0"/>
+              <a:rPr lang="en-US" altLang="zh-CHS" dirty="0" err="1" smtClean="0"/>
               <a:t>param</a:t>
             </a:r>
-            <a:endParaRPr lang="en-US" altLang="zh-CN" dirty="0" smtClean="0"/>
+            <a:endParaRPr lang="en-US" altLang="zh-CHS" dirty="0" smtClean="0"/>
           </a:p>
           <a:p>
             <a:pPr lvl="3"/>
             <a:r>
-              <a:rPr lang="en-US" altLang="zh-CN" dirty="0" smtClean="0"/>
+              <a:rPr lang="en-US" altLang="zh-CHS" dirty="0" smtClean="0"/>
               <a:t>GL_EXP</a:t>
             </a:r>
           </a:p>
           <a:p>
             <a:pPr lvl="3"/>
             <a:r>
-              <a:rPr lang="en-US" altLang="zh-CN" dirty="0" smtClean="0"/>
+              <a:rPr lang="en-US" altLang="zh-CHS" dirty="0" smtClean="0"/>
               <a:t>GL_EXP2</a:t>
             </a:r>
           </a:p>
           <a:p>
             <a:pPr lvl="3"/>
             <a:r>
-              <a:rPr lang="en-US" altLang="zh-CN" dirty="0" smtClean="0"/>
+              <a:rPr lang="en-US" altLang="zh-CHS" dirty="0" smtClean="0"/>
               <a:t>GL_LINEAR</a:t>
             </a:r>
           </a:p>
           <a:p>
             <a:pPr lvl="2"/>
-            <a:endParaRPr lang="en-US" altLang="zh-CN" dirty="0" smtClean="0"/>
+            <a:endParaRPr lang="en-US" altLang="zh-CHS" dirty="0" smtClean="0"/>
           </a:p>
           <a:p>
             <a:pPr lvl="1"/>
             <a:r>
-              <a:rPr lang="en-US" altLang="zh-CN" dirty="0" err="1" smtClean="0"/>
+              <a:rPr lang="en-US" altLang="zh-CHS" dirty="0" err="1" smtClean="0"/>
               <a:t>glFogfv</a:t>
             </a:r>
             <a:r>
-              <a:rPr lang="en-US" altLang="zh-CN" dirty="0" smtClean="0"/>
+              <a:rPr lang="en-US" altLang="zh-CHS" dirty="0" smtClean="0"/>
               <a:t>(GL_FOG_COLOR, </a:t>
             </a:r>
             <a:r>
-              <a:rPr lang="en-US" altLang="zh-CN" i="1" dirty="0" err="1" smtClean="0"/>
+              <a:rPr lang="en-US" altLang="zh-CHS" i="1" dirty="0" err="1" smtClean="0"/>
               <a:t>param</a:t>
             </a:r>
             <a:r>
-              <a:rPr lang="en-US" altLang="zh-CN" dirty="0" smtClean="0"/>
+              <a:rPr lang="en-US" altLang="zh-CHS" dirty="0" smtClean="0"/>
               <a:t>)</a:t>
             </a:r>
           </a:p>
@@ -7496,10 +7524,10 @@
           <a:lstStyle/>
           <a:p>
             <a:r>
-              <a:rPr lang="en-US" altLang="zh-CN" sz="3600" dirty="0" smtClean="0"/>
+              <a:rPr lang="en-US" altLang="zh-CHS" sz="3600" dirty="0" smtClean="0"/>
               <a:t>Main techniques we need</a:t>
             </a:r>
-            <a:endParaRPr lang="zh-CN" altLang="en-US" sz="3600" dirty="0"/>
+            <a:endParaRPr lang="zh-CHS" altLang="en-US" sz="3600" dirty="0"/>
           </a:p>
         </p:txBody>
       </p:sp>
@@ -7553,82 +7581,82 @@
           <a:lstStyle/>
           <a:p>
             <a:r>
-              <a:rPr lang="en-US" altLang="zh-CN" dirty="0" smtClean="0"/>
+              <a:rPr lang="en-US" altLang="zh-CHS" dirty="0" smtClean="0"/>
               <a:t>Fog</a:t>
             </a:r>
           </a:p>
           <a:p>
             <a:pPr lvl="1"/>
             <a:r>
-              <a:rPr lang="en-US" altLang="zh-CN" dirty="0" err="1" smtClean="0"/>
+              <a:rPr lang="en-US" altLang="zh-CHS" dirty="0" err="1" smtClean="0"/>
               <a:t>glFogf</a:t>
             </a:r>
             <a:r>
-              <a:rPr lang="en-US" altLang="zh-CN" dirty="0" smtClean="0"/>
+              <a:rPr lang="en-US" altLang="zh-CHS" dirty="0" smtClean="0"/>
               <a:t>(GL_FOG_DENSITY, </a:t>
             </a:r>
             <a:r>
-              <a:rPr lang="en-US" altLang="zh-CN" i="1" dirty="0" err="1" smtClean="0"/>
+              <a:rPr lang="en-US" altLang="zh-CHS" i="1" dirty="0" err="1" smtClean="0"/>
               <a:t>param</a:t>
             </a:r>
             <a:r>
-              <a:rPr lang="en-US" altLang="zh-CN" dirty="0" smtClean="0"/>
+              <a:rPr lang="en-US" altLang="zh-CHS" dirty="0" smtClean="0"/>
               <a:t>)</a:t>
             </a:r>
           </a:p>
           <a:p>
             <a:pPr lvl="2"/>
             <a:r>
-              <a:rPr lang="en-US" altLang="zh-CN" dirty="0" smtClean="0"/>
+              <a:rPr lang="en-US" altLang="zh-CHS" dirty="0" smtClean="0"/>
               <a:t>Used for GL_EXP\GL_EXP2</a:t>
             </a:r>
           </a:p>
           <a:p>
             <a:pPr lvl="2"/>
-            <a:endParaRPr lang="en-US" altLang="zh-CN" dirty="0" smtClean="0"/>
+            <a:endParaRPr lang="en-US" altLang="zh-CHS" dirty="0" smtClean="0"/>
           </a:p>
           <a:p>
             <a:pPr lvl="1"/>
             <a:r>
-              <a:rPr lang="en-US" altLang="zh-CN" dirty="0" err="1" smtClean="0"/>
+              <a:rPr lang="en-US" altLang="zh-CHS" dirty="0" err="1" smtClean="0"/>
               <a:t>glFogf</a:t>
             </a:r>
             <a:r>
-              <a:rPr lang="en-US" altLang="zh-CN" dirty="0" smtClean="0"/>
+              <a:rPr lang="en-US" altLang="zh-CHS" dirty="0" smtClean="0"/>
               <a:t>(GL_FOG_START, </a:t>
             </a:r>
             <a:r>
-              <a:rPr lang="en-US" altLang="zh-CN" i="1" dirty="0" err="1" smtClean="0"/>
+              <a:rPr lang="en-US" altLang="zh-CHS" i="1" dirty="0" err="1" smtClean="0"/>
               <a:t>param</a:t>
             </a:r>
             <a:r>
-              <a:rPr lang="en-US" altLang="zh-CN" dirty="0" smtClean="0"/>
+              <a:rPr lang="en-US" altLang="zh-CHS" dirty="0" smtClean="0"/>
               <a:t>);</a:t>
             </a:r>
           </a:p>
           <a:p>
             <a:pPr lvl="1"/>
             <a:r>
-              <a:rPr lang="en-US" altLang="zh-CN" dirty="0" err="1" smtClean="0"/>
+              <a:rPr lang="en-US" altLang="zh-CHS" dirty="0" err="1" smtClean="0"/>
               <a:t>glFogf</a:t>
             </a:r>
             <a:r>
-              <a:rPr lang="en-US" altLang="zh-CN" dirty="0" smtClean="0"/>
+              <a:rPr lang="en-US" altLang="zh-CHS" dirty="0" smtClean="0"/>
               <a:t>(GL_FOG_END, </a:t>
             </a:r>
             <a:r>
-              <a:rPr lang="en-US" altLang="zh-CN" i="1" dirty="0" err="1" smtClean="0"/>
+              <a:rPr lang="en-US" altLang="zh-CHS" i="1" dirty="0" err="1" smtClean="0"/>
               <a:t>param</a:t>
             </a:r>
             <a:r>
-              <a:rPr lang="en-US" altLang="zh-CN" dirty="0" smtClean="0"/>
+              <a:rPr lang="en-US" altLang="zh-CHS" dirty="0" smtClean="0"/>
               <a:t>);</a:t>
             </a:r>
           </a:p>
           <a:p>
             <a:pPr lvl="2"/>
             <a:r>
-              <a:rPr lang="en-US" altLang="zh-CN" dirty="0" smtClean="0"/>
+              <a:rPr lang="en-US" altLang="zh-CHS" dirty="0" smtClean="0"/>
               <a:t>Used differently for different fog mode</a:t>
             </a:r>
           </a:p>
@@ -7652,10 +7680,10 @@
           <a:lstStyle/>
           <a:p>
             <a:r>
-              <a:rPr lang="en-US" altLang="zh-CN" sz="3600" dirty="0" smtClean="0"/>
+              <a:rPr lang="en-US" altLang="zh-CHS" sz="3600" dirty="0" smtClean="0"/>
               <a:t>Main techniques we need</a:t>
             </a:r>
-            <a:endParaRPr lang="zh-CN" altLang="en-US" sz="3600" dirty="0"/>
+            <a:endParaRPr lang="zh-CHS" altLang="en-US" sz="3600" dirty="0"/>
           </a:p>
         </p:txBody>
       </p:sp>
@@ -7709,36 +7737,36 @@
           <a:lstStyle/>
           <a:p>
             <a:r>
-              <a:rPr lang="en-US" altLang="zh-CN" dirty="0" smtClean="0"/>
+              <a:rPr lang="en-US" altLang="zh-CHS" dirty="0" smtClean="0"/>
               <a:t>Fog</a:t>
             </a:r>
           </a:p>
           <a:p>
             <a:pPr lvl="1"/>
             <a:r>
-              <a:rPr lang="en-US" altLang="zh-CN" dirty="0" smtClean="0"/>
+              <a:rPr lang="en-US" altLang="zh-CHS" dirty="0" smtClean="0"/>
               <a:t>Remember</a:t>
             </a:r>
           </a:p>
           <a:p>
             <a:pPr lvl="2"/>
             <a:r>
-              <a:rPr lang="en-US" altLang="zh-CN" dirty="0" smtClean="0"/>
+              <a:rPr lang="en-US" altLang="zh-CHS" dirty="0" smtClean="0"/>
               <a:t>Fog doesn’t affect background, so you need to clear background to the fog color to see full-screen fog effect if the range of fog doesn’t fill the full space.</a:t>
             </a:r>
           </a:p>
           <a:p>
             <a:pPr lvl="2"/>
             <a:r>
-              <a:rPr lang="en-US" altLang="zh-CN" dirty="0" smtClean="0"/>
+              <a:rPr lang="en-US" altLang="zh-CHS" dirty="0" smtClean="0"/>
               <a:t>Use </a:t>
             </a:r>
             <a:r>
-              <a:rPr lang="en-US" altLang="zh-CN" dirty="0" err="1" smtClean="0"/>
+              <a:rPr lang="en-US" altLang="zh-CHS" dirty="0" err="1" smtClean="0"/>
               <a:t>glEnable</a:t>
             </a:r>
             <a:r>
-              <a:rPr lang="en-US" altLang="zh-CN" dirty="0" smtClean="0"/>
+              <a:rPr lang="en-US" altLang="zh-CHS" dirty="0" smtClean="0"/>
               <a:t>(GL_FOG) to enable the fog effect</a:t>
             </a:r>
           </a:p>
@@ -7762,10 +7790,10 @@
           <a:lstStyle/>
           <a:p>
             <a:r>
-              <a:rPr lang="en-US" altLang="zh-CN" sz="3600" dirty="0" smtClean="0"/>
+              <a:rPr lang="en-US" altLang="zh-CHS" sz="3600" dirty="0" smtClean="0"/>
               <a:t>Main techniques we need</a:t>
             </a:r>
-            <a:endParaRPr lang="zh-CN" altLang="en-US" sz="3600" dirty="0"/>
+            <a:endParaRPr lang="zh-CHS" altLang="en-US" sz="3600" dirty="0"/>
           </a:p>
         </p:txBody>
       </p:sp>
@@ -7819,126 +7847,126 @@
           <a:lstStyle/>
           <a:p>
             <a:r>
-              <a:rPr lang="en-US" altLang="zh-CN" dirty="0" smtClean="0"/>
+              <a:rPr lang="en-US" altLang="zh-CHS" dirty="0" smtClean="0"/>
               <a:t>Keyboard Control</a:t>
             </a:r>
           </a:p>
           <a:p>
             <a:pPr lvl="1"/>
             <a:r>
-              <a:rPr lang="en-US" altLang="zh-CN" dirty="0" smtClean="0"/>
+              <a:rPr lang="en-US" altLang="zh-CHS" dirty="0" smtClean="0"/>
               <a:t>GLUT library provides a convenient way to do interaction</a:t>
             </a:r>
           </a:p>
           <a:p>
             <a:pPr lvl="1"/>
-            <a:endParaRPr lang="en-US" altLang="zh-CN" dirty="0" smtClean="0"/>
+            <a:endParaRPr lang="en-US" altLang="zh-CHS" dirty="0" smtClean="0"/>
           </a:p>
           <a:p>
             <a:pPr lvl="1"/>
             <a:r>
-              <a:rPr lang="en-US" altLang="zh-CN" dirty="0" smtClean="0"/>
+              <a:rPr lang="en-US" altLang="zh-CHS" dirty="0" smtClean="0"/>
               <a:t>void </a:t>
             </a:r>
             <a:r>
-              <a:rPr lang="en-US" altLang="zh-CN" dirty="0" err="1" smtClean="0"/>
+              <a:rPr lang="en-US" altLang="zh-CHS" dirty="0" err="1" smtClean="0"/>
               <a:t>glutKeyboardFunc</a:t>
             </a:r>
             <a:r>
-              <a:rPr lang="en-US" altLang="zh-CN" i="1" dirty="0" smtClean="0"/>
+              <a:rPr lang="en-US" altLang="zh-CHS" i="1" dirty="0" smtClean="0"/>
               <a:t>(</a:t>
             </a:r>
             <a:r>
-              <a:rPr lang="en-US" altLang="zh-CN" i="1" dirty="0" err="1" smtClean="0"/>
+              <a:rPr lang="en-US" altLang="zh-CHS" i="1" dirty="0" err="1" smtClean="0"/>
               <a:t>functionName</a:t>
             </a:r>
             <a:r>
-              <a:rPr lang="en-US" altLang="zh-CN" i="1" dirty="0" smtClean="0"/>
+              <a:rPr lang="en-US" altLang="zh-CHS" i="1" dirty="0" smtClean="0"/>
               <a:t>)</a:t>
             </a:r>
           </a:p>
           <a:p>
             <a:pPr lvl="1"/>
             <a:r>
-              <a:rPr lang="en-US" altLang="zh-CN" dirty="0" smtClean="0"/>
+              <a:rPr lang="en-US" altLang="zh-CHS" dirty="0" smtClean="0"/>
               <a:t>void </a:t>
             </a:r>
             <a:r>
-              <a:rPr lang="en-US" altLang="zh-CN" dirty="0" err="1" smtClean="0"/>
+              <a:rPr lang="en-US" altLang="zh-CHS" dirty="0" err="1" smtClean="0"/>
               <a:t>glutKeyboardUpFunc</a:t>
             </a:r>
             <a:r>
-              <a:rPr lang="en-US" altLang="zh-CN" dirty="0" smtClean="0"/>
+              <a:rPr lang="en-US" altLang="zh-CHS" dirty="0" smtClean="0"/>
               <a:t>(</a:t>
             </a:r>
             <a:r>
-              <a:rPr lang="en-US" altLang="zh-CN" i="1" dirty="0" err="1" smtClean="0"/>
+              <a:rPr lang="en-US" altLang="zh-CHS" i="1" dirty="0" err="1" smtClean="0"/>
               <a:t>functionName</a:t>
             </a:r>
             <a:r>
-              <a:rPr lang="en-US" altLang="zh-CN" dirty="0" smtClean="0"/>
+              <a:rPr lang="en-US" altLang="zh-CHS" dirty="0" smtClean="0"/>
               <a:t>)</a:t>
             </a:r>
           </a:p>
           <a:p>
             <a:pPr lvl="1"/>
-            <a:endParaRPr lang="en-US" altLang="zh-CN" dirty="0" smtClean="0"/>
+            <a:endParaRPr lang="en-US" altLang="zh-CHS" dirty="0" smtClean="0"/>
           </a:p>
           <a:p>
             <a:pPr lvl="1"/>
             <a:r>
-              <a:rPr lang="en-US" altLang="zh-CN" dirty="0" smtClean="0"/>
+              <a:rPr lang="en-US" altLang="zh-CHS" dirty="0" smtClean="0"/>
               <a:t>void </a:t>
             </a:r>
             <a:r>
-              <a:rPr lang="en-US" altLang="zh-CN" dirty="0" err="1" smtClean="0"/>
+              <a:rPr lang="en-US" altLang="zh-CHS" dirty="0" err="1" smtClean="0"/>
               <a:t>glutSpecialFunc</a:t>
             </a:r>
             <a:r>
-              <a:rPr lang="en-US" altLang="zh-CN" dirty="0" smtClean="0"/>
+              <a:rPr lang="en-US" altLang="zh-CHS" dirty="0" smtClean="0"/>
               <a:t>(</a:t>
             </a:r>
             <a:r>
-              <a:rPr lang="en-US" altLang="zh-CN" i="1" dirty="0" err="1" smtClean="0"/>
+              <a:rPr lang="en-US" altLang="zh-CHS" i="1" dirty="0" err="1" smtClean="0"/>
               <a:t>functionName</a:t>
             </a:r>
             <a:r>
-              <a:rPr lang="en-US" altLang="zh-CN" dirty="0" smtClean="0"/>
+              <a:rPr lang="en-US" altLang="zh-CHS" dirty="0" smtClean="0"/>
               <a:t>)</a:t>
             </a:r>
           </a:p>
           <a:p>
             <a:pPr lvl="1"/>
             <a:r>
-              <a:rPr lang="en-US" altLang="zh-CN" dirty="0" smtClean="0"/>
+              <a:rPr lang="en-US" altLang="zh-CHS" dirty="0" smtClean="0"/>
               <a:t>void </a:t>
             </a:r>
             <a:r>
-              <a:rPr lang="en-US" altLang="zh-CN" dirty="0" err="1" smtClean="0"/>
+              <a:rPr lang="en-US" altLang="zh-CHS" dirty="0" err="1" smtClean="0"/>
               <a:t>glutSpecialUpFunc</a:t>
             </a:r>
             <a:r>
-              <a:rPr lang="en-US" altLang="zh-CN" dirty="0" smtClean="0"/>
+              <a:rPr lang="en-US" altLang="zh-CHS" dirty="0" smtClean="0"/>
               <a:t>(</a:t>
             </a:r>
             <a:r>
-              <a:rPr lang="en-US" altLang="zh-CN" dirty="0" err="1" smtClean="0"/>
+              <a:rPr lang="en-US" altLang="zh-CHS" dirty="0" err="1" smtClean="0"/>
               <a:t>functionName</a:t>
             </a:r>
             <a:r>
-              <a:rPr lang="en-US" altLang="zh-CN" dirty="0" smtClean="0"/>
+              <a:rPr lang="en-US" altLang="zh-CHS" dirty="0" smtClean="0"/>
               <a:t>)</a:t>
             </a:r>
           </a:p>
           <a:p>
             <a:pPr lvl="2"/>
             <a:r>
-              <a:rPr lang="en-US" altLang="zh-CN" dirty="0" smtClean="0"/>
+              <a:rPr lang="en-US" altLang="zh-CHS" dirty="0" smtClean="0"/>
               <a:t>For arrow keys and page-up &amp; page-down keys etc.</a:t>
             </a:r>
           </a:p>
           <a:p>
-            <a:endParaRPr lang="en-US" altLang="zh-CN" dirty="0" smtClean="0"/>
+            <a:endParaRPr lang="en-US" altLang="zh-CHS" dirty="0" smtClean="0"/>
           </a:p>
         </p:txBody>
       </p:sp>
@@ -7960,10 +7988,10 @@
           <a:lstStyle/>
           <a:p>
             <a:r>
-              <a:rPr lang="en-US" altLang="zh-CN" sz="3600" dirty="0" smtClean="0"/>
+              <a:rPr lang="en-US" altLang="zh-CHS" sz="3600" dirty="0" smtClean="0"/>
               <a:t>Main techniques we need</a:t>
             </a:r>
-            <a:endParaRPr lang="zh-CN" altLang="en-US" sz="3600" dirty="0"/>
+            <a:endParaRPr lang="zh-CHS" altLang="en-US" sz="3600" dirty="0"/>
           </a:p>
         </p:txBody>
       </p:sp>
@@ -8017,151 +8045,151 @@
           <a:lstStyle/>
           <a:p>
             <a:r>
-              <a:rPr lang="en-US" altLang="zh-CN" dirty="0" smtClean="0"/>
+              <a:rPr lang="en-US" altLang="zh-CHS" dirty="0" smtClean="0"/>
               <a:t>Keyboard Control</a:t>
             </a:r>
           </a:p>
           <a:p>
-            <a:endParaRPr lang="en-US" altLang="zh-CN" dirty="0" smtClean="0"/>
+            <a:endParaRPr lang="en-US" altLang="zh-CHS" dirty="0" smtClean="0"/>
           </a:p>
           <a:p>
             <a:pPr lvl="1"/>
             <a:r>
-              <a:rPr lang="en-US" altLang="zh-CN" dirty="0" smtClean="0"/>
+              <a:rPr lang="en-US" altLang="zh-CHS" dirty="0" smtClean="0"/>
               <a:t>void </a:t>
             </a:r>
             <a:r>
-              <a:rPr lang="en-US" altLang="zh-CN" dirty="0" err="1" smtClean="0"/>
+              <a:rPr lang="en-US" altLang="zh-CHS" dirty="0" err="1" smtClean="0"/>
               <a:t>myKeyboardFunc</a:t>
             </a:r>
             <a:r>
-              <a:rPr lang="en-US" altLang="zh-CN" dirty="0" smtClean="0"/>
+              <a:rPr lang="en-US" altLang="zh-CHS" dirty="0" smtClean="0"/>
               <a:t>(unsigned char </a:t>
             </a:r>
             <a:r>
-              <a:rPr lang="en-US" altLang="zh-CN" i="1" dirty="0" smtClean="0"/>
+              <a:rPr lang="en-US" altLang="zh-CHS" i="1" dirty="0" smtClean="0"/>
               <a:t>key</a:t>
             </a:r>
             <a:r>
-              <a:rPr lang="en-US" altLang="zh-CN" dirty="0" smtClean="0"/>
+              <a:rPr lang="en-US" altLang="zh-CHS" dirty="0" smtClean="0"/>
               <a:t>, </a:t>
             </a:r>
             <a:r>
-              <a:rPr lang="en-US" altLang="zh-CN" dirty="0" err="1" smtClean="0"/>
+              <a:rPr lang="en-US" altLang="zh-CHS" dirty="0" err="1" smtClean="0"/>
               <a:t>int</a:t>
             </a:r>
             <a:r>
-              <a:rPr lang="en-US" altLang="zh-CN" dirty="0" smtClean="0"/>
+              <a:rPr lang="en-US" altLang="zh-CHS" dirty="0" smtClean="0"/>
               <a:t> </a:t>
             </a:r>
             <a:r>
-              <a:rPr lang="en-US" altLang="zh-CN" i="1" dirty="0" smtClean="0"/>
+              <a:rPr lang="en-US" altLang="zh-CHS" i="1" dirty="0" smtClean="0"/>
               <a:t>x</a:t>
             </a:r>
             <a:r>
-              <a:rPr lang="en-US" altLang="zh-CN" dirty="0" smtClean="0"/>
+              <a:rPr lang="en-US" altLang="zh-CHS" dirty="0" smtClean="0"/>
               <a:t>, </a:t>
             </a:r>
             <a:r>
-              <a:rPr lang="en-US" altLang="zh-CN" dirty="0" err="1" smtClean="0"/>
+              <a:rPr lang="en-US" altLang="zh-CHS" dirty="0" err="1" smtClean="0"/>
               <a:t>int</a:t>
             </a:r>
             <a:r>
-              <a:rPr lang="en-US" altLang="zh-CN" dirty="0" smtClean="0"/>
+              <a:rPr lang="en-US" altLang="zh-CHS" dirty="0" smtClean="0"/>
               <a:t> </a:t>
             </a:r>
             <a:r>
-              <a:rPr lang="en-US" altLang="zh-CN" i="1" dirty="0" smtClean="0"/>
+              <a:rPr lang="en-US" altLang="zh-CHS" i="1" dirty="0" smtClean="0"/>
               <a:t>y</a:t>
             </a:r>
             <a:r>
-              <a:rPr lang="en-US" altLang="zh-CN" dirty="0" smtClean="0"/>
+              <a:rPr lang="en-US" altLang="zh-CHS" dirty="0" smtClean="0"/>
               <a:t>)</a:t>
             </a:r>
           </a:p>
           <a:p>
             <a:pPr lvl="2"/>
             <a:r>
-              <a:rPr lang="en-US" altLang="zh-CN" dirty="0" smtClean="0"/>
+              <a:rPr lang="en-US" altLang="zh-CHS" dirty="0" smtClean="0"/>
               <a:t>key – ASCII values</a:t>
             </a:r>
           </a:p>
           <a:p>
             <a:pPr lvl="2"/>
-            <a:endParaRPr lang="en-US" altLang="zh-CN" dirty="0" smtClean="0"/>
+            <a:endParaRPr lang="en-US" altLang="zh-CHS" dirty="0" smtClean="0"/>
           </a:p>
           <a:p>
             <a:pPr lvl="1"/>
             <a:r>
-              <a:rPr lang="en-US" altLang="zh-CN" dirty="0" smtClean="0"/>
+              <a:rPr lang="en-US" altLang="zh-CHS" dirty="0" smtClean="0"/>
               <a:t>void </a:t>
             </a:r>
             <a:r>
-              <a:rPr lang="en-US" altLang="zh-CN" dirty="0" err="1" smtClean="0"/>
+              <a:rPr lang="en-US" altLang="zh-CHS" dirty="0" err="1" smtClean="0"/>
               <a:t>mySpecialFunc</a:t>
             </a:r>
             <a:r>
-              <a:rPr lang="en-US" altLang="zh-CN" dirty="0" smtClean="0"/>
+              <a:rPr lang="en-US" altLang="zh-CHS" dirty="0" smtClean="0"/>
               <a:t>(</a:t>
             </a:r>
             <a:r>
-              <a:rPr lang="en-US" altLang="zh-CN" dirty="0" err="1" smtClean="0"/>
+              <a:rPr lang="en-US" altLang="zh-CHS" dirty="0" err="1" smtClean="0"/>
               <a:t>int</a:t>
             </a:r>
             <a:r>
-              <a:rPr lang="en-US" altLang="zh-CN" dirty="0" smtClean="0"/>
+              <a:rPr lang="en-US" altLang="zh-CHS" dirty="0" smtClean="0"/>
               <a:t> </a:t>
             </a:r>
             <a:r>
-              <a:rPr lang="en-US" altLang="zh-CN" i="1" dirty="0" smtClean="0"/>
+              <a:rPr lang="en-US" altLang="zh-CHS" i="1" dirty="0" smtClean="0"/>
               <a:t>key</a:t>
             </a:r>
             <a:r>
-              <a:rPr lang="en-US" altLang="zh-CN" dirty="0" smtClean="0"/>
+              <a:rPr lang="en-US" altLang="zh-CHS" dirty="0" smtClean="0"/>
               <a:t>, </a:t>
             </a:r>
             <a:r>
-              <a:rPr lang="en-US" altLang="zh-CN" dirty="0" err="1" smtClean="0"/>
+              <a:rPr lang="en-US" altLang="zh-CHS" dirty="0" err="1" smtClean="0"/>
               <a:t>int</a:t>
             </a:r>
             <a:r>
-              <a:rPr lang="en-US" altLang="zh-CN" dirty="0" smtClean="0"/>
+              <a:rPr lang="en-US" altLang="zh-CHS" dirty="0" smtClean="0"/>
               <a:t> </a:t>
             </a:r>
             <a:r>
-              <a:rPr lang="en-US" altLang="zh-CN" i="1" dirty="0" smtClean="0"/>
+              <a:rPr lang="en-US" altLang="zh-CHS" i="1" dirty="0" smtClean="0"/>
               <a:t>x</a:t>
             </a:r>
             <a:r>
-              <a:rPr lang="en-US" altLang="zh-CN" dirty="0" smtClean="0"/>
+              <a:rPr lang="en-US" altLang="zh-CHS" dirty="0" smtClean="0"/>
               <a:t>, </a:t>
             </a:r>
             <a:r>
-              <a:rPr lang="en-US" altLang="zh-CN" dirty="0" err="1" smtClean="0"/>
+              <a:rPr lang="en-US" altLang="zh-CHS" dirty="0" err="1" smtClean="0"/>
               <a:t>int</a:t>
             </a:r>
             <a:r>
-              <a:rPr lang="en-US" altLang="zh-CN" dirty="0" smtClean="0"/>
+              <a:rPr lang="en-US" altLang="zh-CHS" dirty="0" smtClean="0"/>
               <a:t> </a:t>
             </a:r>
             <a:r>
-              <a:rPr lang="en-US" altLang="zh-CN" i="1" dirty="0" smtClean="0"/>
+              <a:rPr lang="en-US" altLang="zh-CHS" i="1" dirty="0" smtClean="0"/>
               <a:t>y</a:t>
             </a:r>
             <a:r>
-              <a:rPr lang="en-US" altLang="zh-CN" dirty="0" smtClean="0"/>
+              <a:rPr lang="en-US" altLang="zh-CHS" dirty="0" smtClean="0"/>
               <a:t>)</a:t>
             </a:r>
           </a:p>
           <a:p>
             <a:pPr lvl="2"/>
             <a:r>
-              <a:rPr lang="en-US" altLang="zh-CN" dirty="0" smtClean="0"/>
+              <a:rPr lang="en-US" altLang="zh-CHS" dirty="0" smtClean="0"/>
               <a:t>key – defined by GLUT</a:t>
             </a:r>
           </a:p>
           <a:p>
-            <a:endParaRPr lang="en-US" altLang="zh-CN" dirty="0" smtClean="0"/>
+            <a:endParaRPr lang="en-US" altLang="zh-CHS" dirty="0" smtClean="0"/>
           </a:p>
         </p:txBody>
       </p:sp>
@@ -8183,10 +8211,10 @@
           <a:lstStyle/>
           <a:p>
             <a:r>
-              <a:rPr lang="en-US" altLang="zh-CN" sz="3600" dirty="0" smtClean="0"/>
+              <a:rPr lang="en-US" altLang="zh-CHS" sz="3600" dirty="0" smtClean="0"/>
               <a:t>Main techniques we need</a:t>
             </a:r>
-            <a:endParaRPr lang="zh-CN" altLang="en-US" sz="3600" dirty="0"/>
+            <a:endParaRPr lang="zh-CHS" altLang="en-US" sz="3600" dirty="0"/>
           </a:p>
         </p:txBody>
       </p:sp>
@@ -8240,93 +8268,93 @@
           <a:lstStyle/>
           <a:p>
             <a:r>
-              <a:rPr lang="en-US" altLang="zh-CN" dirty="0" smtClean="0"/>
+              <a:rPr lang="en-US" altLang="zh-CHS" dirty="0" smtClean="0"/>
               <a:t>Texture – Basic Knowledge</a:t>
             </a:r>
           </a:p>
           <a:p>
             <a:pPr lvl="1"/>
             <a:r>
-              <a:rPr lang="en-US" altLang="zh-CN" dirty="0" smtClean="0">
+              <a:rPr lang="en-US" altLang="zh-CHS" dirty="0" smtClean="0">
                 <a:hlinkClick r:id="rId2" action="ppaction://hlinkfile"/>
               </a:rPr>
               <a:t>Cube</a:t>
             </a:r>
-            <a:endParaRPr lang="en-US" altLang="zh-CN" dirty="0" smtClean="0"/>
+            <a:endParaRPr lang="en-US" altLang="zh-CHS" dirty="0" smtClean="0"/>
           </a:p>
           <a:p>
             <a:pPr lvl="1"/>
             <a:r>
-              <a:rPr lang="en-US" altLang="zh-CN" dirty="0" smtClean="0">
+              <a:rPr lang="en-US" altLang="zh-CHS" dirty="0" smtClean="0">
                 <a:hlinkClick r:id="rId3" action="ppaction://hlinkfile"/>
               </a:rPr>
               <a:t>Flag</a:t>
             </a:r>
-            <a:endParaRPr lang="en-US" altLang="zh-CN" dirty="0" smtClean="0"/>
-          </a:p>
-          <a:p>
-            <a:r>
-              <a:rPr lang="en-US" altLang="zh-CN" dirty="0" smtClean="0"/>
+            <a:endParaRPr lang="en-US" altLang="zh-CHS" dirty="0" smtClean="0"/>
+          </a:p>
+          <a:p>
+            <a:r>
+              <a:rPr lang="en-US" altLang="zh-CHS" dirty="0" smtClean="0"/>
               <a:t>Texture – Filter</a:t>
             </a:r>
           </a:p>
           <a:p>
             <a:pPr lvl="1"/>
             <a:r>
-              <a:rPr lang="en-US" altLang="zh-CN" dirty="0" smtClean="0">
+              <a:rPr lang="en-US" altLang="zh-CHS" dirty="0" smtClean="0">
                 <a:hlinkClick r:id="rId4" action="ppaction://hlinkfile"/>
               </a:rPr>
               <a:t>example</a:t>
             </a:r>
-            <a:endParaRPr lang="en-US" altLang="zh-CN" dirty="0" smtClean="0"/>
-          </a:p>
-          <a:p>
-            <a:r>
-              <a:rPr lang="en-US" altLang="zh-CN" dirty="0" smtClean="0"/>
+            <a:endParaRPr lang="en-US" altLang="zh-CHS" dirty="0" smtClean="0"/>
+          </a:p>
+          <a:p>
+            <a:r>
+              <a:rPr lang="en-US" altLang="zh-CHS" dirty="0" smtClean="0"/>
               <a:t>Wandering</a:t>
             </a:r>
           </a:p>
           <a:p>
             <a:pPr lvl="1"/>
             <a:r>
-              <a:rPr lang="en-US" altLang="zh-CN" dirty="0" smtClean="0">
+              <a:rPr lang="en-US" altLang="zh-CHS" dirty="0" smtClean="0">
                 <a:hlinkClick r:id="rId5" action="ppaction://hlinkfile"/>
               </a:rPr>
               <a:t>example</a:t>
             </a:r>
-            <a:endParaRPr lang="en-US" altLang="zh-CN" dirty="0" smtClean="0"/>
-          </a:p>
-          <a:p>
-            <a:r>
-              <a:rPr lang="en-US" altLang="zh-CN" dirty="0" smtClean="0"/>
+            <a:endParaRPr lang="en-US" altLang="zh-CHS" dirty="0" smtClean="0"/>
+          </a:p>
+          <a:p>
+            <a:r>
+              <a:rPr lang="en-US" altLang="zh-CHS" dirty="0" smtClean="0"/>
               <a:t>Fog</a:t>
             </a:r>
           </a:p>
           <a:p>
             <a:pPr lvl="1"/>
             <a:r>
-              <a:rPr lang="en-US" altLang="zh-CN" dirty="0" smtClean="0">
+              <a:rPr lang="en-US" altLang="zh-CHS" dirty="0" smtClean="0">
                 <a:hlinkClick r:id="rId6" action="ppaction://hlinkfile"/>
               </a:rPr>
               <a:t>example</a:t>
             </a:r>
-            <a:endParaRPr lang="en-US" altLang="zh-CN" dirty="0" smtClean="0"/>
-          </a:p>
-          <a:p>
-            <a:r>
-              <a:rPr lang="en-US" altLang="zh-CN" dirty="0" smtClean="0"/>
+            <a:endParaRPr lang="en-US" altLang="zh-CHS" dirty="0" smtClean="0"/>
+          </a:p>
+          <a:p>
+            <a:r>
+              <a:rPr lang="en-US" altLang="zh-CHS" dirty="0" smtClean="0"/>
               <a:t>Keyboard Control</a:t>
             </a:r>
           </a:p>
           <a:p>
             <a:pPr lvl="1"/>
             <a:r>
-              <a:rPr lang="en-US" altLang="zh-CN" dirty="0" smtClean="0">
+              <a:rPr lang="en-US" altLang="zh-CHS" dirty="0" smtClean="0">
                 <a:hlinkClick r:id="rId7" action="ppaction://hlinkfile"/>
               </a:rPr>
               <a:t>example</a:t>
             </a:r>
-            <a:endParaRPr lang="en-US" altLang="zh-CN" dirty="0" smtClean="0"/>
+            <a:endParaRPr lang="en-US" altLang="zh-CHS" dirty="0" smtClean="0"/>
           </a:p>
         </p:txBody>
       </p:sp>
@@ -8346,10 +8374,10 @@
           <a:lstStyle/>
           <a:p>
             <a:r>
-              <a:rPr lang="en-US" altLang="zh-CN" dirty="0" smtClean="0"/>
+              <a:rPr lang="en-US" altLang="zh-CHS" dirty="0" smtClean="0"/>
               <a:t>What will we do?</a:t>
             </a:r>
-            <a:endParaRPr lang="zh-CN" altLang="en-US" dirty="0"/>
+            <a:endParaRPr lang="zh-CHS" altLang="en-US" dirty="0"/>
           </a:p>
         </p:txBody>
       </p:sp>
@@ -8391,7 +8419,7 @@
           <a:lstStyle/>
           <a:p>
             <a:pPr algn="ctr"/>
-            <a:endParaRPr lang="zh-CN" altLang="en-US"/>
+            <a:endParaRPr lang="zh-CHS" altLang="en-US"/>
           </a:p>
         </p:txBody>
       </p:sp>
@@ -8433,7 +8461,7 @@
           <a:lstStyle/>
           <a:p>
             <a:pPr algn="ctr"/>
-            <a:endParaRPr lang="zh-CN" altLang="en-US"/>
+            <a:endParaRPr lang="zh-CHS" altLang="en-US"/>
           </a:p>
         </p:txBody>
       </p:sp>
@@ -8485,19 +8513,19 @@
           <a:lstStyle/>
           <a:p>
             <a:r>
-              <a:rPr lang="en-US" altLang="zh-CN" dirty="0" smtClean="0"/>
+              <a:rPr lang="en-US" altLang="zh-CHS" dirty="0" smtClean="0"/>
               <a:t>What will we do?</a:t>
             </a:r>
           </a:p>
           <a:p>
             <a:r>
-              <a:rPr lang="en-US" altLang="zh-CN" dirty="0" smtClean="0"/>
+              <a:rPr lang="en-US" altLang="zh-CHS" dirty="0" smtClean="0"/>
               <a:t>Main techniques we need</a:t>
             </a:r>
           </a:p>
           <a:p>
             <a:r>
-              <a:rPr lang="en-US" altLang="zh-CN" dirty="0" smtClean="0">
+              <a:rPr lang="en-US" altLang="zh-CHS" dirty="0" smtClean="0">
                 <a:solidFill>
                   <a:srgbClr val="FF0000"/>
                 </a:solidFill>
@@ -8523,10 +8551,10 @@
           <a:lstStyle/>
           <a:p>
             <a:r>
-              <a:rPr lang="en-US" altLang="zh-CN" dirty="0" smtClean="0"/>
+              <a:rPr lang="en-US" altLang="zh-CHS" dirty="0" smtClean="0"/>
               <a:t>Week 4</a:t>
             </a:r>
-            <a:endParaRPr lang="zh-CN" altLang="en-US" dirty="0"/>
+            <a:endParaRPr lang="zh-CHS" altLang="en-US" dirty="0"/>
           </a:p>
         </p:txBody>
       </p:sp>
@@ -8585,14 +8613,14 @@
           <a:lstStyle/>
           <a:p>
             <a:r>
-              <a:rPr lang="en-US" altLang="zh-CN" sz="2200" dirty="0" smtClean="0"/>
+              <a:rPr lang="en-US" altLang="zh-CHS" sz="2200" dirty="0" smtClean="0"/>
               <a:t>Any of the examples is acceptable</a:t>
             </a:r>
-            <a:endParaRPr lang="en-US" altLang="zh-CN" sz="1800" dirty="0" smtClean="0"/>
+            <a:endParaRPr lang="en-US" altLang="zh-CHS" sz="1800" dirty="0" smtClean="0"/>
           </a:p>
           <a:p>
             <a:pPr lvl="1"/>
-            <a:endParaRPr lang="en-US" altLang="zh-CN" sz="1800" dirty="0" smtClean="0"/>
+            <a:endParaRPr lang="en-US" altLang="zh-CHS" sz="1800" dirty="0" smtClean="0"/>
           </a:p>
         </p:txBody>
       </p:sp>
@@ -8619,10 +8647,10 @@
           <a:lstStyle/>
           <a:p>
             <a:r>
-              <a:rPr lang="en-US" altLang="zh-CN" sz="3600" dirty="0" smtClean="0"/>
+              <a:rPr lang="en-US" altLang="zh-CHS" sz="3600" dirty="0" smtClean="0"/>
               <a:t>Some more(Optional)…</a:t>
             </a:r>
-            <a:endParaRPr lang="zh-CN" altLang="en-US" sz="3600" dirty="0"/>
+            <a:endParaRPr lang="zh-CHS" altLang="en-US" sz="3600" dirty="0"/>
           </a:p>
         </p:txBody>
       </p:sp>
@@ -8674,7 +8702,7 @@
               <a:defRPr/>
             </a:pPr>
             <a:r>
-              <a:rPr kumimoji="0" lang="en-US" altLang="zh-CN" sz="3600" b="1" i="0" u="none" strike="noStrike" kern="1200" cap="none" spc="0" normalizeH="0" baseline="0" noProof="0" dirty="0" smtClean="0">
+              <a:rPr kumimoji="0" lang="en-US" altLang="zh-CHS" sz="3600" b="1" i="0" u="none" strike="noStrike" kern="1200" cap="none" spc="0" normalizeH="0" baseline="0" noProof="0" dirty="0" smtClean="0">
                 <a:ln>
                   <a:noFill/>
                 </a:ln>
@@ -8696,7 +8724,7 @@
               </a:rPr>
               <a:t>Exercise time</a:t>
             </a:r>
-            <a:endParaRPr kumimoji="0" lang="zh-CN" altLang="en-US" sz="3600" b="1" i="0" u="none" strike="noStrike" kern="1200" cap="none" spc="0" normalizeH="0" baseline="0" noProof="0" dirty="0">
+            <a:endParaRPr kumimoji="0" lang="zh-CHS" altLang="en-US" sz="3600" b="1" i="0" u="none" strike="noStrike" kern="1200" cap="none" spc="0" normalizeH="0" baseline="0" noProof="0" dirty="0">
               <a:ln>
                 <a:noFill/>
               </a:ln>
@@ -8762,7 +8790,7 @@
               <a:defRPr/>
             </a:pPr>
             <a:r>
-              <a:rPr kumimoji="0" lang="en-US" altLang="zh-CN" sz="2200" b="0" i="0" u="none" strike="noStrike" kern="1200" cap="none" spc="0" normalizeH="0" baseline="0" noProof="0" dirty="0" smtClean="0">
+              <a:rPr kumimoji="0" lang="en-US" altLang="zh-CHS" sz="2200" b="0" i="0" u="none" strike="noStrike" kern="1200" cap="none" spc="0" normalizeH="0" baseline="0" noProof="0" dirty="0" smtClean="0">
                 <a:ln>
                   <a:noFill/>
                 </a:ln>
@@ -8793,7 +8821,7 @@
               <a:defRPr/>
             </a:pPr>
             <a:r>
-              <a:rPr lang="en-US" altLang="zh-CN" sz="2200" dirty="0" smtClean="0"/>
+              <a:rPr lang="en-US" altLang="zh-CHS" sz="2200" dirty="0" smtClean="0"/>
               <a:t>A better understanding of transformation from last exercise</a:t>
             </a:r>
           </a:p>
@@ -8837,7 +8865,7 @@
           <a:lstStyle/>
           <a:p>
             <a:pPr algn="ctr"/>
-            <a:endParaRPr lang="zh-CN" altLang="en-US"/>
+            <a:endParaRPr lang="zh-CHS" altLang="en-US"/>
           </a:p>
         </p:txBody>
       </p:sp>
@@ -8889,13 +8917,13 @@
           <a:lstStyle/>
           <a:p>
             <a:r>
-              <a:rPr lang="en-US" altLang="zh-CN" dirty="0" smtClean="0"/>
+              <a:rPr lang="en-US" altLang="zh-CHS" dirty="0" smtClean="0"/>
               <a:t>What will we do?</a:t>
             </a:r>
           </a:p>
           <a:p>
             <a:r>
-              <a:rPr lang="en-US" altLang="zh-CN" dirty="0" smtClean="0">
+              <a:rPr lang="en-US" altLang="zh-CHS" dirty="0" smtClean="0">
                 <a:solidFill>
                   <a:srgbClr val="FF0000"/>
                 </a:solidFill>
@@ -8905,7 +8933,7 @@
           </a:p>
           <a:p>
             <a:r>
-              <a:rPr lang="en-US" altLang="zh-CN" dirty="0" smtClean="0"/>
+              <a:rPr lang="en-US" altLang="zh-CHS" dirty="0" smtClean="0"/>
               <a:t>Exercise time &amp; Some more (Optional)</a:t>
             </a:r>
           </a:p>
@@ -8927,10 +8955,10 @@
           <a:lstStyle/>
           <a:p>
             <a:r>
-              <a:rPr lang="en-US" altLang="zh-CN" dirty="0" smtClean="0"/>
+              <a:rPr lang="en-US" altLang="zh-CHS" dirty="0" smtClean="0"/>
               <a:t>Week 4</a:t>
             </a:r>
-            <a:endParaRPr lang="zh-CN" altLang="en-US" dirty="0"/>
+            <a:endParaRPr lang="zh-CHS" altLang="en-US" dirty="0"/>
           </a:p>
         </p:txBody>
       </p:sp>
@@ -8982,21 +9010,21 @@
           <a:lstStyle/>
           <a:p>
             <a:r>
-              <a:rPr lang="en-US" altLang="zh-CN" dirty="0" smtClean="0"/>
+              <a:rPr lang="en-US" altLang="zh-CHS" dirty="0" smtClean="0"/>
               <a:t>Texture in OpenGL</a:t>
             </a:r>
           </a:p>
           <a:p>
             <a:pPr lvl="1"/>
             <a:r>
-              <a:rPr lang="en-US" altLang="zh-CN" dirty="0" smtClean="0"/>
+              <a:rPr lang="en-US" altLang="zh-CHS" dirty="0" smtClean="0"/>
               <a:t>An important method to make great effects</a:t>
             </a:r>
           </a:p>
           <a:p>
             <a:pPr lvl="1"/>
             <a:r>
-              <a:rPr lang="en-US" altLang="zh-CN" dirty="0" smtClean="0"/>
+              <a:rPr lang="en-US" altLang="zh-CHS" dirty="0" smtClean="0"/>
               <a:t>Mainly read from an image file, probably in different kinds of formats</a:t>
             </a:r>
           </a:p>
@@ -9020,10 +9048,10 @@
           <a:lstStyle/>
           <a:p>
             <a:r>
-              <a:rPr lang="en-US" altLang="zh-CN" sz="3600" dirty="0" smtClean="0"/>
+              <a:rPr lang="en-US" altLang="zh-CHS" sz="3600" dirty="0" smtClean="0"/>
               <a:t>Main techniques we need</a:t>
             </a:r>
-            <a:endParaRPr lang="zh-CN" altLang="en-US" sz="3600" dirty="0"/>
+            <a:endParaRPr lang="zh-CHS" altLang="en-US" sz="3600" dirty="0"/>
           </a:p>
         </p:txBody>
       </p:sp>
@@ -9075,56 +9103,72 @@
           <a:lstStyle/>
           <a:p>
             <a:r>
-              <a:rPr lang="en-US" altLang="zh-CN" dirty="0" smtClean="0"/>
+              <a:rPr lang="en-US" altLang="zh-CHS" dirty="0" smtClean="0"/>
               <a:t>Texture in OpenGL</a:t>
             </a:r>
           </a:p>
           <a:p>
             <a:pPr lvl="1"/>
             <a:r>
-              <a:rPr lang="en-US" altLang="zh-CN" dirty="0" smtClean="0"/>
+              <a:rPr lang="en-US" altLang="zh-CHS" dirty="0" smtClean="0"/>
               <a:t>Basic Steps</a:t>
             </a:r>
           </a:p>
           <a:p>
             <a:pPr lvl="2"/>
             <a:r>
-              <a:rPr lang="en-US" altLang="zh-CN" dirty="0" smtClean="0"/>
+              <a:rPr lang="en-US" altLang="zh-CHS" b="1" u="sng" dirty="0" smtClean="0">
+                <a:solidFill>
+                  <a:srgbClr val="FF0000"/>
+                </a:solidFill>
+              </a:rPr>
               <a:t>Generate texture handles</a:t>
             </a:r>
           </a:p>
           <a:p>
             <a:pPr lvl="3"/>
             <a:r>
-              <a:rPr lang="en-US" altLang="zh-CN" dirty="0" smtClean="0"/>
+              <a:rPr lang="en-US" altLang="zh-CHS" b="1" u="sng" dirty="0" smtClean="0"/>
               <a:t>To distinguish from other textures</a:t>
             </a:r>
           </a:p>
           <a:p>
             <a:pPr lvl="2"/>
             <a:r>
-              <a:rPr lang="en-US" altLang="zh-CN" dirty="0" smtClean="0"/>
+              <a:rPr lang="en-US" altLang="zh-CHS" b="1" u="sng" dirty="0" smtClean="0">
+                <a:solidFill>
+                  <a:srgbClr val="FF0000"/>
+                </a:solidFill>
+              </a:rPr>
               <a:t>Read (image) data for each handle</a:t>
             </a:r>
           </a:p>
           <a:p>
             <a:pPr lvl="2"/>
             <a:r>
-              <a:rPr lang="en-US" altLang="zh-CN" dirty="0" smtClean="0"/>
+              <a:rPr lang="en-US" altLang="zh-CHS" b="1" u="sng" dirty="0" smtClean="0">
+                <a:solidFill>
+                  <a:srgbClr val="FF0000"/>
+                </a:solidFill>
+              </a:rPr>
               <a:t>Set texture parameters</a:t>
             </a:r>
           </a:p>
           <a:p>
             <a:pPr lvl="3"/>
             <a:r>
-              <a:rPr lang="en-US" altLang="zh-CN" dirty="0" smtClean="0"/>
+              <a:rPr lang="en-US" altLang="zh-CHS" b="1" u="sng" dirty="0" smtClean="0"/>
               <a:t>To achieve different effects</a:t>
             </a:r>
           </a:p>
           <a:p>
             <a:pPr lvl="2"/>
             <a:r>
-              <a:rPr lang="en-US" altLang="zh-CN" dirty="0" smtClean="0"/>
+              <a:rPr lang="en-US" altLang="zh-CHS" b="1" u="sng" dirty="0" smtClean="0">
+                <a:solidFill>
+                  <a:srgbClr val="FF0000"/>
+                </a:solidFill>
+              </a:rPr>
               <a:t>Rendering related work</a:t>
             </a:r>
           </a:p>
@@ -9148,10 +9192,10 @@
           <a:lstStyle/>
           <a:p>
             <a:r>
-              <a:rPr lang="en-US" altLang="zh-CN" sz="3600" dirty="0" smtClean="0"/>
+              <a:rPr lang="en-US" altLang="zh-CHS" sz="3600" dirty="0" smtClean="0"/>
               <a:t>Main techniques we need</a:t>
             </a:r>
-            <a:endParaRPr lang="zh-CN" altLang="en-US" sz="3600" dirty="0"/>
+            <a:endParaRPr lang="zh-CHS" altLang="en-US" sz="3600" dirty="0"/>
           </a:p>
         </p:txBody>
       </p:sp>
@@ -9203,90 +9247,90 @@
           <a:lstStyle/>
           <a:p>
             <a:r>
-              <a:rPr lang="en-US" altLang="zh-CN" dirty="0" smtClean="0"/>
+              <a:rPr lang="en-US" altLang="zh-CHS" dirty="0" smtClean="0"/>
               <a:t>Texture in OpenGL</a:t>
             </a:r>
           </a:p>
           <a:p>
             <a:pPr lvl="1"/>
             <a:r>
-              <a:rPr lang="en-US" altLang="zh-CN" dirty="0" smtClean="0"/>
+              <a:rPr lang="en-US" altLang="zh-CHS" dirty="0" smtClean="0"/>
               <a:t>Generate texture handles</a:t>
             </a:r>
           </a:p>
           <a:p>
             <a:pPr lvl="1"/>
-            <a:endParaRPr lang="en-US" altLang="zh-CN" dirty="0" smtClean="0"/>
+            <a:endParaRPr lang="en-US" altLang="zh-CHS" dirty="0" smtClean="0"/>
           </a:p>
           <a:p>
             <a:pPr lvl="1">
               <a:buNone/>
             </a:pPr>
             <a:r>
-              <a:rPr lang="en-US" altLang="zh-CN" b="1" dirty="0" smtClean="0"/>
+              <a:rPr lang="en-US" altLang="zh-CHS" b="1" dirty="0" smtClean="0"/>
               <a:t>	void </a:t>
             </a:r>
             <a:r>
-              <a:rPr lang="en-US" altLang="zh-CN" b="1" dirty="0" err="1" smtClean="0"/>
+              <a:rPr lang="en-US" altLang="zh-CHS" b="1" dirty="0" err="1" smtClean="0"/>
               <a:t>glGenTextures</a:t>
             </a:r>
             <a:r>
-              <a:rPr lang="en-US" altLang="zh-CN" b="1" dirty="0" smtClean="0"/>
+              <a:rPr lang="en-US" altLang="zh-CHS" b="1" dirty="0" smtClean="0"/>
               <a:t>(</a:t>
             </a:r>
             <a:r>
-              <a:rPr lang="en-US" altLang="zh-CN" b="1" dirty="0" err="1" smtClean="0"/>
+              <a:rPr lang="en-US" altLang="zh-CHS" b="1" dirty="0" err="1" smtClean="0"/>
               <a:t>GLsizei</a:t>
             </a:r>
             <a:r>
-              <a:rPr lang="en-US" altLang="zh-CN" b="1" dirty="0" smtClean="0"/>
+              <a:rPr lang="en-US" altLang="zh-CHS" b="1" dirty="0" smtClean="0"/>
               <a:t> </a:t>
             </a:r>
             <a:r>
-              <a:rPr lang="en-US" altLang="zh-CN" b="1" i="1" dirty="0" smtClean="0"/>
+              <a:rPr lang="en-US" altLang="zh-CHS" b="1" i="1" dirty="0" smtClean="0"/>
               <a:t>n</a:t>
             </a:r>
             <a:r>
-              <a:rPr lang="en-US" altLang="zh-CN" b="1" dirty="0" smtClean="0"/>
+              <a:rPr lang="en-US" altLang="zh-CHS" b="1" dirty="0" smtClean="0"/>
               <a:t>, </a:t>
             </a:r>
             <a:r>
-              <a:rPr lang="en-US" altLang="zh-CN" b="1" dirty="0" err="1" smtClean="0"/>
+              <a:rPr lang="en-US" altLang="zh-CHS" b="1" dirty="0" err="1" smtClean="0"/>
               <a:t>GLuint</a:t>
             </a:r>
             <a:r>
-              <a:rPr lang="en-US" altLang="zh-CN" b="1" dirty="0" smtClean="0"/>
+              <a:rPr lang="en-US" altLang="zh-CHS" b="1" dirty="0" smtClean="0"/>
               <a:t>* </a:t>
             </a:r>
             <a:r>
-              <a:rPr lang="en-US" altLang="zh-CN" b="1" i="1" dirty="0" smtClean="0"/>
+              <a:rPr lang="en-US" altLang="zh-CHS" b="1" i="1" dirty="0" smtClean="0"/>
               <a:t>textures</a:t>
             </a:r>
             <a:r>
-              <a:rPr lang="en-US" altLang="zh-CN" b="1" dirty="0" smtClean="0"/>
+              <a:rPr lang="en-US" altLang="zh-CHS" b="1" dirty="0" smtClean="0"/>
               <a:t>)</a:t>
             </a:r>
           </a:p>
           <a:p>
             <a:pPr lvl="2"/>
             <a:r>
-              <a:rPr lang="en-US" altLang="zh-CN" dirty="0" smtClean="0"/>
+              <a:rPr lang="en-US" altLang="zh-CHS" dirty="0" smtClean="0"/>
               <a:t>n – texture number</a:t>
             </a:r>
           </a:p>
           <a:p>
             <a:pPr lvl="2"/>
             <a:r>
-              <a:rPr lang="en-US" altLang="zh-CN" dirty="0" smtClean="0"/>
+              <a:rPr lang="en-US" altLang="zh-CHS" dirty="0" smtClean="0"/>
               <a:t>textures – starting address of textures’ handles</a:t>
             </a:r>
-            <a:endParaRPr lang="en-US" altLang="zh-CN" b="1" dirty="0" smtClean="0"/>
+            <a:endParaRPr lang="en-US" altLang="zh-CHS" b="1" dirty="0" smtClean="0"/>
           </a:p>
           <a:p>
             <a:pPr lvl="1">
               <a:buNone/>
             </a:pPr>
-            <a:endParaRPr lang="en-US" altLang="zh-CN" b="1" dirty="0" smtClean="0"/>
+            <a:endParaRPr lang="en-US" altLang="zh-CHS" b="1" dirty="0" smtClean="0"/>
           </a:p>
         </p:txBody>
       </p:sp>
@@ -9308,10 +9352,10 @@
           <a:lstStyle/>
           <a:p>
             <a:r>
-              <a:rPr lang="en-US" altLang="zh-CN" sz="3600" dirty="0" smtClean="0"/>
+              <a:rPr lang="en-US" altLang="zh-CHS" sz="3600" dirty="0" smtClean="0"/>
               <a:t>Main techniques we need</a:t>
             </a:r>
-            <a:endParaRPr lang="zh-CN" altLang="en-US" sz="3600" dirty="0"/>
+            <a:endParaRPr lang="zh-CHS" altLang="en-US" sz="3600" dirty="0"/>
           </a:p>
         </p:txBody>
       </p:sp>
@@ -9365,14 +9409,14 @@
           <a:lstStyle/>
           <a:p>
             <a:r>
-              <a:rPr lang="en-US" altLang="zh-CN" dirty="0" smtClean="0"/>
+              <a:rPr lang="en-US" altLang="zh-CHS" dirty="0" smtClean="0"/>
               <a:t>Texture in OpenGL</a:t>
             </a:r>
           </a:p>
           <a:p>
             <a:pPr lvl="1"/>
             <a:r>
-              <a:rPr lang="en-US" altLang="zh-CN" dirty="0" smtClean="0"/>
+              <a:rPr lang="en-US" altLang="zh-CHS" dirty="0" smtClean="0"/>
               <a:t>Read (image) data for each handle</a:t>
             </a:r>
           </a:p>
@@ -9380,30 +9424,30 @@
             <a:pPr lvl="1">
               <a:buNone/>
             </a:pPr>
-            <a:endParaRPr lang="en-US" altLang="zh-CN" dirty="0" smtClean="0"/>
+            <a:endParaRPr lang="en-US" altLang="zh-CHS" dirty="0" smtClean="0"/>
           </a:p>
           <a:p>
             <a:pPr lvl="1">
               <a:buNone/>
             </a:pPr>
             <a:r>
-              <a:rPr lang="en-US" altLang="zh-CN" b="1" dirty="0" smtClean="0"/>
+              <a:rPr lang="en-US" altLang="zh-CHS" b="1" dirty="0" smtClean="0"/>
               <a:t>	void glTexImage2D(</a:t>
             </a:r>
             <a:r>
-              <a:rPr lang="en-US" altLang="zh-CN" b="1" dirty="0" err="1" smtClean="0"/>
+              <a:rPr lang="en-US" altLang="zh-CHS" b="1" dirty="0" err="1" smtClean="0"/>
               <a:t>GLenum</a:t>
             </a:r>
             <a:r>
-              <a:rPr lang="en-US" altLang="zh-CN" b="1" dirty="0" smtClean="0"/>
+              <a:rPr lang="en-US" altLang="zh-CHS" b="1" dirty="0" smtClean="0"/>
               <a:t> </a:t>
             </a:r>
             <a:r>
-              <a:rPr lang="en-US" altLang="zh-CN" b="1" i="1" dirty="0" smtClean="0"/>
+              <a:rPr lang="en-US" altLang="zh-CHS" b="1" i="1" dirty="0" smtClean="0"/>
               <a:t>target</a:t>
             </a:r>
             <a:r>
-              <a:rPr lang="en-US" altLang="zh-CN" b="1" dirty="0" smtClean="0"/>
+              <a:rPr lang="en-US" altLang="zh-CHS" b="1" dirty="0" smtClean="0"/>
               <a:t>, </a:t>
             </a:r>
           </a:p>
@@ -9412,23 +9456,23 @@
               <a:buNone/>
             </a:pPr>
             <a:r>
-              <a:rPr lang="en-US" altLang="zh-CN" b="1" dirty="0" smtClean="0"/>
+              <a:rPr lang="en-US" altLang="zh-CHS" b="1" dirty="0" smtClean="0"/>
               <a:t>					</a:t>
             </a:r>
             <a:r>
-              <a:rPr lang="en-US" altLang="zh-CN" b="1" dirty="0" err="1" smtClean="0"/>
+              <a:rPr lang="en-US" altLang="zh-CHS" b="1" dirty="0" err="1" smtClean="0"/>
               <a:t>GLint</a:t>
             </a:r>
             <a:r>
-              <a:rPr lang="en-US" altLang="zh-CN" b="1" dirty="0" smtClean="0"/>
+              <a:rPr lang="en-US" altLang="zh-CHS" b="1" dirty="0" smtClean="0"/>
               <a:t> </a:t>
             </a:r>
             <a:r>
-              <a:rPr lang="en-US" altLang="zh-CN" b="1" i="1" dirty="0" smtClean="0"/>
+              <a:rPr lang="en-US" altLang="zh-CHS" b="1" i="1" dirty="0" smtClean="0"/>
               <a:t>level</a:t>
             </a:r>
             <a:r>
-              <a:rPr lang="en-US" altLang="zh-CN" b="1" dirty="0" smtClean="0"/>
+              <a:rPr lang="en-US" altLang="zh-CHS" b="1" dirty="0" smtClean="0"/>
               <a:t>, </a:t>
             </a:r>
           </a:p>
@@ -9437,23 +9481,23 @@
               <a:buNone/>
             </a:pPr>
             <a:r>
-              <a:rPr lang="en-US" altLang="zh-CN" b="1" dirty="0" smtClean="0"/>
+              <a:rPr lang="en-US" altLang="zh-CHS" b="1" dirty="0" smtClean="0"/>
               <a:t>					</a:t>
             </a:r>
             <a:r>
-              <a:rPr lang="en-US" altLang="zh-CN" b="1" dirty="0" err="1" smtClean="0"/>
+              <a:rPr lang="en-US" altLang="zh-CHS" b="1" dirty="0" err="1" smtClean="0"/>
               <a:t>GLint</a:t>
             </a:r>
             <a:r>
-              <a:rPr lang="en-US" altLang="zh-CN" b="1" dirty="0" smtClean="0"/>
+              <a:rPr lang="en-US" altLang="zh-CHS" b="1" dirty="0" smtClean="0"/>
               <a:t> </a:t>
             </a:r>
             <a:r>
-              <a:rPr lang="en-US" altLang="zh-CN" b="1" i="1" dirty="0" err="1" smtClean="0"/>
+              <a:rPr lang="en-US" altLang="zh-CHS" b="1" i="1" dirty="0" err="1" smtClean="0"/>
               <a:t>internalformat</a:t>
             </a:r>
             <a:r>
-              <a:rPr lang="en-US" altLang="zh-CN" b="1" dirty="0" smtClean="0"/>
+              <a:rPr lang="en-US" altLang="zh-CHS" b="1" dirty="0" smtClean="0"/>
               <a:t>, </a:t>
             </a:r>
           </a:p>
@@ -9462,39 +9506,39 @@
               <a:buNone/>
             </a:pPr>
             <a:r>
-              <a:rPr lang="en-US" altLang="zh-CN" b="1" dirty="0" smtClean="0"/>
+              <a:rPr lang="en-US" altLang="zh-CHS" b="1" dirty="0" smtClean="0"/>
               <a:t>					</a:t>
             </a:r>
             <a:r>
-              <a:rPr lang="en-US" altLang="zh-CN" b="1" dirty="0" err="1" smtClean="0"/>
+              <a:rPr lang="en-US" altLang="zh-CHS" b="1" dirty="0" err="1" smtClean="0"/>
               <a:t>GLsizei</a:t>
             </a:r>
             <a:r>
-              <a:rPr lang="en-US" altLang="zh-CN" b="1" dirty="0" smtClean="0"/>
+              <a:rPr lang="en-US" altLang="zh-CHS" b="1" dirty="0" smtClean="0"/>
               <a:t> </a:t>
             </a:r>
             <a:r>
-              <a:rPr lang="en-US" altLang="zh-CN" b="1" i="1" dirty="0" smtClean="0"/>
+              <a:rPr lang="en-US" altLang="zh-CHS" b="1" i="1" dirty="0" smtClean="0"/>
               <a:t>width</a:t>
             </a:r>
             <a:r>
-              <a:rPr lang="en-US" altLang="zh-CN" b="1" dirty="0" smtClean="0"/>
+              <a:rPr lang="en-US" altLang="zh-CHS" b="1" dirty="0" smtClean="0"/>
               <a:t>, </a:t>
             </a:r>
             <a:r>
-              <a:rPr lang="en-US" altLang="zh-CN" b="1" dirty="0" err="1" smtClean="0"/>
+              <a:rPr lang="en-US" altLang="zh-CHS" b="1" dirty="0" err="1" smtClean="0"/>
               <a:t>GLsizei</a:t>
             </a:r>
             <a:r>
-              <a:rPr lang="en-US" altLang="zh-CN" b="1" dirty="0" smtClean="0"/>
+              <a:rPr lang="en-US" altLang="zh-CHS" b="1" dirty="0" smtClean="0"/>
               <a:t> </a:t>
             </a:r>
             <a:r>
-              <a:rPr lang="en-US" altLang="zh-CN" b="1" i="1" dirty="0" smtClean="0"/>
+              <a:rPr lang="en-US" altLang="zh-CHS" b="1" i="1" dirty="0" smtClean="0"/>
               <a:t>height</a:t>
             </a:r>
             <a:r>
-              <a:rPr lang="en-US" altLang="zh-CN" b="1" dirty="0" smtClean="0"/>
+              <a:rPr lang="en-US" altLang="zh-CHS" b="1" dirty="0" smtClean="0"/>
               <a:t>, </a:t>
             </a:r>
           </a:p>
@@ -9503,23 +9547,23 @@
               <a:buNone/>
             </a:pPr>
             <a:r>
-              <a:rPr lang="en-US" altLang="zh-CN" b="1" dirty="0" smtClean="0"/>
+              <a:rPr lang="en-US" altLang="zh-CHS" b="1" dirty="0" smtClean="0"/>
               <a:t>					</a:t>
             </a:r>
             <a:r>
-              <a:rPr lang="en-US" altLang="zh-CN" b="1" dirty="0" err="1" smtClean="0"/>
+              <a:rPr lang="en-US" altLang="zh-CHS" b="1" dirty="0" err="1" smtClean="0"/>
               <a:t>GLint</a:t>
             </a:r>
             <a:r>
-              <a:rPr lang="en-US" altLang="zh-CN" b="1" dirty="0" smtClean="0"/>
+              <a:rPr lang="en-US" altLang="zh-CHS" b="1" dirty="0" smtClean="0"/>
               <a:t> </a:t>
             </a:r>
             <a:r>
-              <a:rPr lang="en-US" altLang="zh-CN" b="1" i="1" dirty="0" smtClean="0"/>
+              <a:rPr lang="en-US" altLang="zh-CHS" b="1" i="1" dirty="0" smtClean="0"/>
               <a:t>border</a:t>
             </a:r>
             <a:r>
-              <a:rPr lang="en-US" altLang="zh-CN" b="1" dirty="0" smtClean="0"/>
+              <a:rPr lang="en-US" altLang="zh-CHS" b="1" dirty="0" smtClean="0"/>
               <a:t>, </a:t>
             </a:r>
           </a:p>
@@ -9528,23 +9572,23 @@
               <a:buNone/>
             </a:pPr>
             <a:r>
-              <a:rPr lang="en-US" altLang="zh-CN" b="1" dirty="0" smtClean="0"/>
+              <a:rPr lang="en-US" altLang="zh-CHS" b="1" dirty="0" smtClean="0"/>
               <a:t>					</a:t>
             </a:r>
             <a:r>
-              <a:rPr lang="en-US" altLang="zh-CN" b="1" dirty="0" err="1" smtClean="0"/>
+              <a:rPr lang="en-US" altLang="zh-CHS" b="1" dirty="0" err="1" smtClean="0"/>
               <a:t>GLenum</a:t>
             </a:r>
             <a:r>
-              <a:rPr lang="en-US" altLang="zh-CN" b="1" dirty="0" smtClean="0"/>
+              <a:rPr lang="en-US" altLang="zh-CHS" b="1" dirty="0" smtClean="0"/>
               <a:t> </a:t>
             </a:r>
             <a:r>
-              <a:rPr lang="en-US" altLang="zh-CN" b="1" i="1" dirty="0" smtClean="0"/>
+              <a:rPr lang="en-US" altLang="zh-CHS" b="1" i="1" dirty="0" smtClean="0"/>
               <a:t>format</a:t>
             </a:r>
             <a:r>
-              <a:rPr lang="en-US" altLang="zh-CN" b="1" dirty="0" smtClean="0"/>
+              <a:rPr lang="en-US" altLang="zh-CHS" b="1" dirty="0" smtClean="0"/>
               <a:t>, </a:t>
             </a:r>
           </a:p>
@@ -9553,23 +9597,23 @@
               <a:buNone/>
             </a:pPr>
             <a:r>
-              <a:rPr lang="en-US" altLang="zh-CN" b="1" dirty="0" smtClean="0"/>
+              <a:rPr lang="en-US" altLang="zh-CHS" b="1" dirty="0" smtClean="0"/>
               <a:t>					</a:t>
             </a:r>
             <a:r>
-              <a:rPr lang="en-US" altLang="zh-CN" b="1" dirty="0" err="1" smtClean="0"/>
+              <a:rPr lang="en-US" altLang="zh-CHS" b="1" dirty="0" err="1" smtClean="0"/>
               <a:t>GLenum</a:t>
             </a:r>
             <a:r>
-              <a:rPr lang="en-US" altLang="zh-CN" b="1" dirty="0" smtClean="0"/>
+              <a:rPr lang="en-US" altLang="zh-CHS" b="1" dirty="0" smtClean="0"/>
               <a:t> </a:t>
             </a:r>
             <a:r>
-              <a:rPr lang="en-US" altLang="zh-CN" b="1" i="1" dirty="0" smtClean="0"/>
+              <a:rPr lang="en-US" altLang="zh-CHS" b="1" i="1" dirty="0" smtClean="0"/>
               <a:t>type</a:t>
             </a:r>
             <a:r>
-              <a:rPr lang="en-US" altLang="zh-CN" b="1" dirty="0" smtClean="0"/>
+              <a:rPr lang="en-US" altLang="zh-CHS" b="1" dirty="0" smtClean="0"/>
               <a:t>, </a:t>
             </a:r>
           </a:p>
@@ -9578,15 +9622,15 @@
               <a:buNone/>
             </a:pPr>
             <a:r>
-              <a:rPr lang="en-US" altLang="zh-CN" b="1" dirty="0" smtClean="0"/>
+              <a:rPr lang="en-US" altLang="zh-CHS" b="1" dirty="0" smtClean="0"/>
               <a:t>					void* </a:t>
             </a:r>
             <a:r>
-              <a:rPr lang="en-US" altLang="zh-CN" b="1" i="1" dirty="0" smtClean="0"/>
+              <a:rPr lang="en-US" altLang="zh-CHS" b="1" i="1" dirty="0" smtClean="0"/>
               <a:t>data</a:t>
             </a:r>
             <a:r>
-              <a:rPr lang="en-US" altLang="zh-CN" b="1" dirty="0" smtClean="0"/>
+              <a:rPr lang="en-US" altLang="zh-CHS" b="1" dirty="0" smtClean="0"/>
               <a:t>)</a:t>
             </a:r>
           </a:p>
@@ -9594,14 +9638,14 @@
             <a:pPr lvl="1">
               <a:buNone/>
             </a:pPr>
-            <a:endParaRPr lang="en-US" altLang="zh-CN" b="1" dirty="0" smtClean="0"/>
+            <a:endParaRPr lang="en-US" altLang="zh-CHS" b="1" dirty="0" smtClean="0"/>
           </a:p>
           <a:p>
             <a:pPr lvl="1">
               <a:buNone/>
             </a:pPr>
             <a:r>
-              <a:rPr lang="en-US" altLang="zh-CN" dirty="0" smtClean="0"/>
+              <a:rPr lang="en-US" altLang="zh-CHS" dirty="0" smtClean="0"/>
               <a:t>	An awful lot of parameters…</a:t>
             </a:r>
           </a:p>
@@ -9609,7 +9653,7 @@
             <a:pPr lvl="1">
               <a:buNone/>
             </a:pPr>
-            <a:endParaRPr lang="en-US" altLang="zh-CN" b="1" dirty="0" smtClean="0"/>
+            <a:endParaRPr lang="en-US" altLang="zh-CHS" b="1" dirty="0" smtClean="0"/>
           </a:p>
         </p:txBody>
       </p:sp>
@@ -9631,10 +9675,10 @@
           <a:lstStyle/>
           <a:p>
             <a:r>
-              <a:rPr lang="en-US" altLang="zh-CN" sz="3600" dirty="0" smtClean="0"/>
+              <a:rPr lang="en-US" altLang="zh-CHS" sz="3600" dirty="0" smtClean="0"/>
               <a:t>Main techniques we need</a:t>
             </a:r>
-            <a:endParaRPr lang="zh-CN" altLang="en-US" sz="3600" dirty="0"/>
+            <a:endParaRPr lang="zh-CHS" altLang="en-US" sz="3600" dirty="0"/>
           </a:p>
         </p:txBody>
       </p:sp>
@@ -9686,111 +9730,111 @@
           <a:lstStyle/>
           <a:p>
             <a:r>
-              <a:rPr lang="en-US" altLang="zh-CN" dirty="0" smtClean="0"/>
+              <a:rPr lang="en-US" altLang="zh-CHS" dirty="0" smtClean="0"/>
               <a:t>Texture in OpenGL</a:t>
             </a:r>
           </a:p>
           <a:p>
             <a:pPr lvl="1"/>
             <a:r>
-              <a:rPr lang="en-US" altLang="zh-CN" dirty="0" smtClean="0"/>
+              <a:rPr lang="en-US" altLang="zh-CHS" dirty="0" smtClean="0"/>
               <a:t>Read (image) data for each handle</a:t>
             </a:r>
           </a:p>
           <a:p>
             <a:pPr lvl="1"/>
-            <a:endParaRPr lang="en-US" altLang="zh-CN" dirty="0" smtClean="0"/>
+            <a:endParaRPr lang="en-US" altLang="zh-CHS" dirty="0" smtClean="0"/>
           </a:p>
           <a:p>
             <a:pPr lvl="2"/>
             <a:r>
-              <a:rPr lang="en-US" altLang="zh-CN" dirty="0" smtClean="0"/>
+              <a:rPr lang="en-US" altLang="zh-CHS" dirty="0" smtClean="0"/>
               <a:t>target – which kind of texture you are setting</a:t>
             </a:r>
           </a:p>
           <a:p>
             <a:pPr lvl="3"/>
             <a:r>
-              <a:rPr lang="en-US" altLang="zh-CN" dirty="0" smtClean="0"/>
+              <a:rPr lang="en-US" altLang="zh-CHS" dirty="0" smtClean="0"/>
               <a:t>GL_TEXTURE_1D</a:t>
             </a:r>
           </a:p>
           <a:p>
             <a:pPr lvl="3"/>
             <a:r>
-              <a:rPr lang="en-US" altLang="zh-CN" dirty="0" smtClean="0"/>
+              <a:rPr lang="en-US" altLang="zh-CHS" dirty="0" smtClean="0"/>
               <a:t>GL_TEXTURE_2D</a:t>
             </a:r>
           </a:p>
           <a:p>
             <a:pPr lvl="3"/>
             <a:r>
-              <a:rPr lang="en-US" altLang="zh-CN" dirty="0" smtClean="0"/>
+              <a:rPr lang="en-US" altLang="zh-CHS" dirty="0" smtClean="0"/>
               <a:t>GL_TEXTURE_3D</a:t>
             </a:r>
           </a:p>
           <a:p>
             <a:pPr lvl="3"/>
             <a:r>
-              <a:rPr lang="en-US" altLang="zh-CN" dirty="0" smtClean="0"/>
+              <a:rPr lang="en-US" altLang="zh-CHS" dirty="0" smtClean="0"/>
               <a:t>…</a:t>
             </a:r>
           </a:p>
           <a:p>
             <a:pPr lvl="3"/>
-            <a:endParaRPr lang="en-US" altLang="zh-CN" dirty="0" smtClean="0"/>
+            <a:endParaRPr lang="en-US" altLang="zh-CHS" dirty="0" smtClean="0"/>
           </a:p>
           <a:p>
             <a:pPr lvl="2"/>
             <a:r>
-              <a:rPr lang="en-US" altLang="zh-CN" dirty="0" smtClean="0"/>
+              <a:rPr lang="en-US" altLang="zh-CHS" dirty="0" smtClean="0"/>
               <a:t>You need to BIND your generated texture to the target</a:t>
             </a:r>
           </a:p>
           <a:p>
             <a:pPr lvl="3"/>
             <a:r>
-              <a:rPr lang="en-US" altLang="zh-CN" dirty="0" smtClean="0"/>
+              <a:rPr lang="en-US" altLang="zh-CHS" dirty="0" smtClean="0"/>
               <a:t>with </a:t>
             </a:r>
             <a:r>
-              <a:rPr lang="en-US" altLang="zh-CN" dirty="0" err="1" smtClean="0"/>
+              <a:rPr lang="en-US" altLang="zh-CHS" dirty="0" err="1" smtClean="0"/>
               <a:t>glBindTexture</a:t>
             </a:r>
             <a:r>
-              <a:rPr lang="en-US" altLang="zh-CN" dirty="0" smtClean="0"/>
+              <a:rPr lang="en-US" altLang="zh-CHS" dirty="0" smtClean="0"/>
               <a:t>(</a:t>
             </a:r>
             <a:r>
-              <a:rPr lang="en-US" altLang="zh-CN" dirty="0" err="1" smtClean="0"/>
+              <a:rPr lang="en-US" altLang="zh-CHS" dirty="0" err="1" smtClean="0"/>
               <a:t>GLenum</a:t>
             </a:r>
             <a:r>
-              <a:rPr lang="en-US" altLang="zh-CN" dirty="0" smtClean="0"/>
+              <a:rPr lang="en-US" altLang="zh-CHS" dirty="0" smtClean="0"/>
               <a:t> </a:t>
             </a:r>
             <a:r>
-              <a:rPr lang="en-US" altLang="zh-CN" i="1" dirty="0" smtClean="0"/>
+              <a:rPr lang="en-US" altLang="zh-CHS" i="1" dirty="0" smtClean="0"/>
               <a:t>target</a:t>
             </a:r>
             <a:r>
-              <a:rPr lang="en-US" altLang="zh-CN" dirty="0" smtClean="0"/>
+              <a:rPr lang="en-US" altLang="zh-CHS" dirty="0" smtClean="0"/>
               <a:t>, </a:t>
             </a:r>
             <a:r>
-              <a:rPr lang="en-US" altLang="zh-CN" dirty="0" err="1" smtClean="0"/>
+              <a:rPr lang="en-US" altLang="zh-CHS" dirty="0" err="1" smtClean="0"/>
               <a:t>GLuint</a:t>
             </a:r>
             <a:r>
-              <a:rPr lang="en-US" altLang="zh-CN" dirty="0" smtClean="0"/>
+              <a:rPr lang="en-US" altLang="zh-CHS" dirty="0" smtClean="0"/>
               <a:t> </a:t>
             </a:r>
             <a:r>
-              <a:rPr lang="en-US" altLang="zh-CN" i="1" dirty="0" smtClean="0"/>
+              <a:rPr lang="en-US" altLang="zh-CHS" i="1" dirty="0" smtClean="0"/>
               <a:t>texture</a:t>
             </a:r>
             <a:r>
-              <a:rPr lang="en-US" altLang="zh-CN" dirty="0" smtClean="0"/>
+              <a:rPr lang="en-US" altLang="zh-CHS" dirty="0" smtClean="0"/>
               <a:t>)</a:t>
             </a:r>
           </a:p>
@@ -9814,10 +9858,10 @@
           <a:lstStyle/>
           <a:p>
             <a:r>
-              <a:rPr lang="en-US" altLang="zh-CN" sz="3600" dirty="0" smtClean="0"/>
+              <a:rPr lang="en-US" altLang="zh-CHS" sz="3600" dirty="0" smtClean="0"/>
               <a:t>Main techniques we need</a:t>
             </a:r>
-            <a:endParaRPr lang="zh-CN" altLang="en-US" sz="3600" dirty="0"/>
+            <a:endParaRPr lang="zh-CHS" altLang="en-US" sz="3600" dirty="0"/>
           </a:p>
         </p:txBody>
       </p:sp>
